--- a/courses/ase/lectures/Ch13 Security engineering.pptx
+++ b/courses/ase/lectures/Ch13 Security engineering.pptx
@@ -59,8 +59,8 @@
     <p:sldId id="372" r:id="rId47"/>
     <p:sldId id="281" r:id="rId48"/>
     <p:sldId id="258" r:id="rId49"/>
-    <p:sldId id="373" r:id="rId50"/>
-    <p:sldId id="369" r:id="rId51"/>
+    <p:sldId id="369" r:id="rId50"/>
+    <p:sldId id="373" r:id="rId51"/>
     <p:sldId id="282" r:id="rId52"/>
     <p:sldId id="259" r:id="rId53"/>
     <p:sldId id="319" r:id="rId54"/>
@@ -181,6 +181,22 @@
       </a:defRPr>
     </a:lvl9pPr>
   </p:defaultTextStyle>
+  <p:extLst>
+    <p:ext uri="{EFAFB233-063F-42B5-8137-9DF3F51BA10A}">
+      <p15:sldGuideLst xmlns:p15="http://schemas.microsoft.com/office/powerpoint/2012/main">
+        <p15:guide id="1" orient="horz" pos="2160">
+          <p15:clr>
+            <a:srgbClr val="A4A3A4"/>
+          </p15:clr>
+        </p15:guide>
+        <p15:guide id="2" pos="2880">
+          <p15:clr>
+            <a:srgbClr val="A4A3A4"/>
+          </p15:clr>
+        </p15:guide>
+      </p15:sldGuideLst>
+    </p:ext>
+  </p:extLst>
 </p:presentation>
 </file>
 
@@ -267,7 +283,7 @@
             <a:fld id="{B6D3D62E-D0EC-F54F-AB63-33C13DC0F3F4}" type="datetimeFigureOut">
               <a:rPr lang="en-US" smtClean="0"/>
               <a:pPr/>
-              <a:t>12/11/2014</a:t>
+              <a:t>2/10/21</a:t>
             </a:fld>
             <a:endParaRPr lang="en-US"/>
           </a:p>
@@ -435,7 +451,7 @@
             <a:fld id="{B5D610D5-FB77-D84E-BBD0-81880621CA15}" type="datetimeFigureOut">
               <a:rPr lang="en-US" smtClean="0"/>
               <a:pPr/>
-              <a:t>12/11/2014</a:t>
+              <a:t>2/10/21</a:t>
             </a:fld>
             <a:endParaRPr lang="en-US"/>
           </a:p>
@@ -501,35 +517,35 @@
           <a:p>
             <a:pPr lvl="0"/>
             <a:r>
-              <a:rPr lang="en-GB" smtClean="0"/>
+              <a:rPr lang="en-GB"/>
               <a:t>Click to edit Master text styles</a:t>
             </a:r>
           </a:p>
           <a:p>
             <a:pPr lvl="1"/>
             <a:r>
-              <a:rPr lang="en-GB" smtClean="0"/>
+              <a:rPr lang="en-GB"/>
               <a:t>Second level</a:t>
             </a:r>
           </a:p>
           <a:p>
             <a:pPr lvl="2"/>
             <a:r>
-              <a:rPr lang="en-GB" smtClean="0"/>
+              <a:rPr lang="en-GB"/>
               <a:t>Third level</a:t>
             </a:r>
           </a:p>
           <a:p>
             <a:pPr lvl="3"/>
             <a:r>
-              <a:rPr lang="en-GB" smtClean="0"/>
+              <a:rPr lang="en-GB"/>
               <a:t>Fourth level</a:t>
             </a:r>
           </a:p>
           <a:p>
             <a:pPr lvl="4"/>
             <a:r>
-              <a:rPr lang="en-GB" smtClean="0"/>
+              <a:rPr lang="en-GB"/>
               <a:t>Fifth level</a:t>
             </a:r>
             <a:endParaRPr lang="en-US"/>
@@ -1567,7 +1583,7 @@
           <a:lstStyle/>
           <a:p>
             <a:r>
-              <a:rPr lang="en-GB" smtClean="0"/>
+              <a:rPr lang="en-GB"/>
               <a:t>Click to edit Master title style</a:t>
             </a:r>
             <a:endParaRPr lang="en-US"/>
@@ -1689,7 +1705,7 @@
           </a:lstStyle>
           <a:p>
             <a:r>
-              <a:rPr lang="en-GB" smtClean="0"/>
+              <a:rPr lang="en-GB"/>
               <a:t>Click to edit Master subtitle style</a:t>
             </a:r>
             <a:endParaRPr lang="en-US"/>
@@ -1716,7 +1732,7 @@
           </a:lstStyle>
           <a:p>
             <a:r>
-              <a:rPr lang="en-GB" smtClean="0"/>
+              <a:rPr lang="en-GB"/>
               <a:t>12/11/2014</a:t>
             </a:r>
             <a:endParaRPr lang="en-US"/>
@@ -1743,10 +1759,9 @@
           </a:lstStyle>
           <a:p>
             <a:r>
-              <a:rPr lang="en-US" smtClean="0"/>
+              <a:rPr lang="en-US"/>
               <a:t>Chapter 13 Security Engineering</a:t>
             </a:r>
-            <a:endParaRPr lang="en-US"/>
           </a:p>
         </p:txBody>
       </p:sp>
@@ -1783,16 +1798,9 @@
   <p:clrMapOvr>
     <a:masterClrMapping/>
   </p:clrMapOvr>
-  <p:transition xmlns:p14="http://schemas.microsoft.com/office/powerpoint/2010/main" spd="med">
+  <p:transition spd="med">
     <p:wipe dir="r"/>
   </p:transition>
-  <p:timing>
-    <p:tnLst>
-      <p:par>
-        <p:cTn xmlns:p14="http://schemas.microsoft.com/office/powerpoint/2010/main" id="1" dur="indefinite" restart="never" nodeType="tmRoot"/>
-      </p:par>
-    </p:tnLst>
-  </p:timing>
 </p:sldLayout>
 </file>
 
@@ -1829,7 +1837,7 @@
           <a:lstStyle/>
           <a:p>
             <a:r>
-              <a:rPr lang="en-GB" smtClean="0"/>
+              <a:rPr lang="en-GB"/>
               <a:t>Click to edit Master title style</a:t>
             </a:r>
             <a:endParaRPr lang="en-US"/>
@@ -1861,35 +1869,35 @@
           <a:p>
             <a:pPr lvl="0"/>
             <a:r>
-              <a:rPr lang="en-GB" smtClean="0"/>
+              <a:rPr lang="en-GB"/>
               <a:t>Click to edit Master text styles</a:t>
             </a:r>
           </a:p>
           <a:p>
             <a:pPr lvl="1"/>
             <a:r>
-              <a:rPr lang="en-GB" smtClean="0"/>
+              <a:rPr lang="en-GB"/>
               <a:t>Second level</a:t>
             </a:r>
           </a:p>
           <a:p>
             <a:pPr lvl="2"/>
             <a:r>
-              <a:rPr lang="en-GB" smtClean="0"/>
+              <a:rPr lang="en-GB"/>
               <a:t>Third level</a:t>
             </a:r>
           </a:p>
           <a:p>
             <a:pPr lvl="3"/>
             <a:r>
-              <a:rPr lang="en-GB" smtClean="0"/>
+              <a:rPr lang="en-GB"/>
               <a:t>Fourth level</a:t>
             </a:r>
           </a:p>
           <a:p>
             <a:pPr lvl="4"/>
             <a:r>
-              <a:rPr lang="en-GB" smtClean="0"/>
+              <a:rPr lang="en-GB"/>
               <a:t>Fifth level</a:t>
             </a:r>
             <a:endParaRPr lang="en-US"/>
@@ -1916,7 +1924,7 @@
           </a:lstStyle>
           <a:p>
             <a:r>
-              <a:rPr lang="en-GB" smtClean="0"/>
+              <a:rPr lang="en-GB"/>
               <a:t>12/11/2014</a:t>
             </a:r>
             <a:endParaRPr lang="en-US"/>
@@ -1943,10 +1951,9 @@
           </a:lstStyle>
           <a:p>
             <a:r>
-              <a:rPr lang="en-US" smtClean="0"/>
+              <a:rPr lang="en-US"/>
               <a:t>Chapter 13 Security Engineering</a:t>
             </a:r>
-            <a:endParaRPr lang="en-US"/>
           </a:p>
         </p:txBody>
       </p:sp>
@@ -1983,16 +1990,9 @@
   <p:clrMapOvr>
     <a:masterClrMapping/>
   </p:clrMapOvr>
-  <p:transition xmlns:p14="http://schemas.microsoft.com/office/powerpoint/2010/main" spd="med">
+  <p:transition spd="med">
     <p:wipe dir="r"/>
   </p:transition>
-  <p:timing>
-    <p:tnLst>
-      <p:par>
-        <p:cTn xmlns:p14="http://schemas.microsoft.com/office/powerpoint/2010/main" id="1" dur="indefinite" restart="never" nodeType="tmRoot"/>
-      </p:par>
-    </p:tnLst>
-  </p:timing>
 </p:sldLayout>
 </file>
 
@@ -2034,7 +2034,7 @@
           <a:lstStyle/>
           <a:p>
             <a:r>
-              <a:rPr lang="en-GB" smtClean="0"/>
+              <a:rPr lang="en-GB"/>
               <a:t>Click to edit Master title style</a:t>
             </a:r>
             <a:endParaRPr lang="en-US"/>
@@ -2066,35 +2066,35 @@
           <a:p>
             <a:pPr lvl="0"/>
             <a:r>
-              <a:rPr lang="en-GB" smtClean="0"/>
+              <a:rPr lang="en-GB"/>
               <a:t>Click to edit Master text styles</a:t>
             </a:r>
           </a:p>
           <a:p>
             <a:pPr lvl="1"/>
             <a:r>
-              <a:rPr lang="en-GB" smtClean="0"/>
+              <a:rPr lang="en-GB"/>
               <a:t>Second level</a:t>
             </a:r>
           </a:p>
           <a:p>
             <a:pPr lvl="2"/>
             <a:r>
-              <a:rPr lang="en-GB" smtClean="0"/>
+              <a:rPr lang="en-GB"/>
               <a:t>Third level</a:t>
             </a:r>
           </a:p>
           <a:p>
             <a:pPr lvl="3"/>
             <a:r>
-              <a:rPr lang="en-GB" smtClean="0"/>
+              <a:rPr lang="en-GB"/>
               <a:t>Fourth level</a:t>
             </a:r>
           </a:p>
           <a:p>
             <a:pPr lvl="4"/>
             <a:r>
-              <a:rPr lang="en-GB" smtClean="0"/>
+              <a:rPr lang="en-GB"/>
               <a:t>Fifth level</a:t>
             </a:r>
             <a:endParaRPr lang="en-US"/>
@@ -2121,7 +2121,7 @@
           </a:lstStyle>
           <a:p>
             <a:r>
-              <a:rPr lang="en-GB" smtClean="0"/>
+              <a:rPr lang="en-GB"/>
               <a:t>12/11/2014</a:t>
             </a:r>
             <a:endParaRPr lang="en-US"/>
@@ -2148,10 +2148,9 @@
           </a:lstStyle>
           <a:p>
             <a:r>
-              <a:rPr lang="en-US" smtClean="0"/>
+              <a:rPr lang="en-US"/>
               <a:t>Chapter 13 Security Engineering</a:t>
             </a:r>
-            <a:endParaRPr lang="en-US"/>
           </a:p>
         </p:txBody>
       </p:sp>
@@ -2188,16 +2187,9 @@
   <p:clrMapOvr>
     <a:masterClrMapping/>
   </p:clrMapOvr>
-  <p:transition xmlns:p14="http://schemas.microsoft.com/office/powerpoint/2010/main" spd="med">
+  <p:transition spd="med">
     <p:wipe dir="r"/>
   </p:transition>
-  <p:timing>
-    <p:tnLst>
-      <p:par>
-        <p:cTn xmlns:p14="http://schemas.microsoft.com/office/powerpoint/2010/main" id="1" dur="indefinite" restart="never" nodeType="tmRoot"/>
-      </p:par>
-    </p:tnLst>
-  </p:timing>
 </p:sldLayout>
 </file>
 
@@ -2234,7 +2226,7 @@
           <a:lstStyle/>
           <a:p>
             <a:r>
-              <a:rPr lang="en-GB" smtClean="0"/>
+              <a:rPr lang="en-GB"/>
               <a:t>Click to edit Master title style</a:t>
             </a:r>
             <a:endParaRPr lang="en-US" dirty="0"/>
@@ -2328,35 +2320,35 @@
           <a:p>
             <a:pPr lvl="0"/>
             <a:r>
-              <a:rPr lang="en-GB" smtClean="0"/>
+              <a:rPr lang="en-GB"/>
               <a:t>Click to edit Master text styles</a:t>
             </a:r>
           </a:p>
           <a:p>
             <a:pPr lvl="1"/>
             <a:r>
-              <a:rPr lang="en-GB" smtClean="0"/>
+              <a:rPr lang="en-GB"/>
               <a:t>Second level</a:t>
             </a:r>
           </a:p>
           <a:p>
             <a:pPr lvl="2"/>
             <a:r>
-              <a:rPr lang="en-GB" smtClean="0"/>
+              <a:rPr lang="en-GB"/>
               <a:t>Third level</a:t>
             </a:r>
           </a:p>
           <a:p>
             <a:pPr lvl="3"/>
             <a:r>
-              <a:rPr lang="en-GB" smtClean="0"/>
+              <a:rPr lang="en-GB"/>
               <a:t>Fourth level</a:t>
             </a:r>
           </a:p>
           <a:p>
             <a:pPr lvl="4"/>
             <a:r>
-              <a:rPr lang="en-GB" smtClean="0"/>
+              <a:rPr lang="en-GB"/>
               <a:t>Fifth level</a:t>
             </a:r>
             <a:endParaRPr lang="en-US" dirty="0"/>
@@ -2383,7 +2375,7 @@
           </a:lstStyle>
           <a:p>
             <a:r>
-              <a:rPr lang="en-GB" smtClean="0"/>
+              <a:rPr lang="en-GB"/>
               <a:t>12/11/2014</a:t>
             </a:r>
             <a:endParaRPr lang="en-US"/>
@@ -2410,10 +2402,9 @@
           </a:lstStyle>
           <a:p>
             <a:r>
-              <a:rPr lang="en-US" smtClean="0"/>
+              <a:rPr lang="en-US"/>
               <a:t>Chapter 13 Security Engineering</a:t>
             </a:r>
-            <a:endParaRPr lang="en-US"/>
           </a:p>
         </p:txBody>
       </p:sp>
@@ -2450,16 +2441,9 @@
   <p:clrMapOvr>
     <a:masterClrMapping/>
   </p:clrMapOvr>
-  <p:transition xmlns:p14="http://schemas.microsoft.com/office/powerpoint/2010/main" spd="med">
+  <p:transition spd="med">
     <p:wipe dir="r"/>
   </p:transition>
-  <p:timing>
-    <p:tnLst>
-      <p:par>
-        <p:cTn xmlns:p14="http://schemas.microsoft.com/office/powerpoint/2010/main" id="1" dur="indefinite" restart="never" nodeType="tmRoot"/>
-      </p:par>
-    </p:tnLst>
-  </p:timing>
 </p:sldLayout>
 </file>
 
@@ -2505,7 +2489,7 @@
           </a:lstStyle>
           <a:p>
             <a:r>
-              <a:rPr lang="en-GB" smtClean="0"/>
+              <a:rPr lang="en-GB"/>
               <a:t>Click to edit Master title style</a:t>
             </a:r>
             <a:endParaRPr lang="en-US"/>
@@ -2628,7 +2612,7 @@
           <a:p>
             <a:pPr lvl="0"/>
             <a:r>
-              <a:rPr lang="en-GB" smtClean="0"/>
+              <a:rPr lang="en-GB"/>
               <a:t>Click to edit Master text styles</a:t>
             </a:r>
           </a:p>
@@ -2654,7 +2638,7 @@
           </a:lstStyle>
           <a:p>
             <a:r>
-              <a:rPr lang="en-GB" smtClean="0"/>
+              <a:rPr lang="en-GB"/>
               <a:t>12/11/2014</a:t>
             </a:r>
             <a:endParaRPr lang="en-US"/>
@@ -2681,10 +2665,9 @@
           </a:lstStyle>
           <a:p>
             <a:r>
-              <a:rPr lang="en-US" smtClean="0"/>
+              <a:rPr lang="en-US"/>
               <a:t>Chapter 13 Security Engineering</a:t>
             </a:r>
-            <a:endParaRPr lang="en-US"/>
           </a:p>
         </p:txBody>
       </p:sp>
@@ -2721,16 +2704,9 @@
   <p:clrMapOvr>
     <a:masterClrMapping/>
   </p:clrMapOvr>
-  <p:transition xmlns:p14="http://schemas.microsoft.com/office/powerpoint/2010/main" spd="med">
+  <p:transition spd="med">
     <p:wipe dir="r"/>
   </p:transition>
-  <p:timing>
-    <p:tnLst>
-      <p:par>
-        <p:cTn xmlns:p14="http://schemas.microsoft.com/office/powerpoint/2010/main" id="1" dur="indefinite" restart="never" nodeType="tmRoot"/>
-      </p:par>
-    </p:tnLst>
-  </p:timing>
 </p:sldLayout>
 </file>
 
@@ -2767,7 +2743,7 @@
           <a:lstStyle/>
           <a:p>
             <a:r>
-              <a:rPr lang="en-GB" smtClean="0"/>
+              <a:rPr lang="en-GB"/>
               <a:t>Click to edit Master title style</a:t>
             </a:r>
             <a:endParaRPr lang="en-US"/>
@@ -2827,35 +2803,35 @@
           <a:p>
             <a:pPr lvl="0"/>
             <a:r>
-              <a:rPr lang="en-GB" smtClean="0"/>
+              <a:rPr lang="en-GB"/>
               <a:t>Click to edit Master text styles</a:t>
             </a:r>
           </a:p>
           <a:p>
             <a:pPr lvl="1"/>
             <a:r>
-              <a:rPr lang="en-GB" smtClean="0"/>
+              <a:rPr lang="en-GB"/>
               <a:t>Second level</a:t>
             </a:r>
           </a:p>
           <a:p>
             <a:pPr lvl="2"/>
             <a:r>
-              <a:rPr lang="en-GB" smtClean="0"/>
+              <a:rPr lang="en-GB"/>
               <a:t>Third level</a:t>
             </a:r>
           </a:p>
           <a:p>
             <a:pPr lvl="3"/>
             <a:r>
-              <a:rPr lang="en-GB" smtClean="0"/>
+              <a:rPr lang="en-GB"/>
               <a:t>Fourth level</a:t>
             </a:r>
           </a:p>
           <a:p>
             <a:pPr lvl="4"/>
             <a:r>
-              <a:rPr lang="en-GB" smtClean="0"/>
+              <a:rPr lang="en-GB"/>
               <a:t>Fifth level</a:t>
             </a:r>
             <a:endParaRPr lang="en-US"/>
@@ -2915,35 +2891,35 @@
           <a:p>
             <a:pPr lvl="0"/>
             <a:r>
-              <a:rPr lang="en-GB" smtClean="0"/>
+              <a:rPr lang="en-GB"/>
               <a:t>Click to edit Master text styles</a:t>
             </a:r>
           </a:p>
           <a:p>
             <a:pPr lvl="1"/>
             <a:r>
-              <a:rPr lang="en-GB" smtClean="0"/>
+              <a:rPr lang="en-GB"/>
               <a:t>Second level</a:t>
             </a:r>
           </a:p>
           <a:p>
             <a:pPr lvl="2"/>
             <a:r>
-              <a:rPr lang="en-GB" smtClean="0"/>
+              <a:rPr lang="en-GB"/>
               <a:t>Third level</a:t>
             </a:r>
           </a:p>
           <a:p>
             <a:pPr lvl="3"/>
             <a:r>
-              <a:rPr lang="en-GB" smtClean="0"/>
+              <a:rPr lang="en-GB"/>
               <a:t>Fourth level</a:t>
             </a:r>
           </a:p>
           <a:p>
             <a:pPr lvl="4"/>
             <a:r>
-              <a:rPr lang="en-GB" smtClean="0"/>
+              <a:rPr lang="en-GB"/>
               <a:t>Fifth level</a:t>
             </a:r>
             <a:endParaRPr lang="en-US"/>
@@ -2970,7 +2946,7 @@
           </a:lstStyle>
           <a:p>
             <a:r>
-              <a:rPr lang="en-GB" smtClean="0"/>
+              <a:rPr lang="en-GB"/>
               <a:t>12/11/2014</a:t>
             </a:r>
             <a:endParaRPr lang="en-US"/>
@@ -2997,10 +2973,9 @@
           </a:lstStyle>
           <a:p>
             <a:r>
-              <a:rPr lang="en-US" smtClean="0"/>
+              <a:rPr lang="en-US"/>
               <a:t>Chapter 13 Security Engineering</a:t>
             </a:r>
-            <a:endParaRPr lang="en-US"/>
           </a:p>
         </p:txBody>
       </p:sp>
@@ -3037,16 +3012,9 @@
   <p:clrMapOvr>
     <a:masterClrMapping/>
   </p:clrMapOvr>
-  <p:transition xmlns:p14="http://schemas.microsoft.com/office/powerpoint/2010/main" spd="med">
+  <p:transition spd="med">
     <p:wipe dir="r"/>
   </p:transition>
-  <p:timing>
-    <p:tnLst>
-      <p:par>
-        <p:cTn xmlns:p14="http://schemas.microsoft.com/office/powerpoint/2010/main" id="1" dur="indefinite" restart="never" nodeType="tmRoot"/>
-      </p:par>
-    </p:tnLst>
-  </p:timing>
 </p:sldLayout>
 </file>
 
@@ -3087,7 +3055,7 @@
           </a:lstStyle>
           <a:p>
             <a:r>
-              <a:rPr lang="en-GB" smtClean="0"/>
+              <a:rPr lang="en-GB"/>
               <a:t>Click to edit Master title style</a:t>
             </a:r>
             <a:endParaRPr lang="en-US"/>
@@ -3156,7 +3124,7 @@
           <a:p>
             <a:pPr lvl="0"/>
             <a:r>
-              <a:rPr lang="en-GB" smtClean="0"/>
+              <a:rPr lang="en-GB"/>
               <a:t>Click to edit Master text styles</a:t>
             </a:r>
           </a:p>
@@ -3215,35 +3183,35 @@
           <a:p>
             <a:pPr lvl="0"/>
             <a:r>
-              <a:rPr lang="en-GB" smtClean="0"/>
+              <a:rPr lang="en-GB"/>
               <a:t>Click to edit Master text styles</a:t>
             </a:r>
           </a:p>
           <a:p>
             <a:pPr lvl="1"/>
             <a:r>
-              <a:rPr lang="en-GB" smtClean="0"/>
+              <a:rPr lang="en-GB"/>
               <a:t>Second level</a:t>
             </a:r>
           </a:p>
           <a:p>
             <a:pPr lvl="2"/>
             <a:r>
-              <a:rPr lang="en-GB" smtClean="0"/>
+              <a:rPr lang="en-GB"/>
               <a:t>Third level</a:t>
             </a:r>
           </a:p>
           <a:p>
             <a:pPr lvl="3"/>
             <a:r>
-              <a:rPr lang="en-GB" smtClean="0"/>
+              <a:rPr lang="en-GB"/>
               <a:t>Fourth level</a:t>
             </a:r>
           </a:p>
           <a:p>
             <a:pPr lvl="4"/>
             <a:r>
-              <a:rPr lang="en-GB" smtClean="0"/>
+              <a:rPr lang="en-GB"/>
               <a:t>Fifth level</a:t>
             </a:r>
             <a:endParaRPr lang="en-US"/>
@@ -3312,7 +3280,7 @@
           <a:p>
             <a:pPr lvl="0"/>
             <a:r>
-              <a:rPr lang="en-GB" smtClean="0"/>
+              <a:rPr lang="en-GB"/>
               <a:t>Click to edit Master text styles</a:t>
             </a:r>
           </a:p>
@@ -3371,35 +3339,35 @@
           <a:p>
             <a:pPr lvl="0"/>
             <a:r>
-              <a:rPr lang="en-GB" smtClean="0"/>
+              <a:rPr lang="en-GB"/>
               <a:t>Click to edit Master text styles</a:t>
             </a:r>
           </a:p>
           <a:p>
             <a:pPr lvl="1"/>
             <a:r>
-              <a:rPr lang="en-GB" smtClean="0"/>
+              <a:rPr lang="en-GB"/>
               <a:t>Second level</a:t>
             </a:r>
           </a:p>
           <a:p>
             <a:pPr lvl="2"/>
             <a:r>
-              <a:rPr lang="en-GB" smtClean="0"/>
+              <a:rPr lang="en-GB"/>
               <a:t>Third level</a:t>
             </a:r>
           </a:p>
           <a:p>
             <a:pPr lvl="3"/>
             <a:r>
-              <a:rPr lang="en-GB" smtClean="0"/>
+              <a:rPr lang="en-GB"/>
               <a:t>Fourth level</a:t>
             </a:r>
           </a:p>
           <a:p>
             <a:pPr lvl="4"/>
             <a:r>
-              <a:rPr lang="en-GB" smtClean="0"/>
+              <a:rPr lang="en-GB"/>
               <a:t>Fifth level</a:t>
             </a:r>
             <a:endParaRPr lang="en-US"/>
@@ -3426,7 +3394,7 @@
           </a:lstStyle>
           <a:p>
             <a:r>
-              <a:rPr lang="en-GB" smtClean="0"/>
+              <a:rPr lang="en-GB"/>
               <a:t>12/11/2014</a:t>
             </a:r>
             <a:endParaRPr lang="en-US"/>
@@ -3453,10 +3421,9 @@
           </a:lstStyle>
           <a:p>
             <a:r>
-              <a:rPr lang="en-US" smtClean="0"/>
+              <a:rPr lang="en-US"/>
               <a:t>Chapter 13 Security Engineering</a:t>
             </a:r>
-            <a:endParaRPr lang="en-US"/>
           </a:p>
         </p:txBody>
       </p:sp>
@@ -3493,16 +3460,9 @@
   <p:clrMapOvr>
     <a:masterClrMapping/>
   </p:clrMapOvr>
-  <p:transition xmlns:p14="http://schemas.microsoft.com/office/powerpoint/2010/main" spd="med">
+  <p:transition spd="med">
     <p:wipe dir="r"/>
   </p:transition>
-  <p:timing>
-    <p:tnLst>
-      <p:par>
-        <p:cTn xmlns:p14="http://schemas.microsoft.com/office/powerpoint/2010/main" id="1" dur="indefinite" restart="never" nodeType="tmRoot"/>
-      </p:par>
-    </p:tnLst>
-  </p:timing>
 </p:sldLayout>
 </file>
 
@@ -3539,7 +3499,7 @@
           <a:lstStyle/>
           <a:p>
             <a:r>
-              <a:rPr lang="en-GB" smtClean="0"/>
+              <a:rPr lang="en-GB"/>
               <a:t>Click to edit Master title style</a:t>
             </a:r>
             <a:endParaRPr lang="en-US"/>
@@ -3566,7 +3526,7 @@
           </a:lstStyle>
           <a:p>
             <a:r>
-              <a:rPr lang="en-GB" smtClean="0"/>
+              <a:rPr lang="en-GB"/>
               <a:t>12/11/2014</a:t>
             </a:r>
             <a:endParaRPr lang="en-US"/>
@@ -3593,10 +3553,9 @@
           </a:lstStyle>
           <a:p>
             <a:r>
-              <a:rPr lang="en-US" smtClean="0"/>
+              <a:rPr lang="en-US"/>
               <a:t>Chapter 13 Security Engineering</a:t>
             </a:r>
-            <a:endParaRPr lang="en-US"/>
           </a:p>
         </p:txBody>
       </p:sp>
@@ -3633,16 +3592,9 @@
   <p:clrMapOvr>
     <a:masterClrMapping/>
   </p:clrMapOvr>
-  <p:transition xmlns:p14="http://schemas.microsoft.com/office/powerpoint/2010/main" spd="med">
+  <p:transition spd="med">
     <p:wipe dir="r"/>
   </p:transition>
-  <p:timing>
-    <p:tnLst>
-      <p:par>
-        <p:cTn xmlns:p14="http://schemas.microsoft.com/office/powerpoint/2010/main" id="1" dur="indefinite" restart="never" nodeType="tmRoot"/>
-      </p:par>
-    </p:tnLst>
-  </p:timing>
 </p:sldLayout>
 </file>
 
@@ -3683,7 +3635,7 @@
           </a:lstStyle>
           <a:p>
             <a:r>
-              <a:rPr lang="en-GB" smtClean="0"/>
+              <a:rPr lang="en-GB"/>
               <a:t>12/11/2014</a:t>
             </a:r>
             <a:endParaRPr lang="en-US"/>
@@ -3710,10 +3662,9 @@
           </a:lstStyle>
           <a:p>
             <a:r>
-              <a:rPr lang="en-US" smtClean="0"/>
+              <a:rPr lang="en-US"/>
               <a:t>Chapter 13 Security Engineering</a:t>
             </a:r>
-            <a:endParaRPr lang="en-US"/>
           </a:p>
         </p:txBody>
       </p:sp>
@@ -3750,16 +3701,9 @@
   <p:clrMapOvr>
     <a:masterClrMapping/>
   </p:clrMapOvr>
-  <p:transition xmlns:p14="http://schemas.microsoft.com/office/powerpoint/2010/main" spd="med">
+  <p:transition spd="med">
     <p:wipe dir="r"/>
   </p:transition>
-  <p:timing>
-    <p:tnLst>
-      <p:par>
-        <p:cTn xmlns:p14="http://schemas.microsoft.com/office/powerpoint/2010/main" id="1" dur="indefinite" restart="never" nodeType="tmRoot"/>
-      </p:par>
-    </p:tnLst>
-  </p:timing>
 </p:sldLayout>
 </file>
 
@@ -3805,7 +3749,7 @@
           </a:lstStyle>
           <a:p>
             <a:r>
-              <a:rPr lang="en-GB" smtClean="0"/>
+              <a:rPr lang="en-GB"/>
               <a:t>Click to edit Master title style</a:t>
             </a:r>
             <a:endParaRPr lang="en-US"/>
@@ -3865,35 +3809,35 @@
           <a:p>
             <a:pPr lvl="0"/>
             <a:r>
-              <a:rPr lang="en-GB" smtClean="0"/>
+              <a:rPr lang="en-GB"/>
               <a:t>Click to edit Master text styles</a:t>
             </a:r>
           </a:p>
           <a:p>
             <a:pPr lvl="1"/>
             <a:r>
-              <a:rPr lang="en-GB" smtClean="0"/>
+              <a:rPr lang="en-GB"/>
               <a:t>Second level</a:t>
             </a:r>
           </a:p>
           <a:p>
             <a:pPr lvl="2"/>
             <a:r>
-              <a:rPr lang="en-GB" smtClean="0"/>
+              <a:rPr lang="en-GB"/>
               <a:t>Third level</a:t>
             </a:r>
           </a:p>
           <a:p>
             <a:pPr lvl="3"/>
             <a:r>
-              <a:rPr lang="en-GB" smtClean="0"/>
+              <a:rPr lang="en-GB"/>
               <a:t>Fourth level</a:t>
             </a:r>
           </a:p>
           <a:p>
             <a:pPr lvl="4"/>
             <a:r>
-              <a:rPr lang="en-GB" smtClean="0"/>
+              <a:rPr lang="en-GB"/>
               <a:t>Fifth level</a:t>
             </a:r>
             <a:endParaRPr lang="en-US"/>
@@ -3962,7 +3906,7 @@
           <a:p>
             <a:pPr lvl="0"/>
             <a:r>
-              <a:rPr lang="en-GB" smtClean="0"/>
+              <a:rPr lang="en-GB"/>
               <a:t>Click to edit Master text styles</a:t>
             </a:r>
           </a:p>
@@ -3988,7 +3932,7 @@
           </a:lstStyle>
           <a:p>
             <a:r>
-              <a:rPr lang="en-GB" smtClean="0"/>
+              <a:rPr lang="en-GB"/>
               <a:t>12/11/2014</a:t>
             </a:r>
             <a:endParaRPr lang="en-US"/>
@@ -4015,10 +3959,9 @@
           </a:lstStyle>
           <a:p>
             <a:r>
-              <a:rPr lang="en-US" smtClean="0"/>
+              <a:rPr lang="en-US"/>
               <a:t>Chapter 13 Security Engineering</a:t>
             </a:r>
-            <a:endParaRPr lang="en-US"/>
           </a:p>
         </p:txBody>
       </p:sp>
@@ -4055,16 +3998,9 @@
   <p:clrMapOvr>
     <a:masterClrMapping/>
   </p:clrMapOvr>
-  <p:transition xmlns:p14="http://schemas.microsoft.com/office/powerpoint/2010/main" spd="med">
+  <p:transition spd="med">
     <p:wipe dir="r"/>
   </p:transition>
-  <p:timing>
-    <p:tnLst>
-      <p:par>
-        <p:cTn xmlns:p14="http://schemas.microsoft.com/office/powerpoint/2010/main" id="1" dur="indefinite" restart="never" nodeType="tmRoot"/>
-      </p:par>
-    </p:tnLst>
-  </p:timing>
 </p:sldLayout>
 </file>
 
@@ -4110,7 +4046,7 @@
           </a:lstStyle>
           <a:p>
             <a:r>
-              <a:rPr lang="en-GB" smtClean="0"/>
+              <a:rPr lang="en-GB"/>
               <a:t>Click to edit Master title style</a:t>
             </a:r>
             <a:endParaRPr lang="en-US"/>
@@ -4179,7 +4115,7 @@
           <a:p>
             <a:pPr lvl="0"/>
             <a:r>
-              <a:rPr lang="en-GB" noProof="0" smtClean="0"/>
+              <a:rPr lang="en-GB" noProof="0"/>
               <a:t>Drag picture to placeholder or click icon to add</a:t>
             </a:r>
             <a:endParaRPr lang="en-US" noProof="0"/>
@@ -4248,7 +4184,7 @@
           <a:p>
             <a:pPr lvl="0"/>
             <a:r>
-              <a:rPr lang="en-GB" smtClean="0"/>
+              <a:rPr lang="en-GB"/>
               <a:t>Click to edit Master text styles</a:t>
             </a:r>
           </a:p>
@@ -4274,7 +4210,7 @@
           </a:lstStyle>
           <a:p>
             <a:r>
-              <a:rPr lang="en-GB" smtClean="0"/>
+              <a:rPr lang="en-GB"/>
               <a:t>12/11/2014</a:t>
             </a:r>
             <a:endParaRPr lang="en-US"/>
@@ -4301,10 +4237,9 @@
           </a:lstStyle>
           <a:p>
             <a:r>
-              <a:rPr lang="en-US" smtClean="0"/>
+              <a:rPr lang="en-US"/>
               <a:t>Chapter 13 Security Engineering</a:t>
             </a:r>
-            <a:endParaRPr lang="en-US"/>
           </a:p>
         </p:txBody>
       </p:sp>
@@ -4341,16 +4276,9 @@
   <p:clrMapOvr>
     <a:masterClrMapping/>
   </p:clrMapOvr>
-  <p:transition xmlns:p14="http://schemas.microsoft.com/office/powerpoint/2010/main" spd="med">
+  <p:transition spd="med">
     <p:wipe dir="r"/>
   </p:transition>
-  <p:timing>
-    <p:tnLst>
-      <p:par>
-        <p:cTn xmlns:p14="http://schemas.microsoft.com/office/powerpoint/2010/main" id="1" dur="indefinite" restart="never" nodeType="tmRoot"/>
-      </p:par>
-    </p:tnLst>
-  </p:timing>
 </p:sldLayout>
 </file>
 
@@ -4412,7 +4340,7 @@
           <a:p>
             <a:pPr lvl="0"/>
             <a:r>
-              <a:rPr lang="en-GB" smtClean="0"/>
+              <a:rPr lang="en-GB"/>
               <a:t>Click to edit Master title style</a:t>
             </a:r>
             <a:endParaRPr lang="en-US" dirty="0"/>
@@ -4462,7 +4390,7 @@
           </a:lstStyle>
           <a:p>
             <a:r>
-              <a:rPr lang="en-GB" smtClean="0"/>
+              <a:rPr lang="en-GB"/>
               <a:t>12/11/2014</a:t>
             </a:r>
             <a:endParaRPr lang="en-US"/>
@@ -4512,10 +4440,9 @@
           </a:lstStyle>
           <a:p>
             <a:r>
-              <a:rPr lang="en-US" smtClean="0"/>
+              <a:rPr lang="en-US"/>
               <a:t>Chapter 13 Security Engineering</a:t>
             </a:r>
-            <a:endParaRPr lang="en-US"/>
           </a:p>
         </p:txBody>
       </p:sp>
@@ -4692,16 +4619,9 @@
     <p:sldLayoutId id="2147483694" r:id="rId10"/>
     <p:sldLayoutId id="2147483695" r:id="rId11"/>
   </p:sldLayoutIdLst>
-  <p:transition xmlns:p14="http://schemas.microsoft.com/office/powerpoint/2010/main" spd="med">
+  <p:transition spd="med">
     <p:wipe dir="r"/>
   </p:transition>
-  <p:timing>
-    <p:tnLst>
-      <p:par>
-        <p:cTn xmlns:p14="http://schemas.microsoft.com/office/powerpoint/2010/main" id="1" dur="indefinite" restart="never" nodeType="tmRoot"/>
-      </p:par>
-    </p:tnLst>
-  </p:timing>
   <p:hf hdr="0"/>
   <p:txStyles>
     <p:titleStyle>
@@ -5133,34 +5053,33 @@
           <a:lstStyle/>
           <a:p>
             <a:r>
-              <a:rPr lang="en-US" dirty="0" smtClean="0"/>
+              <a:rPr lang="en-US" dirty="0"/>
               <a:t>Chapter 13 – Security Engineering</a:t>
             </a:r>
+          </a:p>
+        </p:txBody>
+      </p:sp>
+      <p:sp>
+        <p:nvSpPr>
+          <p:cNvPr id="3" name="Subtitle 2"/>
+          <p:cNvSpPr>
+            <a:spLocks noGrp="1"/>
+          </p:cNvSpPr>
+          <p:nvPr>
+            <p:ph type="subTitle" idx="1"/>
+          </p:nvPr>
+        </p:nvSpPr>
+        <p:spPr/>
+        <p:txBody>
+          <a:bodyPr/>
+          <a:lstStyle/>
+          <a:p>
             <a:endParaRPr lang="en-US" dirty="0"/>
           </a:p>
         </p:txBody>
       </p:sp>
       <p:sp>
         <p:nvSpPr>
-          <p:cNvPr id="3" name="Subtitle 2"/>
-          <p:cNvSpPr>
-            <a:spLocks noGrp="1"/>
-          </p:cNvSpPr>
-          <p:nvPr>
-            <p:ph type="subTitle" idx="1"/>
-          </p:nvPr>
-        </p:nvSpPr>
-        <p:spPr/>
-        <p:txBody>
-          <a:bodyPr/>
-          <a:lstStyle/>
-          <a:p>
-            <a:endParaRPr lang="en-US" dirty="0"/>
-          </a:p>
-        </p:txBody>
-      </p:sp>
-      <p:sp>
-        <p:nvSpPr>
           <p:cNvPr id="5" name="Footer Placeholder 4"/>
           <p:cNvSpPr>
             <a:spLocks noGrp="1"/>
@@ -5175,10 +5094,9 @@
           <a:lstStyle/>
           <a:p>
             <a:r>
-              <a:rPr lang="en-US" smtClean="0"/>
+              <a:rPr lang="en-US"/>
               <a:t>Chapter 13 Security Engineering</a:t>
             </a:r>
-            <a:endParaRPr lang="en-US"/>
           </a:p>
         </p:txBody>
       </p:sp>
@@ -5222,7 +5140,7 @@
           <a:lstStyle/>
           <a:p>
             <a:r>
-              <a:rPr lang="en-GB" smtClean="0"/>
+              <a:rPr lang="en-GB"/>
               <a:t>12/11/2014</a:t>
             </a:r>
             <a:endParaRPr lang="en-US"/>
@@ -5234,16 +5152,9 @@
   <p:clrMapOvr>
     <a:masterClrMapping/>
   </p:clrMapOvr>
-  <p:transition xmlns:p14="http://schemas.microsoft.com/office/powerpoint/2010/main" spd="med">
+  <p:transition spd="med">
     <p:wipe dir="r"/>
   </p:transition>
-  <p:timing>
-    <p:tnLst>
-      <p:par>
-        <p:cTn xmlns:p14="http://schemas.microsoft.com/office/powerpoint/2010/main" id="1" dur="indefinite" restart="never" nodeType="tmRoot"/>
-      </p:par>
-    </p:tnLst>
-  </p:timing>
 </p:sld>
 </file>
 
@@ -5286,10 +5197,9 @@
           <a:p>
             <a:pPr algn="ctr"/>
             <a:r>
-              <a:rPr lang="en-US" dirty="0" smtClean="0"/>
+              <a:rPr lang="en-US" dirty="0"/>
               <a:t>Security and dependability</a:t>
             </a:r>
-            <a:endParaRPr lang="en-US" dirty="0"/>
           </a:p>
         </p:txBody>
       </p:sp>
@@ -5309,7 +5219,7 @@
           <a:lstStyle/>
           <a:p>
             <a:r>
-              <a:rPr lang="en-GB" smtClean="0"/>
+              <a:rPr lang="en-GB"/>
               <a:t>12/11/2014</a:t>
             </a:r>
             <a:endParaRPr lang="en-US"/>
@@ -5332,10 +5242,9 @@
           <a:lstStyle/>
           <a:p>
             <a:r>
-              <a:rPr lang="en-US" smtClean="0"/>
+              <a:rPr lang="en-US"/>
               <a:t>Chapter 13 Security Engineering</a:t>
             </a:r>
-            <a:endParaRPr lang="en-US"/>
           </a:p>
         </p:txBody>
       </p:sp>
@@ -5373,7 +5282,7 @@
   <p:clrMapOvr>
     <a:masterClrMapping/>
   </p:clrMapOvr>
-  <p:transition xmlns:p14="http://schemas.microsoft.com/office/powerpoint/2010/main" spd="med">
+  <p:transition spd="med">
     <p:wipe dir="r"/>
   </p:transition>
 </p:sld>
@@ -5440,11 +5349,7 @@
             </a:pPr>
             <a:r>
               <a:rPr lang="en-GB" dirty="0"/>
-              <a:t>The security of a system is a system property that reflects the system’s ability to protect itself from accidental or deliberate external </a:t>
-            </a:r>
-            <a:r>
-              <a:rPr lang="en-GB" dirty="0" smtClean="0"/>
-              <a:t>attack.</a:t>
+              <a:t>The security of a system is a system property that reflects the system’s ability to protect itself from accidental or deliberate external attack.</a:t>
             </a:r>
           </a:p>
           <a:p>
@@ -5455,19 +5360,7 @@
             </a:pPr>
             <a:r>
               <a:rPr lang="en-GB" dirty="0"/>
-              <a:t>Security is</a:t>
-            </a:r>
-            <a:r>
-              <a:rPr lang="en-GB" dirty="0" smtClean="0"/>
-              <a:t> essential as most systems </a:t>
-            </a:r>
-            <a:r>
-              <a:rPr lang="en-GB" dirty="0"/>
-              <a:t>are networked so that external access to the system through the Internet is </a:t>
-            </a:r>
-            <a:r>
-              <a:rPr lang="en-GB" dirty="0" smtClean="0"/>
-              <a:t>possible.</a:t>
+              <a:t>Security is essential as most systems are networked so that external access to the system through the Internet is possible.</a:t>
             </a:r>
           </a:p>
           <a:p>
@@ -5478,13 +5371,8 @@
             </a:pPr>
             <a:r>
               <a:rPr lang="en-GB" dirty="0"/>
-              <a:t>Security is an essential pre-requisite for availability, reliability and </a:t>
-            </a:r>
-            <a:r>
-              <a:rPr lang="en-GB" dirty="0" smtClean="0"/>
-              <a:t>safety.</a:t>
-            </a:r>
-            <a:endParaRPr lang="en-GB" dirty="0"/>
+              <a:t>Security is an essential pre-requisite for availability, reliability and safety.</a:t>
+            </a:r>
           </a:p>
         </p:txBody>
       </p:sp>
@@ -5528,10 +5416,9 @@
           <a:lstStyle/>
           <a:p>
             <a:r>
-              <a:rPr lang="en-US" smtClean="0"/>
+              <a:rPr lang="en-US"/>
               <a:t>Chapter 13 Security Engineering</a:t>
             </a:r>
-            <a:endParaRPr lang="en-US"/>
           </a:p>
         </p:txBody>
       </p:sp>
@@ -5551,7 +5438,7 @@
           <a:lstStyle/>
           <a:p>
             <a:r>
-              <a:rPr lang="en-GB" smtClean="0"/>
+              <a:rPr lang="en-GB"/>
               <a:t>12/11/2014</a:t>
             </a:r>
             <a:endParaRPr lang="en-US"/>
@@ -5568,7 +5455,7 @@
   <p:clrMapOvr>
     <a:masterClrMapping/>
   </p:clrMapOvr>
-  <p:transition xmlns:p14="http://schemas.microsoft.com/office/powerpoint/2010/main" spd="med">
+  <p:transition spd="med">
     <p:wipe dir="r"/>
   </p:transition>
 </p:sld>
@@ -5630,33 +5517,20 @@
           <a:p>
             <a:r>
               <a:rPr lang="en-GB" dirty="0"/>
-              <a:t>If a system is a networked system and is insecure then statements about its reliability and its safety are </a:t>
-            </a:r>
-            <a:r>
-              <a:rPr lang="en-GB" dirty="0" smtClean="0"/>
-              <a:t>unreliable.</a:t>
+              <a:t>If a system is a networked system and is insecure then statements about its reliability and its safety are unreliable.</a:t>
             </a:r>
           </a:p>
           <a:p>
             <a:r>
               <a:rPr lang="en-GB" dirty="0"/>
-              <a:t>These statements depend on the executing system and the developed system being the same. However, intrusion can change the executing system and/or its </a:t>
-            </a:r>
-            <a:r>
-              <a:rPr lang="en-GB" dirty="0" smtClean="0"/>
-              <a:t>data.</a:t>
+              <a:t>These statements depend on the executing system and the developed system being the same. However, intrusion can change the executing system and/or its data.</a:t>
             </a:r>
           </a:p>
           <a:p>
             <a:r>
               <a:rPr lang="en-GB" dirty="0"/>
-              <a:t>Therefore, the reliability and safety assurance is no longer </a:t>
-            </a:r>
-            <a:r>
-              <a:rPr lang="en-GB" dirty="0" smtClean="0"/>
-              <a:t>valid.</a:t>
-            </a:r>
-            <a:endParaRPr lang="en-GB" dirty="0"/>
+              <a:t>Therefore, the reliability and safety assurance is no longer valid.</a:t>
+            </a:r>
           </a:p>
         </p:txBody>
       </p:sp>
@@ -5700,10 +5574,9 @@
           <a:lstStyle/>
           <a:p>
             <a:r>
-              <a:rPr lang="en-US" smtClean="0"/>
+              <a:rPr lang="en-US"/>
               <a:t>Chapter 13 Security Engineering</a:t>
             </a:r>
-            <a:endParaRPr lang="en-US"/>
           </a:p>
         </p:txBody>
       </p:sp>
@@ -5723,7 +5596,7 @@
           <a:lstStyle/>
           <a:p>
             <a:r>
-              <a:rPr lang="en-GB" smtClean="0"/>
+              <a:rPr lang="en-GB"/>
               <a:t>12/11/2014</a:t>
             </a:r>
             <a:endParaRPr lang="en-US"/>
@@ -5740,7 +5613,7 @@
   <p:clrMapOvr>
     <a:masterClrMapping/>
   </p:clrMapOvr>
-  <p:transition xmlns:p14="http://schemas.microsoft.com/office/powerpoint/2010/main" spd="med">
+  <p:transition spd="med">
     <p:wipe dir="r"/>
   </p:transition>
 </p:sld>
@@ -5779,15 +5652,11 @@
           <a:lstStyle/>
           <a:p>
             <a:r>
-              <a:rPr lang="en-US" dirty="0" smtClean="0"/>
-              <a:t>Security </a:t>
-            </a:r>
-            <a:r>
               <a:rPr lang="en-US" dirty="0"/>
-              <a:t>terminology</a:t>
-            </a:r>
-            <a:r>
-              <a:rPr lang="en-GB" dirty="0" smtClean="0"/>
+              <a:t>Security terminology</a:t>
+            </a:r>
+            <a:r>
+              <a:rPr lang="en-GB" dirty="0"/>
               <a:t> </a:t>
             </a:r>
             <a:endParaRPr lang="en-US" dirty="0"/>
@@ -5820,8 +5689,20 @@
                 <a:tableStyleId>{5C22544A-7EE6-4342-B048-85BDC9FD1C3A}</a:tableStyleId>
               </a:tblPr>
               <a:tblGrid>
-                <a:gridCol w="1731685"/>
-                <a:gridCol w="6497915"/>
+                <a:gridCol w="1731685">
+                  <a:extLst>
+                    <a:ext uri="{9D8B030D-6E8A-4147-A177-3AD203B41FA5}">
+                      <a16:colId xmlns:a16="http://schemas.microsoft.com/office/drawing/2014/main" val="20000"/>
+                    </a:ext>
+                  </a:extLst>
+                </a:gridCol>
+                <a:gridCol w="6497915">
+                  <a:extLst>
+                    <a:ext uri="{9D8B030D-6E8A-4147-A177-3AD203B41FA5}">
+                      <a16:colId xmlns:a16="http://schemas.microsoft.com/office/drawing/2014/main" val="20001"/>
+                    </a:ext>
+                  </a:extLst>
+                </a:gridCol>
               </a:tblGrid>
               <a:tr h="370840">
                 <a:tc>
@@ -5835,7 +5716,7 @@
                         </a:spcAft>
                       </a:pPr>
                       <a:r>
-                        <a:rPr lang="en-GB" sz="1400" b="1" dirty="0" smtClean="0">
+                        <a:rPr lang="en-GB" sz="1400" b="1" dirty="0">
                           <a:solidFill>
                             <a:srgbClr val="000000"/>
                           </a:solidFill>
@@ -5845,14 +5726,6 @@
                         </a:rPr>
                         <a:t>Term</a:t>
                       </a:r>
-                      <a:endParaRPr lang="en-GB" sz="1400" b="1" dirty="0">
-                        <a:solidFill>
-                          <a:srgbClr val="000000"/>
-                        </a:solidFill>
-                        <a:latin typeface="Arial"/>
-                        <a:ea typeface="Times New Roman"/>
-                        <a:cs typeface="Arial"/>
-                      </a:endParaRPr>
                     </a:p>
                   </a:txBody>
                   <a:tcPr marL="73025" marR="73025" marT="91440" marB="0"/>
@@ -5868,7 +5741,7 @@
                         </a:spcAft>
                       </a:pPr>
                       <a:r>
-                        <a:rPr lang="en-GB" sz="1400" b="1" dirty="0" smtClean="0">
+                        <a:rPr lang="en-GB" sz="1400" b="1" dirty="0">
                           <a:solidFill>
                             <a:srgbClr val="000000"/>
                           </a:solidFill>
@@ -5878,18 +5751,15 @@
                         </a:rPr>
                         <a:t>Definition</a:t>
                       </a:r>
-                      <a:endParaRPr lang="en-GB" sz="1400" b="1" dirty="0">
-                        <a:solidFill>
-                          <a:srgbClr val="000000"/>
-                        </a:solidFill>
-                        <a:latin typeface="Arial"/>
-                        <a:ea typeface="Times New Roman"/>
-                        <a:cs typeface="Arial"/>
-                      </a:endParaRPr>
                     </a:p>
                   </a:txBody>
                   <a:tcPr marL="73025" marR="73025" marT="91440" marB="0"/>
                 </a:tc>
+                <a:extLst>
+                  <a:ext uri="{0D108BD9-81ED-4DB2-BD59-A6C34878D82A}">
+                    <a16:rowId xmlns:a16="http://schemas.microsoft.com/office/drawing/2014/main" val="10000"/>
+                  </a:ext>
+                </a:extLst>
               </a:tr>
               <a:tr h="370840">
                 <a:tc>
@@ -5903,7 +5773,7 @@
                         </a:spcAft>
                       </a:pPr>
                       <a:r>
-                        <a:rPr lang="en-GB" sz="1400" dirty="0" smtClean="0">
+                        <a:rPr lang="en-GB" sz="1400" dirty="0">
                           <a:solidFill>
                             <a:srgbClr val="000000"/>
                           </a:solidFill>
@@ -5913,14 +5783,6 @@
                         </a:rPr>
                         <a:t>Asset</a:t>
                       </a:r>
-                      <a:endParaRPr lang="en-GB" sz="1400" dirty="0">
-                        <a:solidFill>
-                          <a:srgbClr val="000000"/>
-                        </a:solidFill>
-                        <a:latin typeface="Arial"/>
-                        <a:ea typeface="Times New Roman"/>
-                        <a:cs typeface="Arial"/>
-                      </a:endParaRPr>
                     </a:p>
                   </a:txBody>
                   <a:tcPr marL="73025" marR="73025" marT="91440" marB="91440"/>
@@ -5950,6 +5812,11 @@
                   </a:txBody>
                   <a:tcPr marL="73025" marR="73025" marT="91440" marB="91440"/>
                 </a:tc>
+                <a:extLst>
+                  <a:ext uri="{0D108BD9-81ED-4DB2-BD59-A6C34878D82A}">
+                    <a16:rowId xmlns:a16="http://schemas.microsoft.com/office/drawing/2014/main" val="10001"/>
+                  </a:ext>
+                </a:extLst>
               </a:tr>
               <a:tr h="370840">
                 <a:tc>
@@ -6002,6 +5869,11 @@
                   </a:txBody>
                   <a:tcPr marL="73025" marR="73025" marT="0" marB="91440"/>
                 </a:tc>
+                <a:extLst>
+                  <a:ext uri="{0D108BD9-81ED-4DB2-BD59-A6C34878D82A}">
+                    <a16:rowId xmlns:a16="http://schemas.microsoft.com/office/drawing/2014/main" val="10002"/>
+                  </a:ext>
+                </a:extLst>
               </a:tr>
               <a:tr h="370840">
                 <a:tc>
@@ -6048,31 +5920,17 @@
                           <a:ea typeface="Times New Roman"/>
                           <a:cs typeface="Arial"/>
                         </a:rPr>
-                        <a:t>A protective measure that reduces a system’s vulnerability. Encryption is an example of a control that reduces a vulnerability of a weak access control </a:t>
+                        <a:t>A protective measure that reduces a system’s vulnerability. Encryption is an example of a control that reduces a vulnerability of a weak access control system</a:t>
                       </a:r>
-                      <a:r>
-                        <a:rPr lang="en-GB" sz="1400" dirty="0" smtClean="0">
-                          <a:solidFill>
-                            <a:srgbClr val="000000"/>
-                          </a:solidFill>
-                          <a:latin typeface="Arial"/>
-                          <a:ea typeface="Times New Roman"/>
-                          <a:cs typeface="Arial"/>
-                        </a:rPr>
-                        <a:t>system</a:t>
-                      </a:r>
-                      <a:endParaRPr lang="en-GB" sz="1400" dirty="0">
-                        <a:solidFill>
-                          <a:srgbClr val="000000"/>
-                        </a:solidFill>
-                        <a:latin typeface="Arial"/>
-                        <a:ea typeface="Times New Roman"/>
-                        <a:cs typeface="Arial"/>
-                      </a:endParaRPr>
                     </a:p>
                   </a:txBody>
                   <a:tcPr marL="73025" marR="73025" marT="0" marB="91440"/>
                 </a:tc>
+                <a:extLst>
+                  <a:ext uri="{0D108BD9-81ED-4DB2-BD59-A6C34878D82A}">
+                    <a16:rowId xmlns:a16="http://schemas.microsoft.com/office/drawing/2014/main" val="10003"/>
+                  </a:ext>
+                </a:extLst>
               </a:tr>
               <a:tr h="370840">
                 <a:tc>
@@ -6125,6 +5983,11 @@
                   </a:txBody>
                   <a:tcPr marL="73025" marR="73025" marT="91440" marB="91440"/>
                 </a:tc>
+                <a:extLst>
+                  <a:ext uri="{0D108BD9-81ED-4DB2-BD59-A6C34878D82A}">
+                    <a16:rowId xmlns:a16="http://schemas.microsoft.com/office/drawing/2014/main" val="10004"/>
+                  </a:ext>
+                </a:extLst>
               </a:tr>
               <a:tr h="370840">
                 <a:tc>
@@ -6138,7 +6001,7 @@
                         </a:spcAft>
                       </a:pPr>
                       <a:r>
-                        <a:rPr lang="en-GB" sz="1400" dirty="0" smtClean="0">
+                        <a:rPr lang="en-GB" sz="1400" dirty="0">
                           <a:solidFill>
                             <a:srgbClr val="000000"/>
                           </a:solidFill>
@@ -6148,14 +6011,6 @@
                         </a:rPr>
                         <a:t>Threat</a:t>
                       </a:r>
-                      <a:endParaRPr lang="en-GB" sz="1400" dirty="0">
-                        <a:solidFill>
-                          <a:srgbClr val="000000"/>
-                        </a:solidFill>
-                        <a:latin typeface="Arial"/>
-                        <a:ea typeface="Times New Roman"/>
-                        <a:cs typeface="Arial"/>
-                      </a:endParaRPr>
                     </a:p>
                   </a:txBody>
                   <a:tcPr marL="73025" marR="73025" marT="0" marB="91440"/>
@@ -6185,6 +6040,11 @@
                   </a:txBody>
                   <a:tcPr marL="73025" marR="73025" marT="0" marB="91440"/>
                 </a:tc>
+                <a:extLst>
+                  <a:ext uri="{0D108BD9-81ED-4DB2-BD59-A6C34878D82A}">
+                    <a16:rowId xmlns:a16="http://schemas.microsoft.com/office/drawing/2014/main" val="10005"/>
+                  </a:ext>
+                </a:extLst>
               </a:tr>
               <a:tr h="370840">
                 <a:tc>
@@ -6237,6 +6097,11 @@
                   </a:txBody>
                   <a:tcPr marL="73025" marR="73025" marT="0" marB="91440"/>
                 </a:tc>
+                <a:extLst>
+                  <a:ext uri="{0D108BD9-81ED-4DB2-BD59-A6C34878D82A}">
+                    <a16:rowId xmlns:a16="http://schemas.microsoft.com/office/drawing/2014/main" val="10006"/>
+                  </a:ext>
+                </a:extLst>
               </a:tr>
             </a:tbl>
           </a:graphicData>
@@ -6282,10 +6147,9 @@
           <a:lstStyle/>
           <a:p>
             <a:r>
-              <a:rPr lang="en-US" smtClean="0"/>
+              <a:rPr lang="en-US"/>
               <a:t>Chapter 13 Security Engineering</a:t>
             </a:r>
-            <a:endParaRPr lang="en-US"/>
           </a:p>
         </p:txBody>
       </p:sp>
@@ -6305,7 +6169,7 @@
           <a:lstStyle/>
           <a:p>
             <a:r>
-              <a:rPr lang="en-GB" smtClean="0"/>
+              <a:rPr lang="en-GB"/>
               <a:t>12/11/2014</a:t>
             </a:r>
             <a:endParaRPr lang="en-US"/>
@@ -6322,7 +6186,7 @@
   <p:clrMapOvr>
     <a:masterClrMapping/>
   </p:clrMapOvr>
-  <p:transition xmlns:p14="http://schemas.microsoft.com/office/powerpoint/2010/main" spd="med">
+  <p:transition spd="med">
     <p:wipe dir="r"/>
   </p:transition>
 </p:sld>
@@ -6361,23 +6225,15 @@
           <a:lstStyle/>
           <a:p>
             <a:r>
-              <a:rPr lang="en-US" dirty="0" smtClean="0"/>
-              <a:t>Examples </a:t>
-            </a:r>
-            <a:r>
               <a:rPr lang="en-US" dirty="0"/>
-              <a:t>of security </a:t>
-            </a:r>
-            <a:r>
-              <a:rPr lang="en-US" dirty="0" smtClean="0"/>
-              <a:t>terminology </a:t>
-            </a:r>
-            <a:r>
-              <a:rPr lang="en-US" smtClean="0"/>
+              <a:t>Examples of security terminology </a:t>
+            </a:r>
+            <a:r>
+              <a:rPr lang="en-US"/>
               <a:t>(Mentcare)</a:t>
             </a:r>
             <a:r>
-              <a:rPr lang="en-GB" dirty="0" smtClean="0"/>
+              <a:rPr lang="en-GB" dirty="0"/>
               <a:t> </a:t>
             </a:r>
             <a:endParaRPr lang="en-US" dirty="0"/>
@@ -6405,8 +6261,20 @@
                 <a:tableStyleId>{5C22544A-7EE6-4342-B048-85BDC9FD1C3A}</a:tableStyleId>
               </a:tblPr>
               <a:tblGrid>
-                <a:gridCol w="2434290"/>
-                <a:gridCol w="5795310"/>
+                <a:gridCol w="2434290">
+                  <a:extLst>
+                    <a:ext uri="{9D8B030D-6E8A-4147-A177-3AD203B41FA5}">
+                      <a16:colId xmlns:a16="http://schemas.microsoft.com/office/drawing/2014/main" val="20000"/>
+                    </a:ext>
+                  </a:extLst>
+                </a:gridCol>
+                <a:gridCol w="5795310">
+                  <a:extLst>
+                    <a:ext uri="{9D8B030D-6E8A-4147-A177-3AD203B41FA5}">
+                      <a16:colId xmlns:a16="http://schemas.microsoft.com/office/drawing/2014/main" val="20001"/>
+                    </a:ext>
+                  </a:extLst>
+                </a:gridCol>
               </a:tblGrid>
               <a:tr h="370840">
                 <a:tc>
@@ -6420,7 +6288,7 @@
                         </a:spcAft>
                       </a:pPr>
                       <a:r>
-                        <a:rPr lang="en-GB" sz="1400" b="1" dirty="0" smtClean="0">
+                        <a:rPr lang="en-GB" sz="1400" b="1" dirty="0">
                           <a:solidFill>
                             <a:srgbClr val="000000"/>
                           </a:solidFill>
@@ -6430,14 +6298,6 @@
                         </a:rPr>
                         <a:t>Term</a:t>
                       </a:r>
-                      <a:endParaRPr lang="en-GB" sz="1400" b="1" dirty="0">
-                        <a:solidFill>
-                          <a:srgbClr val="000000"/>
-                        </a:solidFill>
-                        <a:latin typeface="Arial"/>
-                        <a:ea typeface="Times New Roman"/>
-                        <a:cs typeface="Arial"/>
-                      </a:endParaRPr>
                     </a:p>
                   </a:txBody>
                   <a:tcPr marL="73025" marR="73025" marT="91440" marB="0"/>
@@ -6453,7 +6313,7 @@
                         </a:spcAft>
                       </a:pPr>
                       <a:r>
-                        <a:rPr lang="en-GB" sz="1400" b="1" dirty="0" smtClean="0">
+                        <a:rPr lang="en-GB" sz="1400" b="1" dirty="0">
                           <a:solidFill>
                             <a:srgbClr val="000000"/>
                           </a:solidFill>
@@ -6463,18 +6323,15 @@
                         </a:rPr>
                         <a:t>Example</a:t>
                       </a:r>
-                      <a:endParaRPr lang="en-GB" sz="1400" b="1" dirty="0">
-                        <a:solidFill>
-                          <a:srgbClr val="000000"/>
-                        </a:solidFill>
-                        <a:latin typeface="Arial"/>
-                        <a:ea typeface="Times New Roman"/>
-                        <a:cs typeface="Arial"/>
-                      </a:endParaRPr>
                     </a:p>
                   </a:txBody>
                   <a:tcPr marL="73025" marR="73025" marT="91440" marB="0"/>
                 </a:tc>
+                <a:extLst>
+                  <a:ext uri="{0D108BD9-81ED-4DB2-BD59-A6C34878D82A}">
+                    <a16:rowId xmlns:a16="http://schemas.microsoft.com/office/drawing/2014/main" val="10000"/>
+                  </a:ext>
+                </a:extLst>
               </a:tr>
               <a:tr h="370840">
                 <a:tc>
@@ -6488,7 +6345,7 @@
                         </a:spcAft>
                       </a:pPr>
                       <a:r>
-                        <a:rPr lang="en-GB" sz="1400" dirty="0" smtClean="0">
+                        <a:rPr lang="en-GB" sz="1400" dirty="0">
                           <a:solidFill>
                             <a:srgbClr val="000000"/>
                           </a:solidFill>
@@ -6498,14 +6355,6 @@
                         </a:rPr>
                         <a:t>Asset</a:t>
                       </a:r>
-                      <a:endParaRPr lang="en-GB" sz="1400" dirty="0">
-                        <a:solidFill>
-                          <a:srgbClr val="000000"/>
-                        </a:solidFill>
-                        <a:latin typeface="Arial"/>
-                        <a:ea typeface="Times New Roman"/>
-                        <a:cs typeface="Arial"/>
-                      </a:endParaRPr>
                     </a:p>
                   </a:txBody>
                   <a:tcPr marL="73025" marR="73025" marT="91440" marB="91440"/>
@@ -6535,6 +6384,11 @@
                   </a:txBody>
                   <a:tcPr marL="73025" marR="73025" marT="91440" marB="91440"/>
                 </a:tc>
+                <a:extLst>
+                  <a:ext uri="{0D108BD9-81ED-4DB2-BD59-A6C34878D82A}">
+                    <a16:rowId xmlns:a16="http://schemas.microsoft.com/office/drawing/2014/main" val="10001"/>
+                  </a:ext>
+                </a:extLst>
               </a:tr>
               <a:tr h="370840">
                 <a:tc>
@@ -6587,6 +6441,11 @@
                   </a:txBody>
                   <a:tcPr marL="73025" marR="73025" marT="91440" marB="91440"/>
                 </a:tc>
+                <a:extLst>
+                  <a:ext uri="{0D108BD9-81ED-4DB2-BD59-A6C34878D82A}">
+                    <a16:rowId xmlns:a16="http://schemas.microsoft.com/office/drawing/2014/main" val="10002"/>
+                  </a:ext>
+                </a:extLst>
               </a:tr>
               <a:tr h="370840">
                 <a:tc>
@@ -6639,6 +6498,11 @@
                   </a:txBody>
                   <a:tcPr marL="73025" marR="73025" marT="0" marB="91440"/>
                 </a:tc>
+                <a:extLst>
+                  <a:ext uri="{0D108BD9-81ED-4DB2-BD59-A6C34878D82A}">
+                    <a16:rowId xmlns:a16="http://schemas.microsoft.com/office/drawing/2014/main" val="10003"/>
+                  </a:ext>
+                </a:extLst>
               </a:tr>
               <a:tr h="370840">
                 <a:tc>
@@ -6691,6 +6555,11 @@
                   </a:txBody>
                   <a:tcPr marL="73025" marR="73025" marT="0" marB="91440"/>
                 </a:tc>
+                <a:extLst>
+                  <a:ext uri="{0D108BD9-81ED-4DB2-BD59-A6C34878D82A}">
+                    <a16:rowId xmlns:a16="http://schemas.microsoft.com/office/drawing/2014/main" val="10004"/>
+                  </a:ext>
+                </a:extLst>
               </a:tr>
               <a:tr h="370840">
                 <a:tc>
@@ -6743,6 +6612,11 @@
                   </a:txBody>
                   <a:tcPr marL="73025" marR="73025" marT="0" marB="91440"/>
                 </a:tc>
+                <a:extLst>
+                  <a:ext uri="{0D108BD9-81ED-4DB2-BD59-A6C34878D82A}">
+                    <a16:rowId xmlns:a16="http://schemas.microsoft.com/office/drawing/2014/main" val="10005"/>
+                  </a:ext>
+                </a:extLst>
               </a:tr>
               <a:tr h="370840">
                 <a:tc>
@@ -6789,31 +6663,17 @@
                           <a:ea typeface="Times New Roman"/>
                           <a:cs typeface="Arial"/>
                         </a:rPr>
-                        <a:t>A password checking system that disallows user passwords that are proper names or words that are normally included in a dictionary</a:t>
+                        <a:t>A password checking system that disallows user passwords that are proper names or words that are normally included in a dictionary.</a:t>
                       </a:r>
-                      <a:r>
-                        <a:rPr lang="en-GB" sz="1400" dirty="0" smtClean="0">
-                          <a:solidFill>
-                            <a:srgbClr val="000000"/>
-                          </a:solidFill>
-                          <a:latin typeface="Arial"/>
-                          <a:ea typeface="Times New Roman"/>
-                          <a:cs typeface="Arial"/>
-                        </a:rPr>
-                        <a:t>.</a:t>
-                      </a:r>
-                      <a:endParaRPr lang="en-GB" sz="1400" dirty="0">
-                        <a:solidFill>
-                          <a:srgbClr val="000000"/>
-                        </a:solidFill>
-                        <a:latin typeface="Arial"/>
-                        <a:ea typeface="Times New Roman"/>
-                        <a:cs typeface="Arial"/>
-                      </a:endParaRPr>
                     </a:p>
                   </a:txBody>
                   <a:tcPr marL="73025" marR="73025" marT="0" marB="91440"/>
                 </a:tc>
+                <a:extLst>
+                  <a:ext uri="{0D108BD9-81ED-4DB2-BD59-A6C34878D82A}">
+                    <a16:rowId xmlns:a16="http://schemas.microsoft.com/office/drawing/2014/main" val="10006"/>
+                  </a:ext>
+                </a:extLst>
               </a:tr>
             </a:tbl>
           </a:graphicData>
@@ -6859,10 +6719,9 @@
           <a:lstStyle/>
           <a:p>
             <a:r>
-              <a:rPr lang="en-US" smtClean="0"/>
+              <a:rPr lang="en-US"/>
               <a:t>Chapter 13 Security Engineering</a:t>
             </a:r>
-            <a:endParaRPr lang="en-US"/>
           </a:p>
         </p:txBody>
       </p:sp>
@@ -6882,7 +6741,7 @@
           <a:lstStyle/>
           <a:p>
             <a:r>
-              <a:rPr lang="en-GB" smtClean="0"/>
+              <a:rPr lang="en-GB"/>
               <a:t>12/11/2014</a:t>
             </a:r>
             <a:endParaRPr lang="en-US"/>
@@ -6899,7 +6758,7 @@
   <p:clrMapOvr>
     <a:masterClrMapping/>
   </p:clrMapOvr>
-  <p:transition xmlns:p14="http://schemas.microsoft.com/office/powerpoint/2010/main" spd="med">
+  <p:transition spd="med">
     <p:wipe dir="r"/>
   </p:transition>
 </p:sld>
@@ -6938,14 +6797,9 @@
           <a:lstStyle/>
           <a:p>
             <a:r>
-              <a:rPr lang="en-US" dirty="0" smtClean="0"/>
-              <a:t>Threat </a:t>
-            </a:r>
-            <a:r>
-              <a:rPr lang="en-US" dirty="0" smtClean="0"/>
-              <a:t>types</a:t>
-            </a:r>
-            <a:endParaRPr lang="en-US" dirty="0"/>
+              <a:rPr lang="en-US" dirty="0"/>
+              <a:t>Threat types</a:t>
+            </a:r>
           </a:p>
         </p:txBody>
       </p:sp>
@@ -6968,44 +6822,26 @@
               <a:rPr lang="en-US" dirty="0"/>
               <a:t>Interception threats that allow an attacker to gain access to an asset. </a:t>
             </a:r>
-            <a:endParaRPr lang="en-US" dirty="0" smtClean="0"/>
           </a:p>
           <a:p>
             <a:pPr lvl="1"/>
             <a:r>
-              <a:rPr lang="en-US" dirty="0" smtClean="0"/>
-              <a:t>A possible </a:t>
-            </a:r>
-            <a:r>
               <a:rPr lang="en-US" dirty="0"/>
-              <a:t>threat to the Mentcare system might be a situation where an attacker gains access to the records of an individual patient.</a:t>
+              <a:t>A possible threat to the Mentcare system might be a situation where an attacker gains access to the records of an individual patient.</a:t>
             </a:r>
             <a:endParaRPr lang="en-GB" dirty="0"/>
           </a:p>
           <a:p>
             <a:r>
-              <a:rPr lang="en-US" dirty="0" smtClean="0"/>
-              <a:t>Interruption </a:t>
-            </a:r>
-            <a:r>
               <a:rPr lang="en-US" dirty="0"/>
-              <a:t>threats that allow an attacker to make part of the system unavailable. </a:t>
-            </a:r>
-            <a:endParaRPr lang="en-US" dirty="0" smtClean="0"/>
+              <a:t>Interruption threats that allow an attacker to make part of the system unavailable. </a:t>
+            </a:r>
           </a:p>
           <a:p>
             <a:pPr lvl="1"/>
             <a:r>
-              <a:rPr lang="en-US" dirty="0" smtClean="0"/>
-              <a:t>A possible </a:t>
-            </a:r>
-            <a:r>
               <a:rPr lang="en-US" dirty="0"/>
-              <a:t>threat might be a denial of service attack on a system database </a:t>
-            </a:r>
-            <a:r>
-              <a:rPr lang="en-US" dirty="0" smtClean="0"/>
-              <a:t>server so that database connections become impossible.</a:t>
+              <a:t>A possible threat might be a denial of service attack on a system database server so that database connections become impossible.</a:t>
             </a:r>
             <a:endParaRPr lang="en-GB" dirty="0"/>
           </a:p>
@@ -7030,10 +6866,9 @@
           <a:lstStyle/>
           <a:p>
             <a:r>
-              <a:rPr lang="en-US" smtClean="0"/>
+              <a:rPr lang="en-US"/>
               <a:t>Chapter 13 Security Engineering</a:t>
             </a:r>
-            <a:endParaRPr lang="en-US"/>
           </a:p>
         </p:txBody>
       </p:sp>
@@ -7077,7 +6912,7 @@
           <a:lstStyle/>
           <a:p>
             <a:r>
-              <a:rPr lang="en-GB" smtClean="0"/>
+              <a:rPr lang="en-GB"/>
               <a:t>12/11/2014</a:t>
             </a:r>
             <a:endParaRPr lang="en-US"/>
@@ -7094,7 +6929,7 @@
   <p:clrMapOvr>
     <a:masterClrMapping/>
   </p:clrMapOvr>
-  <p:transition xmlns:p14="http://schemas.microsoft.com/office/powerpoint/2010/main" spd="med">
+  <p:transition spd="med">
     <p:wipe dir="r"/>
   </p:transition>
 </p:sld>
@@ -7133,10 +6968,9 @@
           <a:lstStyle/>
           <a:p>
             <a:r>
-              <a:rPr lang="en-US" dirty="0" smtClean="0"/>
+              <a:rPr lang="en-US" dirty="0"/>
               <a:t>Threat types</a:t>
             </a:r>
-            <a:endParaRPr lang="en-US" dirty="0"/>
           </a:p>
         </p:txBody>
       </p:sp>
@@ -7159,48 +6993,26 @@
               <a:rPr lang="en-US" dirty="0"/>
               <a:t>Modification threats that allow an attacker to tamper with a system asset. </a:t>
             </a:r>
-            <a:endParaRPr lang="en-US" dirty="0" smtClean="0"/>
           </a:p>
           <a:p>
             <a:pPr lvl="1"/>
             <a:r>
-              <a:rPr lang="en-US" dirty="0" smtClean="0"/>
-              <a:t>In </a:t>
-            </a:r>
-            <a:r>
               <a:rPr lang="en-US" dirty="0"/>
-              <a:t>the Mentcare system, a modification threat would be where an attacker alters or destroys a patient record.</a:t>
+              <a:t>In the Mentcare system, a modification threat would be where an attacker alters or destroys a patient record.</a:t>
             </a:r>
             <a:endParaRPr lang="en-GB" dirty="0"/>
           </a:p>
           <a:p>
             <a:r>
-              <a:rPr lang="en-US" dirty="0" smtClean="0"/>
-              <a:t>Fabrication </a:t>
-            </a:r>
-            <a:r>
               <a:rPr lang="en-US" dirty="0"/>
-              <a:t>threats that allow an attacker to insert false information into a system. </a:t>
-            </a:r>
-            <a:endParaRPr lang="en-US" dirty="0" smtClean="0"/>
+              <a:t>Fabrication threats that allow an attacker to insert false information into a system. </a:t>
+            </a:r>
           </a:p>
           <a:p>
             <a:pPr lvl="1"/>
             <a:r>
-              <a:rPr lang="en-US" dirty="0" smtClean="0"/>
-              <a:t>This </a:t>
-            </a:r>
-            <a:r>
               <a:rPr lang="en-US" dirty="0"/>
-              <a:t>is perhaps not a credible threat in the Mentcare system but would </a:t>
-            </a:r>
-            <a:r>
-              <a:rPr lang="en-US" dirty="0" smtClean="0"/>
-              <a:t>be </a:t>
-            </a:r>
-            <a:r>
-              <a:rPr lang="en-US" dirty="0"/>
-              <a:t>a threat in a banking system, where false transactions might be added to the system that transfer money to the perpetrator’s bank account. </a:t>
+              <a:t>This is perhaps not a credible threat in the Mentcare system but would be a threat in a banking system, where false transactions might be added to the system that transfer money to the perpetrator’s bank account. </a:t>
             </a:r>
             <a:endParaRPr lang="en-GB" dirty="0"/>
           </a:p>
@@ -7225,7 +7037,7 @@
           <a:lstStyle/>
           <a:p>
             <a:r>
-              <a:rPr lang="en-GB" smtClean="0"/>
+              <a:rPr lang="en-GB"/>
               <a:t>12/11/2014</a:t>
             </a:r>
             <a:endParaRPr lang="en-US"/>
@@ -7248,10 +7060,9 @@
           <a:lstStyle/>
           <a:p>
             <a:r>
-              <a:rPr lang="en-US" smtClean="0"/>
+              <a:rPr lang="en-US"/>
               <a:t>Chapter 13 Security Engineering</a:t>
             </a:r>
-            <a:endParaRPr lang="en-US"/>
           </a:p>
         </p:txBody>
       </p:sp>
@@ -7289,7 +7100,7 @@
   <p:clrMapOvr>
     <a:masterClrMapping/>
   </p:clrMapOvr>
-  <p:transition xmlns:p14="http://schemas.microsoft.com/office/powerpoint/2010/main" spd="med">
+  <p:transition spd="med">
     <p:wipe dir="r"/>
   </p:transition>
 </p:sld>
@@ -7402,11 +7213,7 @@
             </a:pPr>
             <a:r>
               <a:rPr lang="en-GB" sz="2400" dirty="0"/>
-              <a:t>Exposure </a:t>
-            </a:r>
-            <a:r>
-              <a:rPr lang="en-GB" sz="2400" dirty="0" smtClean="0"/>
-              <a:t>limitation and recovery</a:t>
+              <a:t>Exposure limitation and recovery</a:t>
             </a:r>
           </a:p>
           <a:p>
@@ -7462,10 +7269,9 @@
           <a:lstStyle/>
           <a:p>
             <a:r>
-              <a:rPr lang="en-US" smtClean="0"/>
+              <a:rPr lang="en-US"/>
               <a:t>Chapter 13 Security Engineering</a:t>
             </a:r>
-            <a:endParaRPr lang="en-US"/>
           </a:p>
         </p:txBody>
       </p:sp>
@@ -7485,7 +7291,7 @@
           <a:lstStyle/>
           <a:p>
             <a:r>
-              <a:rPr lang="en-GB" smtClean="0"/>
+              <a:rPr lang="en-GB"/>
               <a:t>12/11/2014</a:t>
             </a:r>
             <a:endParaRPr lang="en-US"/>
@@ -7502,7 +7308,7 @@
   <p:clrMapOvr>
     <a:masterClrMapping/>
   </p:clrMapOvr>
-  <p:transition xmlns:p14="http://schemas.microsoft.com/office/powerpoint/2010/main" spd="med">
+  <p:transition spd="med">
     <p:wipe dir="r"/>
   </p:transition>
 </p:sld>
@@ -7541,10 +7347,9 @@
           <a:lstStyle/>
           <a:p>
             <a:r>
-              <a:rPr lang="en-US" dirty="0" smtClean="0"/>
+              <a:rPr lang="en-US" dirty="0"/>
               <a:t>Security and dependability</a:t>
             </a:r>
-            <a:endParaRPr lang="en-US" dirty="0"/>
           </a:p>
         </p:txBody>
       </p:sp>
@@ -7571,19 +7376,13 @@
               <a:rPr lang="en-GB" dirty="0"/>
               <a:t> </a:t>
             </a:r>
-            <a:endParaRPr lang="en-GB" dirty="0" smtClean="0"/>
           </a:p>
           <a:p>
             <a:pPr lvl="1"/>
             <a:r>
-              <a:rPr lang="en-GB" dirty="0" smtClean="0"/>
-              <a:t>If </a:t>
-            </a:r>
-            <a:r>
               <a:rPr lang="en-GB" dirty="0"/>
-              <a:t>a system is attacked and the system or its data are corrupted as a consequence of that attack, then this may induce system failures that compromise the reliability of the system. </a:t>
-            </a:r>
-            <a:endParaRPr lang="en-GB" dirty="0" smtClean="0"/>
+              <a:t>If a system is attacked and the system or its data are corrupted as a consequence of that attack, then this may induce system failures that compromise the reliability of the system. </a:t>
+            </a:r>
           </a:p>
           <a:p>
             <a:r>
@@ -7594,19 +7393,13 @@
               <a:rPr lang="en-GB" dirty="0"/>
               <a:t> </a:t>
             </a:r>
-            <a:endParaRPr lang="en-GB" dirty="0" smtClean="0"/>
           </a:p>
           <a:p>
             <a:pPr lvl="1"/>
             <a:r>
-              <a:rPr lang="en-GB" dirty="0" smtClean="0"/>
-              <a:t>A </a:t>
-            </a:r>
-            <a:r>
               <a:rPr lang="en-GB" dirty="0"/>
-              <a:t>common attack on a web-based system is a denial of service attack, where a web server is flooded with service requests from a range of different sources. The aim of this attack is to make the system unavailable. </a:t>
-            </a:r>
-            <a:endParaRPr lang="en-GB" dirty="0" smtClean="0"/>
+              <a:t>A common attack on a web-based system is a denial of service attack, where a web server is flooded with service requests from a range of different sources. The aim of this attack is to make the system unavailable. </a:t>
+            </a:r>
           </a:p>
           <a:p>
             <a:endParaRPr lang="en-US" dirty="0"/>
@@ -7629,7 +7422,7 @@
           <a:lstStyle/>
           <a:p>
             <a:r>
-              <a:rPr lang="en-GB" smtClean="0"/>
+              <a:rPr lang="en-GB"/>
               <a:t>12/11/2014</a:t>
             </a:r>
             <a:endParaRPr lang="en-US"/>
@@ -7652,10 +7445,9 @@
           <a:lstStyle/>
           <a:p>
             <a:r>
-              <a:rPr lang="en-US" smtClean="0"/>
+              <a:rPr lang="en-US"/>
               <a:t>Chapter 13 Security Engineering</a:t>
             </a:r>
-            <a:endParaRPr lang="en-US"/>
           </a:p>
         </p:txBody>
       </p:sp>
@@ -7693,7 +7485,7 @@
   <p:clrMapOvr>
     <a:masterClrMapping/>
   </p:clrMapOvr>
-  <p:transition xmlns:p14="http://schemas.microsoft.com/office/powerpoint/2010/main" spd="med">
+  <p:transition spd="med">
     <p:wipe dir="r"/>
   </p:transition>
 </p:sld>
@@ -7732,10 +7524,9 @@
           <a:lstStyle/>
           <a:p>
             <a:r>
-              <a:rPr lang="en-US" dirty="0" smtClean="0"/>
+              <a:rPr lang="en-US" dirty="0"/>
               <a:t>Security and dependability</a:t>
             </a:r>
-            <a:endParaRPr lang="en-US" dirty="0"/>
           </a:p>
         </p:txBody>
       </p:sp>
@@ -7758,55 +7549,13 @@
               <a:rPr lang="en-GB" i="1" dirty="0"/>
               <a:t>Security and safety </a:t>
             </a:r>
-            <a:endParaRPr lang="en-GB" i="1" dirty="0" smtClean="0"/>
           </a:p>
           <a:p>
             <a:pPr lvl="1"/>
             <a:r>
-              <a:rPr lang="en-GB" dirty="0" smtClean="0"/>
-              <a:t>An attack </a:t>
-            </a:r>
-            <a:r>
               <a:rPr lang="en-GB" dirty="0"/>
-              <a:t>that corrupts the system or its </a:t>
-            </a:r>
-            <a:r>
-              <a:rPr lang="en-GB" dirty="0" smtClean="0"/>
-              <a:t>data means that assumptions about safety may not hold. </a:t>
-            </a:r>
-            <a:r>
-              <a:rPr lang="en-GB" dirty="0"/>
-              <a:t>Safety checks </a:t>
-            </a:r>
-            <a:r>
-              <a:rPr lang="en-GB" dirty="0" smtClean="0"/>
-              <a:t>rely on analysing the </a:t>
-            </a:r>
-            <a:r>
-              <a:rPr lang="en-GB" dirty="0"/>
-              <a:t>source code of safety critical software and </a:t>
-            </a:r>
-            <a:r>
-              <a:rPr lang="en-GB" dirty="0" smtClean="0"/>
-              <a:t>assume the </a:t>
-            </a:r>
-            <a:r>
-              <a:rPr lang="en-GB" dirty="0"/>
-              <a:t>executing code is a completely accurate translation of that source code. If this is not the case, </a:t>
-            </a:r>
-            <a:r>
-              <a:rPr lang="en-GB" dirty="0" smtClean="0"/>
-              <a:t>safety</a:t>
-            </a:r>
-            <a:r>
-              <a:rPr lang="en-GB" dirty="0"/>
-              <a:t>-related failures may be induced and the safety case made for the software is invalid.</a:t>
-            </a:r>
-            <a:r>
-              <a:rPr lang="en-GB" dirty="0"/>
-              <a:t> </a:t>
-            </a:r>
-            <a:endParaRPr lang="en-GB" dirty="0" smtClean="0"/>
+              <a:t>An attack that corrupts the system or its data means that assumptions about safety may not hold. Safety checks rely on analysing the source code of safety critical software and assume the executing code is a completely accurate translation of that source code. If this is not the case, safety-related failures may be induced and the safety case made for the software is invalid. </a:t>
+            </a:r>
           </a:p>
           <a:p>
             <a:r>
@@ -7817,17 +7566,12 @@
               <a:rPr lang="en-GB" dirty="0"/>
               <a:t>  </a:t>
             </a:r>
-            <a:endParaRPr lang="en-GB" dirty="0" smtClean="0"/>
           </a:p>
           <a:p>
             <a:pPr lvl="1"/>
             <a:r>
-              <a:rPr lang="en-GB" dirty="0" smtClean="0"/>
-              <a:t>Resilience </a:t>
-            </a:r>
-            <a:r>
               <a:rPr lang="en-GB" dirty="0"/>
-              <a:t>is a system characteristic that reflects its ability to resist and recover from damaging events. The most probable damaging event on networked software systems is a cyberattack of some kind so most of the work now done in resilience is aimed at deterring, detecting and recovering from such attacks.</a:t>
+              <a:t>Resilience is a system characteristic that reflects its ability to resist and recover from damaging events. The most probable damaging event on networked software systems is a cyberattack of some kind so most of the work now done in resilience is aimed at deterring, detecting and recovering from such attacks.</a:t>
             </a:r>
           </a:p>
           <a:p>
@@ -7851,7 +7595,7 @@
           <a:lstStyle/>
           <a:p>
             <a:r>
-              <a:rPr lang="en-GB" smtClean="0"/>
+              <a:rPr lang="en-GB"/>
               <a:t>12/11/2014</a:t>
             </a:r>
             <a:endParaRPr lang="en-US"/>
@@ -7874,10 +7618,9 @@
           <a:lstStyle/>
           <a:p>
             <a:r>
-              <a:rPr lang="en-US" smtClean="0"/>
+              <a:rPr lang="en-US"/>
               <a:t>Chapter 13 Security Engineering</a:t>
             </a:r>
-            <a:endParaRPr lang="en-US"/>
           </a:p>
         </p:txBody>
       </p:sp>
@@ -7915,7 +7658,7 @@
   <p:clrMapOvr>
     <a:masterClrMapping/>
   </p:clrMapOvr>
-  <p:transition xmlns:p14="http://schemas.microsoft.com/office/powerpoint/2010/main" spd="med">
+  <p:transition spd="med">
     <p:wipe dir="r"/>
   </p:transition>
 </p:sld>
@@ -7982,31 +7725,31 @@
           <a:lstStyle/>
           <a:p>
             <a:r>
-              <a:rPr lang="en-GB" dirty="0" smtClean="0"/>
+              <a:rPr lang="en-GB" dirty="0"/>
               <a:t>Security and dependability</a:t>
             </a:r>
           </a:p>
           <a:p>
             <a:r>
-              <a:rPr lang="en-GB" dirty="0" smtClean="0"/>
+              <a:rPr lang="en-GB" dirty="0"/>
               <a:t>Security and organizations</a:t>
             </a:r>
           </a:p>
           <a:p>
             <a:r>
-              <a:rPr lang="en-GB" dirty="0" smtClean="0"/>
+              <a:rPr lang="en-GB" dirty="0"/>
               <a:t>Security requirements</a:t>
             </a:r>
           </a:p>
           <a:p>
             <a:r>
-              <a:rPr lang="en-GB" dirty="0" smtClean="0"/>
+              <a:rPr lang="en-GB" dirty="0"/>
               <a:t>Secure systems design</a:t>
             </a:r>
           </a:p>
           <a:p>
             <a:r>
-              <a:rPr lang="en-GB" dirty="0" smtClean="0"/>
+              <a:rPr lang="en-GB" dirty="0"/>
               <a:t>Security testing and assurance</a:t>
             </a:r>
           </a:p>
@@ -8028,10 +7771,9 @@
           <a:lstStyle/>
           <a:p>
             <a:r>
-              <a:rPr lang="en-US" smtClean="0"/>
+              <a:rPr lang="en-US"/>
               <a:t>Chapter 13 Security Engineering</a:t>
             </a:r>
-            <a:endParaRPr lang="en-US"/>
           </a:p>
         </p:txBody>
       </p:sp>
@@ -8075,7 +7817,7 @@
           <a:lstStyle/>
           <a:p>
             <a:r>
-              <a:rPr lang="en-GB" smtClean="0"/>
+              <a:rPr lang="en-GB"/>
               <a:t>12/11/2014</a:t>
             </a:r>
             <a:endParaRPr lang="en-US"/>
@@ -8087,14 +7829,7 @@
   <p:clrMapOvr>
     <a:masterClrMapping/>
   </p:clrMapOvr>
-  <p:transition xmlns:p14="http://schemas.microsoft.com/office/powerpoint/2010/main"/>
-  <p:timing>
-    <p:tnLst>
-      <p:par>
-        <p:cTn xmlns:p14="http://schemas.microsoft.com/office/powerpoint/2010/main" id="1" dur="indefinite" restart="never" nodeType="tmRoot"/>
-      </p:par>
-    </p:tnLst>
-  </p:timing>
+  <p:transition/>
 </p:sld>
 </file>
 
@@ -8137,10 +7872,9 @@
           <a:p>
             <a:pPr algn="ctr"/>
             <a:r>
-              <a:rPr lang="en-US" dirty="0" smtClean="0"/>
+              <a:rPr lang="en-US" dirty="0"/>
               <a:t>Security and organizations</a:t>
             </a:r>
-            <a:endParaRPr lang="en-US" dirty="0"/>
           </a:p>
         </p:txBody>
       </p:sp>
@@ -8160,7 +7894,7 @@
           <a:lstStyle/>
           <a:p>
             <a:r>
-              <a:rPr lang="en-GB" smtClean="0"/>
+              <a:rPr lang="en-GB"/>
               <a:t>12/11/2014</a:t>
             </a:r>
             <a:endParaRPr lang="en-US"/>
@@ -8183,10 +7917,9 @@
           <a:lstStyle/>
           <a:p>
             <a:r>
-              <a:rPr lang="en-US" smtClean="0"/>
+              <a:rPr lang="en-US"/>
               <a:t>Chapter 13 Security Engineering</a:t>
             </a:r>
-            <a:endParaRPr lang="en-US"/>
           </a:p>
         </p:txBody>
       </p:sp>
@@ -8224,7 +7957,7 @@
   <p:clrMapOvr>
     <a:masterClrMapping/>
   </p:clrMapOvr>
-  <p:transition xmlns:p14="http://schemas.microsoft.com/office/powerpoint/2010/main" spd="med">
+  <p:transition spd="med">
     <p:wipe dir="r"/>
   </p:transition>
 </p:sld>
@@ -8263,59 +7996,58 @@
           <a:lstStyle/>
           <a:p>
             <a:r>
-              <a:rPr lang="en-US" dirty="0" smtClean="0"/>
+              <a:rPr lang="en-US" dirty="0"/>
               <a:t>Security is a business issue</a:t>
             </a:r>
+          </a:p>
+        </p:txBody>
+      </p:sp>
+      <p:sp>
+        <p:nvSpPr>
+          <p:cNvPr id="3" name="Content Placeholder 2"/>
+          <p:cNvSpPr>
+            <a:spLocks noGrp="1"/>
+          </p:cNvSpPr>
+          <p:nvPr>
+            <p:ph idx="1"/>
+          </p:nvPr>
+        </p:nvSpPr>
+        <p:spPr/>
+        <p:txBody>
+          <a:bodyPr/>
+          <a:lstStyle/>
+          <a:p>
+            <a:r>
+              <a:rPr lang="en-US" dirty="0"/>
+              <a:t>Security is expensive and it is important that security decisions are made in a cost-effective way</a:t>
+            </a:r>
+          </a:p>
+          <a:p>
+            <a:pPr lvl="1"/>
+            <a:r>
+              <a:rPr lang="en-US" dirty="0"/>
+              <a:t>There is no point in spending more than the value of an asset to keep that asset secure.</a:t>
+            </a:r>
+          </a:p>
+          <a:p>
+            <a:r>
+              <a:rPr lang="en-US" dirty="0"/>
+              <a:t>Organizations use a risk-based approach to support security decision making and should have a defined security policy based on security risk analysis</a:t>
+            </a:r>
+          </a:p>
+          <a:p>
+            <a:r>
+              <a:rPr lang="en-US" dirty="0"/>
+              <a:t>Security risk analysis is a business rather than a technical process</a:t>
+            </a:r>
+          </a:p>
+          <a:p>
             <a:endParaRPr lang="en-US" dirty="0"/>
           </a:p>
         </p:txBody>
       </p:sp>
       <p:sp>
         <p:nvSpPr>
-          <p:cNvPr id="3" name="Content Placeholder 2"/>
-          <p:cNvSpPr>
-            <a:spLocks noGrp="1"/>
-          </p:cNvSpPr>
-          <p:nvPr>
-            <p:ph idx="1"/>
-          </p:nvPr>
-        </p:nvSpPr>
-        <p:spPr/>
-        <p:txBody>
-          <a:bodyPr/>
-          <a:lstStyle/>
-          <a:p>
-            <a:r>
-              <a:rPr lang="en-US" dirty="0" smtClean="0"/>
-              <a:t>Security is expensive and it is important that security decisions are made in a cost-effective way</a:t>
-            </a:r>
-          </a:p>
-          <a:p>
-            <a:pPr lvl="1"/>
-            <a:r>
-              <a:rPr lang="en-US" dirty="0" smtClean="0"/>
-              <a:t>There is no point in spending more than the value of an asset to keep that asset secure.</a:t>
-            </a:r>
-          </a:p>
-          <a:p>
-            <a:r>
-              <a:rPr lang="en-US" dirty="0" smtClean="0"/>
-              <a:t>Organizations use a risk-based approach to support security decision making and should have a defined security policy based on security risk analysis</a:t>
-            </a:r>
-          </a:p>
-          <a:p>
-            <a:r>
-              <a:rPr lang="en-US" dirty="0" smtClean="0"/>
-              <a:t>Security risk analysis is a business rather than a technical process</a:t>
-            </a:r>
-          </a:p>
-          <a:p>
-            <a:endParaRPr lang="en-US" dirty="0"/>
-          </a:p>
-        </p:txBody>
-      </p:sp>
-      <p:sp>
-        <p:nvSpPr>
           <p:cNvPr id="4" name="Date Placeholder 3"/>
           <p:cNvSpPr>
             <a:spLocks noGrp="1"/>
@@ -8330,7 +8062,7 @@
           <a:lstStyle/>
           <a:p>
             <a:r>
-              <a:rPr lang="en-GB" smtClean="0"/>
+              <a:rPr lang="en-GB"/>
               <a:t>12/11/2014</a:t>
             </a:r>
             <a:endParaRPr lang="en-US"/>
@@ -8353,10 +8085,9 @@
           <a:lstStyle/>
           <a:p>
             <a:r>
-              <a:rPr lang="en-US" smtClean="0"/>
+              <a:rPr lang="en-US"/>
               <a:t>Chapter 13 Security Engineering</a:t>
             </a:r>
-            <a:endParaRPr lang="en-US"/>
           </a:p>
         </p:txBody>
       </p:sp>
@@ -8394,7 +8125,7 @@
   <p:clrMapOvr>
     <a:masterClrMapping/>
   </p:clrMapOvr>
-  <p:transition xmlns:p14="http://schemas.microsoft.com/office/powerpoint/2010/main" spd="med">
+  <p:transition spd="med">
     <p:wipe dir="r"/>
   </p:transition>
 </p:sld>
@@ -8433,10 +8164,9 @@
           <a:lstStyle/>
           <a:p>
             <a:r>
-              <a:rPr lang="en-US" dirty="0" smtClean="0"/>
+              <a:rPr lang="en-US" dirty="0"/>
               <a:t>Organizational security policies</a:t>
             </a:r>
-            <a:endParaRPr lang="en-US" dirty="0"/>
           </a:p>
         </p:txBody>
       </p:sp>
@@ -8457,48 +8187,29 @@
           <a:p>
             <a:r>
               <a:rPr lang="en-GB" dirty="0"/>
-              <a:t>Security policies </a:t>
-            </a:r>
-            <a:r>
-              <a:rPr lang="en-GB" dirty="0" smtClean="0"/>
-              <a:t>should set </a:t>
-            </a:r>
-            <a:r>
-              <a:rPr lang="en-GB" dirty="0"/>
-              <a:t>out general information access strategies that should apply across the organization. </a:t>
-            </a:r>
-            <a:endParaRPr lang="en-GB" dirty="0" smtClean="0"/>
+              <a:t>Security policies should set out general information access strategies that should apply across the organization. </a:t>
+            </a:r>
           </a:p>
           <a:p>
             <a:r>
               <a:rPr lang="en-GB" dirty="0"/>
               <a:t>The point of security policies is to inform everyone in an organization about security so these should not be long and detailed technical documents. </a:t>
             </a:r>
-            <a:endParaRPr lang="en-GB" dirty="0" smtClean="0"/>
-          </a:p>
-          <a:p>
-            <a:r>
-              <a:rPr lang="en-GB" dirty="0" smtClean="0"/>
-              <a:t>From </a:t>
-            </a:r>
+          </a:p>
+          <a:p>
             <a:r>
               <a:rPr lang="en-GB" dirty="0"/>
-              <a:t>a security engineering perspective, the security policy defines, in broad terms, the security goals of the organization. </a:t>
-            </a:r>
-            <a:endParaRPr lang="en-GB" dirty="0" smtClean="0"/>
-          </a:p>
-          <a:p>
-            <a:r>
-              <a:rPr lang="en-GB" dirty="0" smtClean="0"/>
-              <a:t>The </a:t>
-            </a:r>
+              <a:t>From a security engineering perspective, the security policy defines, in broad terms, the security goals of the organization. </a:t>
+            </a:r>
+          </a:p>
+          <a:p>
             <a:r>
               <a:rPr lang="en-GB" dirty="0"/>
-              <a:t>security engineering process is concerned with implementing these goals. </a:t>
-            </a:r>
-          </a:p>
-          <a:p>
-            <a:endParaRPr lang="en-GB" dirty="0" smtClean="0"/>
+              <a:t>The security engineering process is concerned with implementing these goals. </a:t>
+            </a:r>
+          </a:p>
+          <a:p>
+            <a:endParaRPr lang="en-GB" dirty="0"/>
           </a:p>
           <a:p>
             <a:endParaRPr lang="en-US" dirty="0"/>
@@ -8521,7 +8232,7 @@
           <a:lstStyle/>
           <a:p>
             <a:r>
-              <a:rPr lang="en-GB" smtClean="0"/>
+              <a:rPr lang="en-GB"/>
               <a:t>12/11/2014</a:t>
             </a:r>
             <a:endParaRPr lang="en-US"/>
@@ -8544,10 +8255,9 @@
           <a:lstStyle/>
           <a:p>
             <a:r>
-              <a:rPr lang="en-US" smtClean="0"/>
+              <a:rPr lang="en-US"/>
               <a:t>Chapter 13 Security Engineering</a:t>
             </a:r>
-            <a:endParaRPr lang="en-US"/>
           </a:p>
         </p:txBody>
       </p:sp>
@@ -8585,7 +8295,7 @@
   <p:clrMapOvr>
     <a:masterClrMapping/>
   </p:clrMapOvr>
-  <p:transition xmlns:p14="http://schemas.microsoft.com/office/powerpoint/2010/main" spd="med">
+  <p:transition spd="med">
     <p:wipe dir="r"/>
   </p:transition>
 </p:sld>
@@ -8624,10 +8334,9 @@
           <a:lstStyle/>
           <a:p>
             <a:r>
-              <a:rPr lang="en-US" dirty="0" smtClean="0"/>
+              <a:rPr lang="en-US" dirty="0"/>
               <a:t>Security policies</a:t>
             </a:r>
-            <a:endParaRPr lang="en-US" dirty="0"/>
           </a:p>
         </p:txBody>
       </p:sp>
@@ -8647,38 +8356,20 @@
           <a:lstStyle/>
           <a:p>
             <a:r>
-              <a:rPr lang="en-GB" i="1" dirty="0" smtClean="0"/>
-              <a:t>The </a:t>
-            </a:r>
-            <a:r>
               <a:rPr lang="en-GB" i="1" dirty="0"/>
-              <a:t>assets that must be protected</a:t>
+              <a:t>The assets that must be protected</a:t>
             </a:r>
             <a:r>
               <a:rPr lang="en-GB" dirty="0"/>
               <a:t> </a:t>
             </a:r>
-            <a:endParaRPr lang="en-GB" dirty="0" smtClean="0"/>
           </a:p>
           <a:p>
             <a:pPr lvl="1"/>
             <a:r>
-              <a:rPr lang="en-GB" dirty="0" smtClean="0"/>
-              <a:t>It is not cost-effective </a:t>
-            </a:r>
-            <a:r>
               <a:rPr lang="en-GB" dirty="0"/>
-              <a:t>to apply stringent security procedures to all organizational assets. Many assets are not confidential and </a:t>
-            </a:r>
-            <a:r>
-              <a:rPr lang="en-GB" dirty="0" smtClean="0"/>
-              <a:t>can be made </a:t>
-            </a:r>
-            <a:r>
-              <a:rPr lang="en-GB" dirty="0"/>
-              <a:t>freely available. </a:t>
-            </a:r>
-            <a:endParaRPr lang="en-GB" dirty="0" smtClean="0"/>
+              <a:t>It is not cost-effective to apply stringent security procedures to all organizational assets. Many assets are not confidential and can be made freely available. </a:t>
+            </a:r>
           </a:p>
           <a:p>
             <a:r>
@@ -8689,19 +8380,13 @@
               <a:rPr lang="en-GB" dirty="0"/>
               <a:t> </a:t>
             </a:r>
-            <a:endParaRPr lang="en-GB" dirty="0" smtClean="0"/>
           </a:p>
           <a:p>
             <a:pPr lvl="1"/>
             <a:r>
-              <a:rPr lang="en-GB" dirty="0" smtClean="0"/>
-              <a:t>For </a:t>
-            </a:r>
-            <a:r>
               <a:rPr lang="en-GB" dirty="0"/>
-              <a:t>sensitive personal information, a high level of security is required; for other information, the consequences of loss may be minor so a lower level of security is adequate. </a:t>
-            </a:r>
-            <a:endParaRPr lang="en-GB" dirty="0" smtClean="0"/>
+              <a:t>For sensitive personal information, a high level of security is required; for other information, the consequences of loss may be minor so a lower level of security is adequate. </a:t>
+            </a:r>
           </a:p>
         </p:txBody>
       </p:sp>
@@ -8721,7 +8406,7 @@
           <a:lstStyle/>
           <a:p>
             <a:r>
-              <a:rPr lang="en-GB" smtClean="0"/>
+              <a:rPr lang="en-GB"/>
               <a:t>12/11/2014</a:t>
             </a:r>
             <a:endParaRPr lang="en-US" dirty="0"/>
@@ -8744,10 +8429,9 @@
           <a:lstStyle/>
           <a:p>
             <a:r>
-              <a:rPr lang="en-US" smtClean="0"/>
+              <a:rPr lang="en-US"/>
               <a:t>Chapter 13 Security Engineering</a:t>
             </a:r>
-            <a:endParaRPr lang="en-US"/>
           </a:p>
         </p:txBody>
       </p:sp>
@@ -8785,7 +8469,7 @@
   <p:clrMapOvr>
     <a:masterClrMapping/>
   </p:clrMapOvr>
-  <p:transition xmlns:p14="http://schemas.microsoft.com/office/powerpoint/2010/main" spd="med">
+  <p:transition spd="med">
     <p:wipe dir="r"/>
   </p:transition>
 </p:sld>
@@ -8824,10 +8508,9 @@
           <a:lstStyle/>
           <a:p>
             <a:r>
-              <a:rPr lang="en-US" dirty="0" smtClean="0"/>
+              <a:rPr lang="en-US" dirty="0"/>
               <a:t>Security policies</a:t>
             </a:r>
-            <a:endParaRPr lang="en-US" dirty="0"/>
           </a:p>
         </p:txBody>
       </p:sp>
@@ -8854,31 +8537,18 @@
               <a:rPr lang="en-GB" dirty="0"/>
               <a:t> </a:t>
             </a:r>
-            <a:endParaRPr lang="en-GB" dirty="0" smtClean="0"/>
           </a:p>
           <a:p>
             <a:pPr lvl="1"/>
             <a:r>
-              <a:rPr lang="en-GB" dirty="0" smtClean="0"/>
-              <a:t>The </a:t>
-            </a:r>
-            <a:r>
               <a:rPr lang="en-GB" dirty="0"/>
-              <a:t>security policy should set out what is expected of users e.g. strong passwords, log out of computers, office security, etc.</a:t>
+              <a:t>The security policy should set out what is expected of users e.g. strong passwords, log out of computers, office security, etc.</a:t>
             </a:r>
           </a:p>
           <a:p>
             <a:r>
               <a:rPr lang="en-GB" i="1" dirty="0"/>
-              <a:t>Existing </a:t>
-            </a:r>
-            <a:r>
-              <a:rPr lang="en-GB" i="1" dirty="0" smtClean="0"/>
-              <a:t>security </a:t>
-            </a:r>
-            <a:r>
-              <a:rPr lang="en-GB" i="1" dirty="0"/>
-              <a:t>procedures and technologies that should be maintained</a:t>
+              <a:t>Existing security procedures and technologies that should be maintained</a:t>
             </a:r>
             <a:r>
               <a:rPr lang="en-GB" dirty="0"/>
@@ -8888,12 +8558,8 @@
           <a:p>
             <a:pPr lvl="1"/>
             <a:r>
-              <a:rPr lang="en-GB" dirty="0" smtClean="0"/>
-              <a:t>For </a:t>
-            </a:r>
-            <a:r>
               <a:rPr lang="en-GB" dirty="0"/>
-              <a:t>reasons of practicality and cost, it may be essential to continue to use existing approaches to security even where these have known limitations.  </a:t>
+              <a:t>For reasons of practicality and cost, it may be essential to continue to use existing approaches to security even where these have known limitations.  </a:t>
             </a:r>
           </a:p>
           <a:p>
@@ -8917,7 +8583,7 @@
           <a:lstStyle/>
           <a:p>
             <a:r>
-              <a:rPr lang="en-GB" smtClean="0"/>
+              <a:rPr lang="en-GB"/>
               <a:t>12/11/2014</a:t>
             </a:r>
             <a:endParaRPr lang="en-US"/>
@@ -8940,10 +8606,9 @@
           <a:lstStyle/>
           <a:p>
             <a:r>
-              <a:rPr lang="en-US" smtClean="0"/>
+              <a:rPr lang="en-US"/>
               <a:t>Chapter 13 Security Engineering</a:t>
             </a:r>
-            <a:endParaRPr lang="en-US"/>
           </a:p>
         </p:txBody>
       </p:sp>
@@ -8981,7 +8646,7 @@
   <p:clrMapOvr>
     <a:masterClrMapping/>
   </p:clrMapOvr>
-  <p:transition xmlns:p14="http://schemas.microsoft.com/office/powerpoint/2010/main" spd="med">
+  <p:transition spd="med">
     <p:wipe dir="r"/>
   </p:transition>
 </p:sld>
@@ -9021,13 +8686,8 @@
           <a:p>
             <a:r>
               <a:rPr lang="en-US" dirty="0"/>
-              <a:t>Security risk </a:t>
-            </a:r>
-            <a:r>
-              <a:rPr lang="en-US" dirty="0" smtClean="0"/>
-              <a:t>assessment and management</a:t>
-            </a:r>
-            <a:endParaRPr lang="en-US" dirty="0"/>
+              <a:t>Security risk assessment and management</a:t>
+            </a:r>
           </a:p>
         </p:txBody>
       </p:sp>
@@ -9048,15 +8708,7 @@
           <a:p>
             <a:r>
               <a:rPr lang="en-US" sz="2400" dirty="0"/>
-              <a:t>Risk </a:t>
-            </a:r>
-            <a:r>
-              <a:rPr lang="en-US" sz="2400" dirty="0" smtClean="0"/>
-              <a:t>assessment and management </a:t>
-            </a:r>
-            <a:r>
-              <a:rPr lang="en-US" sz="2400" dirty="0"/>
-              <a:t>is concerned with assessing the possible losses that might ensue from attacks on the system and balancing these losses against the costs of security procedures that may reduce these losses.</a:t>
+              <a:t>Risk assessment and management is concerned with assessing the possible losses that might ensue from attacks on the system and balancing these losses against the costs of security procedures that may reduce these losses.</a:t>
             </a:r>
           </a:p>
           <a:p>
@@ -9090,17 +8742,13 @@
             <a:pPr lvl="1"/>
             <a:r>
               <a:rPr lang="en-US" sz="2000" dirty="0"/>
-              <a:t>Life cycle risk </a:t>
-            </a:r>
-            <a:r>
-              <a:rPr lang="en-US" sz="2000" dirty="0" smtClean="0"/>
-              <a:t>assessment</a:t>
+              <a:t>Life cycle risk assessment</a:t>
             </a:r>
           </a:p>
           <a:p>
             <a:pPr lvl="1"/>
             <a:r>
-              <a:rPr lang="en-US" dirty="0" smtClean="0"/>
+              <a:rPr lang="en-US" dirty="0"/>
               <a:t>Operational risk assessment</a:t>
             </a:r>
             <a:endParaRPr lang="en-US" sz="2000" dirty="0"/>
@@ -9123,10 +8771,9 @@
           <a:lstStyle/>
           <a:p>
             <a:r>
-              <a:rPr lang="en-US" smtClean="0"/>
+              <a:rPr lang="en-US"/>
               <a:t>Chapter 13 Security Engineering</a:t>
             </a:r>
-            <a:endParaRPr lang="en-US"/>
           </a:p>
         </p:txBody>
       </p:sp>
@@ -9170,7 +8817,7 @@
           <a:lstStyle/>
           <a:p>
             <a:r>
-              <a:rPr lang="en-GB" smtClean="0"/>
+              <a:rPr lang="en-GB"/>
               <a:t>12/11/2014</a:t>
             </a:r>
             <a:endParaRPr lang="en-US"/>
@@ -9187,16 +8834,9 @@
   <p:clrMapOvr>
     <a:masterClrMapping/>
   </p:clrMapOvr>
-  <p:transition xmlns:p14="http://schemas.microsoft.com/office/powerpoint/2010/main" spd="med">
+  <p:transition spd="med">
     <p:wipe dir="r"/>
   </p:transition>
-  <p:timing>
-    <p:tnLst>
-      <p:par>
-        <p:cTn xmlns:p14="http://schemas.microsoft.com/office/powerpoint/2010/main" id="1" dur="indefinite" restart="never" nodeType="tmRoot"/>
-      </p:par>
-    </p:tnLst>
-  </p:timing>
 </p:sld>
 </file>
 
@@ -9233,10 +8873,9 @@
           <a:lstStyle/>
           <a:p>
             <a:r>
-              <a:rPr lang="en-US" dirty="0" smtClean="0"/>
+              <a:rPr lang="en-US" dirty="0"/>
               <a:t>Preliminary risk assessment</a:t>
             </a:r>
-            <a:endParaRPr lang="en-US" dirty="0"/>
           </a:p>
         </p:txBody>
       </p:sp>
@@ -9259,35 +8898,17 @@
               <a:rPr lang="en-US" dirty="0"/>
               <a:t>The aim of this initial risk assessment is to identify generic risks that are applicable to the system and to decide if an adequate level of security can be achieved at a reasonable cost. </a:t>
             </a:r>
-            <a:endParaRPr lang="en-US" dirty="0" smtClean="0"/>
-          </a:p>
-          <a:p>
-            <a:r>
-              <a:rPr lang="en-US" dirty="0" smtClean="0"/>
-              <a:t>The </a:t>
-            </a:r>
+          </a:p>
+          <a:p>
             <a:r>
               <a:rPr lang="en-US" dirty="0"/>
-              <a:t>risk assessment should </a:t>
-            </a:r>
-            <a:r>
-              <a:rPr lang="en-US" dirty="0" smtClean="0"/>
-              <a:t>focus </a:t>
-            </a:r>
+              <a:t>The risk assessment should focus on the identification and analysis of high-level risks to the system. </a:t>
+            </a:r>
+          </a:p>
+          <a:p>
             <a:r>
               <a:rPr lang="en-US" dirty="0"/>
-              <a:t>on the identification and analysis of high-level risks to the system. </a:t>
-            </a:r>
-            <a:endParaRPr lang="en-US" dirty="0" smtClean="0"/>
-          </a:p>
-          <a:p>
-            <a:r>
-              <a:rPr lang="en-US" dirty="0" smtClean="0"/>
-              <a:t>The </a:t>
-            </a:r>
-            <a:r>
-              <a:rPr lang="en-US" dirty="0"/>
-              <a:t>outcomes of the risk assessment process are used to help identify security requirements.</a:t>
+              <a:t>The outcomes of the risk assessment process are used to help identify security requirements.</a:t>
             </a:r>
             <a:endParaRPr lang="en-GB" dirty="0"/>
           </a:p>
@@ -9312,7 +8933,7 @@
           <a:lstStyle/>
           <a:p>
             <a:r>
-              <a:rPr lang="en-GB" smtClean="0"/>
+              <a:rPr lang="en-GB"/>
               <a:t>12/11/2014</a:t>
             </a:r>
             <a:endParaRPr lang="en-US"/>
@@ -9335,10 +8956,9 @@
           <a:lstStyle/>
           <a:p>
             <a:r>
-              <a:rPr lang="en-US" smtClean="0"/>
+              <a:rPr lang="en-US"/>
               <a:t>Chapter 13 Security Engineering</a:t>
             </a:r>
-            <a:endParaRPr lang="en-US"/>
           </a:p>
         </p:txBody>
       </p:sp>
@@ -9376,7 +8996,7 @@
   <p:clrMapOvr>
     <a:masterClrMapping/>
   </p:clrMapOvr>
-  <p:transition xmlns:p14="http://schemas.microsoft.com/office/powerpoint/2010/main" spd="med">
+  <p:transition spd="med">
     <p:wipe dir="r"/>
   </p:transition>
 </p:sld>
@@ -9415,10 +9035,9 @@
           <a:lstStyle/>
           <a:p>
             <a:r>
-              <a:rPr lang="en-US" dirty="0" smtClean="0"/>
+              <a:rPr lang="en-US" dirty="0"/>
               <a:t>Design risk assessment</a:t>
             </a:r>
-            <a:endParaRPr lang="en-US" dirty="0"/>
           </a:p>
         </p:txBody>
       </p:sp>
@@ -9441,27 +9060,17 @@
               <a:rPr lang="en-US" dirty="0"/>
               <a:t>This risk assessment takes place during the system development life cycle and is informed by the technical system design and implementation decisions. </a:t>
             </a:r>
-            <a:endParaRPr lang="en-US" dirty="0" smtClean="0"/>
-          </a:p>
-          <a:p>
-            <a:r>
-              <a:rPr lang="en-US" dirty="0" smtClean="0"/>
-              <a:t>The </a:t>
-            </a:r>
+          </a:p>
+          <a:p>
             <a:r>
               <a:rPr lang="en-US" dirty="0"/>
-              <a:t>results of the assessment may lead to changes to the security requirements and the addition of new requirements. </a:t>
-            </a:r>
-            <a:endParaRPr lang="en-US" dirty="0" smtClean="0"/>
-          </a:p>
-          <a:p>
-            <a:r>
-              <a:rPr lang="en-US" dirty="0" smtClean="0"/>
-              <a:t>Known </a:t>
-            </a:r>
+              <a:t>The results of the assessment may lead to changes to the security requirements and the addition of new requirements. </a:t>
+            </a:r>
+          </a:p>
+          <a:p>
             <a:r>
               <a:rPr lang="en-US" dirty="0"/>
-              <a:t>and potential vulnerabilities are identified, and this knowledge is used to inform decision making about the system functionality and how it is to be implemented, tested, and deployed. </a:t>
+              <a:t>Known and potential vulnerabilities are identified, and this knowledge is used to inform decision making about the system functionality and how it is to be implemented, tested, and deployed. </a:t>
             </a:r>
             <a:endParaRPr lang="en-GB" dirty="0"/>
           </a:p>
@@ -9486,7 +9095,7 @@
           <a:lstStyle/>
           <a:p>
             <a:r>
-              <a:rPr lang="en-GB" smtClean="0"/>
+              <a:rPr lang="en-GB"/>
               <a:t>12/11/2014</a:t>
             </a:r>
             <a:endParaRPr lang="en-US"/>
@@ -9509,10 +9118,9 @@
           <a:lstStyle/>
           <a:p>
             <a:r>
-              <a:rPr lang="en-US" smtClean="0"/>
+              <a:rPr lang="en-US"/>
               <a:t>Chapter 13 Security Engineering</a:t>
             </a:r>
-            <a:endParaRPr lang="en-US"/>
           </a:p>
         </p:txBody>
       </p:sp>
@@ -9550,7 +9158,7 @@
   <p:clrMapOvr>
     <a:masterClrMapping/>
   </p:clrMapOvr>
-  <p:transition xmlns:p14="http://schemas.microsoft.com/office/powerpoint/2010/main" spd="med">
+  <p:transition spd="med">
     <p:wipe dir="r"/>
   </p:transition>
 </p:sld>
@@ -9589,69 +9197,52 @@
           <a:lstStyle/>
           <a:p>
             <a:r>
-              <a:rPr lang="en-US" dirty="0" smtClean="0"/>
+              <a:rPr lang="en-US" dirty="0"/>
               <a:t>Operational risk assessment</a:t>
             </a:r>
+          </a:p>
+        </p:txBody>
+      </p:sp>
+      <p:sp>
+        <p:nvSpPr>
+          <p:cNvPr id="3" name="Content Placeholder 2"/>
+          <p:cNvSpPr>
+            <a:spLocks noGrp="1"/>
+          </p:cNvSpPr>
+          <p:nvPr>
+            <p:ph idx="1"/>
+          </p:nvPr>
+        </p:nvSpPr>
+        <p:spPr/>
+        <p:txBody>
+          <a:bodyPr/>
+          <a:lstStyle/>
+          <a:p>
+            <a:r>
+              <a:rPr lang="en-US" dirty="0"/>
+              <a:t>This risk assessment process focuses on the use of the system and the possible risks that can arise from human behavior. </a:t>
+            </a:r>
+          </a:p>
+          <a:p>
+            <a:r>
+              <a:rPr lang="en-US" dirty="0"/>
+              <a:t>Operational risk assessment should continue after a system has been installed to take account of how the system is used. </a:t>
+            </a:r>
+          </a:p>
+          <a:p>
+            <a:r>
+              <a:rPr lang="en-US" dirty="0"/>
+              <a:t>Organizational changes may mean that the system is used in different ways from those originally planned. These changes lead to new security requirements that have to be implemented as the system evolves. </a:t>
+            </a:r>
+            <a:endParaRPr lang="en-GB" dirty="0"/>
+          </a:p>
+          <a:p>
             <a:endParaRPr lang="en-US" dirty="0"/>
           </a:p>
         </p:txBody>
       </p:sp>
       <p:sp>
         <p:nvSpPr>
-          <p:cNvPr id="3" name="Content Placeholder 2"/>
-          <p:cNvSpPr>
-            <a:spLocks noGrp="1"/>
-          </p:cNvSpPr>
-          <p:nvPr>
-            <p:ph idx="1"/>
-          </p:nvPr>
-        </p:nvSpPr>
-        <p:spPr/>
-        <p:txBody>
-          <a:bodyPr/>
-          <a:lstStyle/>
-          <a:p>
-            <a:r>
-              <a:rPr lang="en-US" dirty="0"/>
-              <a:t>This risk assessment process focuses on the use of the system and the possible risks that can </a:t>
-            </a:r>
-            <a:r>
-              <a:rPr lang="en-US" dirty="0" smtClean="0"/>
-              <a:t>arise from human behavior. </a:t>
-            </a:r>
-          </a:p>
-          <a:p>
-            <a:r>
-              <a:rPr lang="en-US" dirty="0" smtClean="0"/>
-              <a:t>Operational </a:t>
-            </a:r>
-            <a:r>
-              <a:rPr lang="en-US" dirty="0"/>
-              <a:t>risk assessment should continue after a system has been installed to take account of how the system is </a:t>
-            </a:r>
-            <a:r>
-              <a:rPr lang="en-US" dirty="0" smtClean="0"/>
-              <a:t>used. </a:t>
-            </a:r>
-          </a:p>
-          <a:p>
-            <a:r>
-              <a:rPr lang="en-US" dirty="0" smtClean="0"/>
-              <a:t>Organizational </a:t>
-            </a:r>
-            <a:r>
-              <a:rPr lang="en-US" dirty="0"/>
-              <a:t>changes may mean that the system is used in different ways from those originally planned. These changes lead to new security requirements that have to be implemented as the system evolves. </a:t>
-            </a:r>
-            <a:endParaRPr lang="en-GB" dirty="0"/>
-          </a:p>
-          <a:p>
-            <a:endParaRPr lang="en-US" dirty="0"/>
-          </a:p>
-        </p:txBody>
-      </p:sp>
-      <p:sp>
-        <p:nvSpPr>
           <p:cNvPr id="4" name="Date Placeholder 3"/>
           <p:cNvSpPr>
             <a:spLocks noGrp="1"/>
@@ -9666,7 +9257,7 @@
           <a:lstStyle/>
           <a:p>
             <a:r>
-              <a:rPr lang="en-GB" smtClean="0"/>
+              <a:rPr lang="en-GB"/>
               <a:t>12/11/2014</a:t>
             </a:r>
             <a:endParaRPr lang="en-US"/>
@@ -9689,10 +9280,9 @@
           <a:lstStyle/>
           <a:p>
             <a:r>
-              <a:rPr lang="en-US" smtClean="0"/>
+              <a:rPr lang="en-US"/>
               <a:t>Chapter 13 Security Engineering</a:t>
             </a:r>
-            <a:endParaRPr lang="en-US"/>
           </a:p>
         </p:txBody>
       </p:sp>
@@ -9730,7 +9320,7 @@
   <p:clrMapOvr>
     <a:masterClrMapping/>
   </p:clrMapOvr>
-  <p:transition xmlns:p14="http://schemas.microsoft.com/office/powerpoint/2010/main" spd="med">
+  <p:transition spd="med">
     <p:wipe dir="r"/>
   </p:transition>
 </p:sld>
@@ -9775,10 +9365,9 @@
           <a:p>
             <a:pPr algn="ctr"/>
             <a:r>
-              <a:rPr lang="en-US" dirty="0" smtClean="0"/>
+              <a:rPr lang="en-US" dirty="0"/>
               <a:t>Security requirements</a:t>
             </a:r>
-            <a:endParaRPr lang="en-US" dirty="0"/>
           </a:p>
         </p:txBody>
       </p:sp>
@@ -9798,7 +9387,7 @@
           <a:lstStyle/>
           <a:p>
             <a:r>
-              <a:rPr lang="en-GB" smtClean="0"/>
+              <a:rPr lang="en-GB"/>
               <a:t>12/11/2014</a:t>
             </a:r>
             <a:endParaRPr lang="en-US"/>
@@ -9821,10 +9410,9 @@
           <a:lstStyle/>
           <a:p>
             <a:r>
-              <a:rPr lang="en-US" smtClean="0"/>
+              <a:rPr lang="en-US"/>
               <a:t>Chapter 13 Security Engineering</a:t>
             </a:r>
-            <a:endParaRPr lang="en-US"/>
           </a:p>
         </p:txBody>
       </p:sp>
@@ -9862,7 +9450,7 @@
   <p:clrMapOvr>
     <a:masterClrMapping/>
   </p:clrMapOvr>
-  <p:transition xmlns:p14="http://schemas.microsoft.com/office/powerpoint/2010/main" spd="med">
+  <p:transition spd="med">
     <p:wipe dir="r"/>
   </p:transition>
 </p:sld>
@@ -9940,11 +9528,7 @@
           <a:p>
             <a:r>
               <a:rPr lang="en-GB" dirty="0"/>
-              <a:t>A sub-field of the broader field of computer security</a:t>
-            </a:r>
-            <a:r>
-              <a:rPr lang="en-GB" dirty="0" smtClean="0"/>
-              <a:t>.</a:t>
+              <a:t>A sub-field of the broader field of computer security.</a:t>
             </a:r>
           </a:p>
         </p:txBody>
@@ -9965,10 +9549,9 @@
           <a:lstStyle/>
           <a:p>
             <a:r>
-              <a:rPr lang="en-US" smtClean="0"/>
+              <a:rPr lang="en-US"/>
               <a:t>Chapter 13 Security Engineering</a:t>
             </a:r>
-            <a:endParaRPr lang="en-US"/>
           </a:p>
         </p:txBody>
       </p:sp>
@@ -10012,7 +9595,7 @@
           <a:lstStyle/>
           <a:p>
             <a:r>
-              <a:rPr lang="en-GB" smtClean="0"/>
+              <a:rPr lang="en-GB"/>
               <a:t>12/11/2014</a:t>
             </a:r>
             <a:endParaRPr lang="en-US"/>
@@ -10024,14 +9607,7 @@
   <p:clrMapOvr>
     <a:masterClrMapping/>
   </p:clrMapOvr>
-  <p:transition xmlns:p14="http://schemas.microsoft.com/office/powerpoint/2010/main"/>
-  <p:timing>
-    <p:tnLst>
-      <p:par>
-        <p:cTn xmlns:p14="http://schemas.microsoft.com/office/powerpoint/2010/main" id="1" dur="indefinite" restart="never" nodeType="tmRoot"/>
-      </p:par>
-    </p:tnLst>
-  </p:timing>
+  <p:transition/>
 </p:sld>
 </file>
 
@@ -10068,10 +9644,9 @@
           <a:lstStyle/>
           <a:p>
             <a:r>
-              <a:rPr lang="en-US" dirty="0" smtClean="0"/>
+              <a:rPr lang="en-US" dirty="0"/>
               <a:t>Security specification</a:t>
             </a:r>
-            <a:endParaRPr lang="en-US" dirty="0"/>
           </a:p>
         </p:txBody>
       </p:sp>
@@ -10091,44 +9666,43 @@
           <a:lstStyle/>
           <a:p>
             <a:r>
-              <a:rPr lang="en-US" sz="2000" dirty="0" smtClean="0"/>
+              <a:rPr lang="en-US" sz="2000" dirty="0"/>
               <a:t>Security specification has something in common with safety requirements specification – in both cases, your concern is to avoid something bad happening.</a:t>
             </a:r>
           </a:p>
           <a:p>
             <a:r>
-              <a:rPr lang="en-US" sz="2000" dirty="0" smtClean="0"/>
+              <a:rPr lang="en-US" sz="2000" dirty="0"/>
               <a:t>Four major differences</a:t>
             </a:r>
           </a:p>
           <a:p>
             <a:pPr lvl="1"/>
             <a:r>
-              <a:rPr lang="en-US" sz="1800" dirty="0" smtClean="0"/>
+              <a:rPr lang="en-US" sz="1800" dirty="0"/>
               <a:t>Safety problems are accidental – the software is not operating in a hostile environment. In security, you must assume that attackers have knowledge of system weaknesses</a:t>
             </a:r>
           </a:p>
           <a:p>
             <a:pPr lvl="1"/>
             <a:r>
-              <a:rPr lang="en-US" sz="1800" dirty="0" smtClean="0"/>
+              <a:rPr lang="en-US" sz="1800" dirty="0"/>
               <a:t>When safety failures occur, you can look for the root cause or weakness that led to the failure. When failure results from a deliberate attack, the attacker may conceal the cause of the failure.</a:t>
             </a:r>
           </a:p>
           <a:p>
             <a:pPr lvl="1"/>
             <a:r>
-              <a:rPr lang="en-US" sz="1800" dirty="0" smtClean="0"/>
+              <a:rPr lang="en-US" sz="1800" dirty="0"/>
               <a:t>Shutting down a system can avoid a safety-related failure. Causing a shut down may be the aim of an attack.</a:t>
             </a:r>
           </a:p>
           <a:p>
             <a:pPr lvl="1"/>
             <a:r>
-              <a:rPr lang="en-US" sz="1800" dirty="0" smtClean="0"/>
+              <a:rPr lang="en-US" sz="1800" dirty="0"/>
               <a:t>Safety-related events are not generated from an intelligent adversary. An attacker can probe defenses over time to discover weaknesses.</a:t>
             </a:r>
-            <a:endParaRPr lang="en-US" sz="1800" dirty="0"/>
           </a:p>
         </p:txBody>
       </p:sp>
@@ -10172,10 +9746,9 @@
           <a:lstStyle/>
           <a:p>
             <a:r>
-              <a:rPr lang="en-US" smtClean="0"/>
+              <a:rPr lang="en-US"/>
               <a:t>Chapter 13 Security Engineering</a:t>
             </a:r>
-            <a:endParaRPr lang="en-US"/>
           </a:p>
         </p:txBody>
       </p:sp>
@@ -10195,7 +9768,7 @@
           <a:lstStyle/>
           <a:p>
             <a:r>
-              <a:rPr lang="en-GB" smtClean="0"/>
+              <a:rPr lang="en-GB"/>
               <a:t>12/11/2014</a:t>
             </a:r>
             <a:endParaRPr lang="en-US"/>
@@ -10212,16 +9785,9 @@
   <p:clrMapOvr>
     <a:masterClrMapping/>
   </p:clrMapOvr>
-  <p:transition xmlns:p14="http://schemas.microsoft.com/office/powerpoint/2010/main" spd="med">
+  <p:transition spd="med">
     <p:wipe dir="r"/>
   </p:transition>
-  <p:timing>
-    <p:tnLst>
-      <p:par>
-        <p:cTn xmlns:p14="http://schemas.microsoft.com/office/powerpoint/2010/main" id="1" dur="indefinite" restart="never" nodeType="tmRoot"/>
-      </p:par>
-    </p:tnLst>
-  </p:timing>
 </p:sld>
 </file>
 
@@ -10430,10 +9996,9 @@
           <a:lstStyle/>
           <a:p>
             <a:r>
-              <a:rPr lang="en-US" smtClean="0"/>
+              <a:rPr lang="en-US"/>
               <a:t>Chapter 13 Security Engineering</a:t>
             </a:r>
-            <a:endParaRPr lang="en-US"/>
           </a:p>
         </p:txBody>
       </p:sp>
@@ -10453,7 +10018,7 @@
           <a:lstStyle/>
           <a:p>
             <a:r>
-              <a:rPr lang="en-GB" smtClean="0"/>
+              <a:rPr lang="en-GB"/>
               <a:t>12/11/2014</a:t>
             </a:r>
             <a:endParaRPr lang="en-US"/>
@@ -10470,16 +10035,9 @@
   <p:clrMapOvr>
     <a:masterClrMapping/>
   </p:clrMapOvr>
-  <p:transition xmlns:p14="http://schemas.microsoft.com/office/powerpoint/2010/main" spd="med">
+  <p:transition spd="med">
     <p:wipe dir="r"/>
   </p:transition>
-  <p:timing>
-    <p:tnLst>
-      <p:par>
-        <p:cTn xmlns:p14="http://schemas.microsoft.com/office/powerpoint/2010/main" id="1" dur="indefinite" restart="never" nodeType="tmRoot"/>
-      </p:par>
-    </p:tnLst>
-  </p:timing>
 </p:sld>
 </file>
 
@@ -10516,10 +10074,9 @@
           <a:lstStyle/>
           <a:p>
             <a:r>
-              <a:rPr lang="en-US" dirty="0" smtClean="0"/>
+              <a:rPr lang="en-US" dirty="0"/>
               <a:t>Security requirement classification</a:t>
             </a:r>
-            <a:endParaRPr lang="en-US" dirty="0"/>
           </a:p>
         </p:txBody>
       </p:sp>
@@ -10539,33 +10096,21 @@
           <a:lstStyle/>
           <a:p>
             <a:r>
-              <a:rPr lang="en-US" dirty="0" smtClean="0"/>
-              <a:t>Risk </a:t>
-            </a:r>
-            <a:r>
               <a:rPr lang="en-US" dirty="0"/>
-              <a:t>avoidance requirements set out the risks that should be avoided by designing the system so that these risks simply cannot arise.</a:t>
+              <a:t>Risk avoidance requirements set out the risks that should be avoided by designing the system so that these risks simply cannot arise.</a:t>
             </a:r>
             <a:endParaRPr lang="en-GB" dirty="0"/>
           </a:p>
           <a:p>
             <a:r>
-              <a:rPr lang="en-GB" dirty="0" smtClean="0"/>
-              <a:t>Risk </a:t>
-            </a:r>
-            <a:r>
               <a:rPr lang="en-GB" dirty="0"/>
-              <a:t>detection requirements define mechanisms that identify the risk if it arises and neutralise the risk before losses occur.</a:t>
-            </a:r>
-          </a:p>
-          <a:p>
-            <a:r>
-              <a:rPr lang="en-GB" dirty="0" smtClean="0"/>
-              <a:t>Risk </a:t>
-            </a:r>
+              <a:t>Risk detection requirements define mechanisms that identify the risk if it arises and neutralise the risk before losses occur.</a:t>
+            </a:r>
+          </a:p>
+          <a:p>
             <a:r>
               <a:rPr lang="en-GB" dirty="0"/>
-              <a:t>mitigation requirements set out how the system should be designed so that it can recover from and restore system assets after some loss has occurred. </a:t>
+              <a:t>Risk mitigation requirements set out how the system should be designed so that it can recover from and restore system assets after some loss has occurred. </a:t>
             </a:r>
             <a:r>
               <a:rPr lang="en-US" dirty="0"/>
@@ -10594,7 +10139,7 @@
           <a:lstStyle/>
           <a:p>
             <a:r>
-              <a:rPr lang="en-GB" smtClean="0"/>
+              <a:rPr lang="en-GB"/>
               <a:t>12/11/2014</a:t>
             </a:r>
             <a:endParaRPr lang="en-US"/>
@@ -10617,10 +10162,9 @@
           <a:lstStyle/>
           <a:p>
             <a:r>
-              <a:rPr lang="en-US" smtClean="0"/>
+              <a:rPr lang="en-US"/>
               <a:t>Chapter 13 Security Engineering</a:t>
             </a:r>
-            <a:endParaRPr lang="en-US"/>
           </a:p>
         </p:txBody>
       </p:sp>
@@ -10658,7 +10202,7 @@
   <p:clrMapOvr>
     <a:masterClrMapping/>
   </p:clrMapOvr>
-  <p:transition xmlns:p14="http://schemas.microsoft.com/office/powerpoint/2010/main" spd="med">
+  <p:transition spd="med">
     <p:wipe dir="r"/>
   </p:transition>
 </p:sld>
@@ -10697,15 +10241,11 @@
           <a:lstStyle/>
           <a:p>
             <a:r>
-              <a:rPr lang="en-US" dirty="0" smtClean="0"/>
-              <a:t>The </a:t>
-            </a:r>
-            <a:r>
               <a:rPr lang="en-US" dirty="0"/>
-              <a:t>preliminary risk assessment process for security requirements</a:t>
-            </a:r>
-            <a:r>
-              <a:rPr lang="en-GB" dirty="0" smtClean="0"/>
+              <a:t>The preliminary risk assessment process for security requirements</a:t>
+            </a:r>
+            <a:r>
+              <a:rPr lang="en-GB" dirty="0"/>
               <a:t> </a:t>
             </a:r>
             <a:endParaRPr lang="en-US" dirty="0"/>
@@ -10776,10 +10316,9 @@
           <a:lstStyle/>
           <a:p>
             <a:r>
-              <a:rPr lang="en-US" smtClean="0"/>
+              <a:rPr lang="en-US"/>
               <a:t>Chapter 13 Security Engineering</a:t>
             </a:r>
-            <a:endParaRPr lang="en-US"/>
           </a:p>
         </p:txBody>
       </p:sp>
@@ -10799,7 +10338,7 @@
           <a:lstStyle/>
           <a:p>
             <a:r>
-              <a:rPr lang="en-GB" smtClean="0"/>
+              <a:rPr lang="en-GB"/>
               <a:t>12/11/2014</a:t>
             </a:r>
             <a:endParaRPr lang="en-US"/>
@@ -10816,16 +10355,9 @@
   <p:clrMapOvr>
     <a:masterClrMapping/>
   </p:clrMapOvr>
-  <p:transition xmlns:p14="http://schemas.microsoft.com/office/powerpoint/2010/main" spd="med">
+  <p:transition spd="med">
     <p:wipe dir="r"/>
   </p:transition>
-  <p:timing>
-    <p:tnLst>
-      <p:par>
-        <p:cTn xmlns:p14="http://schemas.microsoft.com/office/powerpoint/2010/main" id="1" dur="indefinite" restart="never" nodeType="tmRoot"/>
-      </p:par>
-    </p:tnLst>
-  </p:timing>
 </p:sld>
 </file>
 
@@ -10862,10 +10394,9 @@
           <a:lstStyle/>
           <a:p>
             <a:r>
-              <a:rPr lang="en-US" dirty="0" smtClean="0"/>
+              <a:rPr lang="en-US" dirty="0"/>
               <a:t>Security risk assessment</a:t>
             </a:r>
-            <a:endParaRPr lang="en-US" dirty="0"/>
           </a:p>
         </p:txBody>
       </p:sp>
@@ -10885,56 +10416,55 @@
           <a:lstStyle/>
           <a:p>
             <a:r>
-              <a:rPr lang="en-US" dirty="0" smtClean="0"/>
+              <a:rPr lang="en-US" dirty="0"/>
               <a:t>Asset identification</a:t>
             </a:r>
           </a:p>
           <a:p>
             <a:pPr lvl="1"/>
             <a:r>
-              <a:rPr lang="en-US" dirty="0" smtClean="0"/>
+              <a:rPr lang="en-US" dirty="0"/>
               <a:t>Identify the key system assets (or services) that have to be protected.</a:t>
             </a:r>
           </a:p>
           <a:p>
             <a:r>
-              <a:rPr lang="en-US" dirty="0" smtClean="0"/>
+              <a:rPr lang="en-US" dirty="0"/>
               <a:t>Asset value assessment</a:t>
             </a:r>
           </a:p>
           <a:p>
             <a:pPr lvl="1"/>
             <a:r>
-              <a:rPr lang="en-US" dirty="0" smtClean="0"/>
+              <a:rPr lang="en-US" dirty="0"/>
               <a:t>Estimate the value of the identified assets.</a:t>
             </a:r>
           </a:p>
           <a:p>
             <a:r>
-              <a:rPr lang="en-US" dirty="0" smtClean="0"/>
+              <a:rPr lang="en-US" dirty="0"/>
               <a:t>Exposure assessment</a:t>
             </a:r>
           </a:p>
           <a:p>
             <a:pPr lvl="1"/>
             <a:r>
-              <a:rPr lang="en-US" dirty="0" smtClean="0"/>
+              <a:rPr lang="en-US" dirty="0"/>
               <a:t>Assess the potential losses associated with each asset.</a:t>
             </a:r>
           </a:p>
           <a:p>
             <a:r>
-              <a:rPr lang="en-US" dirty="0" smtClean="0"/>
+              <a:rPr lang="en-US" dirty="0"/>
               <a:t>Threat identification</a:t>
             </a:r>
           </a:p>
           <a:p>
             <a:pPr lvl="1"/>
             <a:r>
-              <a:rPr lang="en-US" dirty="0" smtClean="0"/>
+              <a:rPr lang="en-US" dirty="0"/>
               <a:t>Identify the most probable threats to the system assets</a:t>
             </a:r>
-            <a:endParaRPr lang="en-US" dirty="0"/>
           </a:p>
         </p:txBody>
       </p:sp>
@@ -10978,10 +10508,9 @@
           <a:lstStyle/>
           <a:p>
             <a:r>
-              <a:rPr lang="en-US" smtClean="0"/>
+              <a:rPr lang="en-US"/>
               <a:t>Chapter 13 Security Engineering</a:t>
             </a:r>
-            <a:endParaRPr lang="en-US"/>
           </a:p>
         </p:txBody>
       </p:sp>
@@ -11001,7 +10530,7 @@
           <a:lstStyle/>
           <a:p>
             <a:r>
-              <a:rPr lang="en-GB" smtClean="0"/>
+              <a:rPr lang="en-GB"/>
               <a:t>12/11/2014</a:t>
             </a:r>
             <a:endParaRPr lang="en-US"/>
@@ -11018,16 +10547,9 @@
   <p:clrMapOvr>
     <a:masterClrMapping/>
   </p:clrMapOvr>
-  <p:transition xmlns:p14="http://schemas.microsoft.com/office/powerpoint/2010/main" spd="med">
+  <p:transition spd="med">
     <p:wipe dir="r"/>
   </p:transition>
-  <p:timing>
-    <p:tnLst>
-      <p:par>
-        <p:cTn xmlns:p14="http://schemas.microsoft.com/office/powerpoint/2010/main" id="1" dur="indefinite" restart="never" nodeType="tmRoot"/>
-      </p:par>
-    </p:tnLst>
-  </p:timing>
 </p:sld>
 </file>
 
@@ -11064,10 +10586,9 @@
           <a:lstStyle/>
           <a:p>
             <a:r>
-              <a:rPr lang="en-US" dirty="0" smtClean="0"/>
+              <a:rPr lang="en-US" dirty="0"/>
               <a:t>Security risk assessment</a:t>
             </a:r>
-            <a:endParaRPr lang="en-US" dirty="0"/>
           </a:p>
         </p:txBody>
       </p:sp>
@@ -11087,53 +10608,53 @@
           <a:lstStyle/>
           <a:p>
             <a:r>
-              <a:rPr lang="en-US" dirty="0" smtClean="0"/>
+              <a:rPr lang="en-US" dirty="0"/>
               <a:t>Attack assessment</a:t>
             </a:r>
           </a:p>
           <a:p>
             <a:pPr lvl="1"/>
             <a:r>
-              <a:rPr lang="en-US" dirty="0" smtClean="0"/>
+              <a:rPr lang="en-US" dirty="0"/>
               <a:t>Decompose threats into possible attacks on the system and the ways that these may occur.</a:t>
             </a:r>
           </a:p>
           <a:p>
             <a:r>
-              <a:rPr lang="en-US" dirty="0" smtClean="0"/>
+              <a:rPr lang="en-US" dirty="0"/>
               <a:t>Control identification</a:t>
             </a:r>
           </a:p>
           <a:p>
             <a:pPr lvl="1"/>
             <a:r>
-              <a:rPr lang="en-US" dirty="0" smtClean="0"/>
+              <a:rPr lang="en-US" dirty="0"/>
               <a:t>Propose the controls that may be put in place to protect an asset.</a:t>
             </a:r>
           </a:p>
           <a:p>
             <a:r>
-              <a:rPr lang="en-US" dirty="0" smtClean="0"/>
+              <a:rPr lang="en-US" dirty="0"/>
               <a:t>Feasibility assessment</a:t>
             </a:r>
           </a:p>
           <a:p>
             <a:pPr lvl="1"/>
             <a:r>
-              <a:rPr lang="en-US" dirty="0" smtClean="0"/>
+              <a:rPr lang="en-US" dirty="0"/>
               <a:t>Assess the technical feasibility and cost of the controls.</a:t>
             </a:r>
           </a:p>
           <a:p>
             <a:r>
-              <a:rPr lang="en-US" dirty="0" smtClean="0"/>
+              <a:rPr lang="en-US" dirty="0"/>
               <a:t>Security requirements definition</a:t>
             </a:r>
           </a:p>
           <a:p>
             <a:pPr lvl="1"/>
             <a:r>
-              <a:rPr lang="en-US" dirty="0" smtClean="0"/>
+              <a:rPr lang="en-US" dirty="0"/>
               <a:t>Define system security requirements. These can be infrastructure or application system requirements.</a:t>
             </a:r>
           </a:p>
@@ -11179,10 +10700,9 @@
           <a:lstStyle/>
           <a:p>
             <a:r>
-              <a:rPr lang="en-US" smtClean="0"/>
+              <a:rPr lang="en-US"/>
               <a:t>Chapter 13 Security Engineering</a:t>
             </a:r>
-            <a:endParaRPr lang="en-US"/>
           </a:p>
         </p:txBody>
       </p:sp>
@@ -11202,7 +10722,7 @@
           <a:lstStyle/>
           <a:p>
             <a:r>
-              <a:rPr lang="en-GB" smtClean="0"/>
+              <a:rPr lang="en-GB"/>
               <a:t>12/11/2014</a:t>
             </a:r>
             <a:endParaRPr lang="en-US"/>
@@ -11219,16 +10739,9 @@
   <p:clrMapOvr>
     <a:masterClrMapping/>
   </p:clrMapOvr>
-  <p:transition xmlns:p14="http://schemas.microsoft.com/office/powerpoint/2010/main" spd="med">
+  <p:transition spd="med">
     <p:wipe dir="r"/>
   </p:transition>
-  <p:timing>
-    <p:tnLst>
-      <p:par>
-        <p:cTn xmlns:p14="http://schemas.microsoft.com/office/powerpoint/2010/main" id="1" dur="indefinite" restart="never" nodeType="tmRoot"/>
-      </p:par>
-    </p:tnLst>
-  </p:timing>
 </p:sld>
 </file>
 
@@ -11265,18 +10778,9 @@
           <a:lstStyle/>
           <a:p>
             <a:r>
-              <a:rPr lang="en-US" dirty="0" smtClean="0"/>
-              <a:t>Asset </a:t>
-            </a:r>
-            <a:r>
               <a:rPr lang="en-US" dirty="0"/>
-              <a:t>analysis in a preliminary risk assessment report for the </a:t>
-            </a:r>
-            <a:r>
-              <a:rPr lang="en-US" dirty="0" smtClean="0"/>
-              <a:t>Mentcare system</a:t>
-            </a:r>
-            <a:endParaRPr lang="en-US" dirty="0"/>
+              <a:t>Asset analysis in a preliminary risk assessment report for the Mentcare system</a:t>
+            </a:r>
           </a:p>
         </p:txBody>
       </p:sp>
@@ -11301,9 +10805,27 @@
                 <a:tableStyleId>{5C22544A-7EE6-4342-B048-85BDC9FD1C3A}</a:tableStyleId>
               </a:tblPr>
               <a:tblGrid>
-                <a:gridCol w="2743200"/>
-                <a:gridCol w="2743200"/>
-                <a:gridCol w="2743200"/>
+                <a:gridCol w="2743200">
+                  <a:extLst>
+                    <a:ext uri="{9D8B030D-6E8A-4147-A177-3AD203B41FA5}">
+                      <a16:colId xmlns:a16="http://schemas.microsoft.com/office/drawing/2014/main" val="20000"/>
+                    </a:ext>
+                  </a:extLst>
+                </a:gridCol>
+                <a:gridCol w="2743200">
+                  <a:extLst>
+                    <a:ext uri="{9D8B030D-6E8A-4147-A177-3AD203B41FA5}">
+                      <a16:colId xmlns:a16="http://schemas.microsoft.com/office/drawing/2014/main" val="20001"/>
+                    </a:ext>
+                  </a:extLst>
+                </a:gridCol>
+                <a:gridCol w="2743200">
+                  <a:extLst>
+                    <a:ext uri="{9D8B030D-6E8A-4147-A177-3AD203B41FA5}">
+                      <a16:colId xmlns:a16="http://schemas.microsoft.com/office/drawing/2014/main" val="20002"/>
+                    </a:ext>
+                  </a:extLst>
+                </a:gridCol>
               </a:tblGrid>
               <a:tr h="370840">
                 <a:tc>
@@ -11322,7 +10844,7 @@
                         </a:tabLst>
                       </a:pPr>
                       <a:r>
-                        <a:rPr lang="en-GB" sz="1400" b="1" dirty="0" smtClean="0">
+                        <a:rPr lang="en-GB" sz="1400" b="1" dirty="0">
                           <a:solidFill>
                             <a:srgbClr val="000000"/>
                           </a:solidFill>
@@ -11332,14 +10854,6 @@
                         </a:rPr>
                         <a:t>Asset</a:t>
                       </a:r>
-                      <a:endParaRPr lang="en-GB" sz="1400" b="1" dirty="0">
-                        <a:solidFill>
-                          <a:srgbClr val="000000"/>
-                        </a:solidFill>
-                        <a:latin typeface="Arial"/>
-                        <a:ea typeface="Times New Roman"/>
-                        <a:cs typeface="Arial"/>
-                      </a:endParaRPr>
                     </a:p>
                   </a:txBody>
                   <a:tcPr marL="68580" marR="68580" marT="72000" marB="108000"/>
@@ -11390,7 +10904,7 @@
                         </a:tabLst>
                       </a:pPr>
                       <a:r>
-                        <a:rPr lang="en-GB" sz="1400" b="1" dirty="0" smtClean="0">
+                        <a:rPr lang="en-GB" sz="1400" b="1" dirty="0">
                           <a:solidFill>
                             <a:srgbClr val="000000"/>
                           </a:solidFill>
@@ -11400,18 +10914,15 @@
                         </a:rPr>
                         <a:t>Exposure</a:t>
                       </a:r>
-                      <a:endParaRPr lang="en-GB" sz="1400" b="1" dirty="0">
-                        <a:solidFill>
-                          <a:srgbClr val="000000"/>
-                        </a:solidFill>
-                        <a:latin typeface="Arial"/>
-                        <a:ea typeface="Times New Roman"/>
-                        <a:cs typeface="Arial"/>
-                      </a:endParaRPr>
                     </a:p>
                   </a:txBody>
                   <a:tcPr marL="68580" marR="68580" marT="72000" marB="108000"/>
                 </a:tc>
+                <a:extLst>
+                  <a:ext uri="{0D108BD9-81ED-4DB2-BD59-A6C34878D82A}">
+                    <a16:rowId xmlns:a16="http://schemas.microsoft.com/office/drawing/2014/main" val="10000"/>
+                  </a:ext>
+                </a:extLst>
               </a:tr>
               <a:tr h="370840">
                 <a:tc>
@@ -11430,17 +10941,6 @@
                         </a:tabLst>
                       </a:pPr>
                       <a:r>
-                        <a:rPr lang="en-GB" sz="1400" dirty="0" smtClean="0">
-                          <a:solidFill>
-                            <a:srgbClr val="000000"/>
-                          </a:solidFill>
-                          <a:latin typeface="Arial"/>
-                          <a:ea typeface="Times New Roman"/>
-                          <a:cs typeface="Arial"/>
-                        </a:rPr>
-                        <a:t>The </a:t>
-                      </a:r>
-                      <a:r>
                         <a:rPr lang="en-GB" sz="1400" dirty="0">
                           <a:solidFill>
                             <a:srgbClr val="000000"/>
@@ -11449,7 +10949,7 @@
                           <a:ea typeface="Times New Roman"/>
                           <a:cs typeface="Arial"/>
                         </a:rPr>
-                        <a:t>information system</a:t>
+                        <a:t>The information system</a:t>
                       </a:r>
                     </a:p>
                   </a:txBody>
@@ -11515,6 +11015,11 @@
                   </a:txBody>
                   <a:tcPr marL="68580" marR="68580" marT="72000" marB="108000"/>
                 </a:tc>
+                <a:extLst>
+                  <a:ext uri="{0D108BD9-81ED-4DB2-BD59-A6C34878D82A}">
+                    <a16:rowId xmlns:a16="http://schemas.microsoft.com/office/drawing/2014/main" val="10001"/>
+                  </a:ext>
+                </a:extLst>
               </a:tr>
               <a:tr h="370840">
                 <a:tc>
@@ -11607,6 +11112,11 @@
                   </a:txBody>
                   <a:tcPr marL="68580" marR="68580" marT="72000" marB="108000"/>
                 </a:tc>
+                <a:extLst>
+                  <a:ext uri="{0D108BD9-81ED-4DB2-BD59-A6C34878D82A}">
+                    <a16:rowId xmlns:a16="http://schemas.microsoft.com/office/drawing/2014/main" val="10002"/>
+                  </a:ext>
+                </a:extLst>
               </a:tr>
               <a:tr h="370840">
                 <a:tc>
@@ -11693,31 +11203,17 @@
                           <a:ea typeface="Times New Roman"/>
                           <a:cs typeface="Arial"/>
                         </a:rPr>
-                        <a:t>Low direct losses but possible loss of reputation</a:t>
+                        <a:t>Low direct losses but possible loss of reputation.</a:t>
                       </a:r>
-                      <a:r>
-                        <a:rPr lang="en-GB" sz="1400" dirty="0" smtClean="0">
-                          <a:solidFill>
-                            <a:srgbClr val="000000"/>
-                          </a:solidFill>
-                          <a:latin typeface="Arial"/>
-                          <a:ea typeface="Times New Roman"/>
-                          <a:cs typeface="Arial"/>
-                        </a:rPr>
-                        <a:t>.</a:t>
-                      </a:r>
-                      <a:endParaRPr lang="en-GB" sz="1400" dirty="0">
-                        <a:solidFill>
-                          <a:srgbClr val="000000"/>
-                        </a:solidFill>
-                        <a:latin typeface="Arial"/>
-                        <a:ea typeface="Times New Roman"/>
-                        <a:cs typeface="Arial"/>
-                      </a:endParaRPr>
                     </a:p>
                   </a:txBody>
                   <a:tcPr marL="68580" marR="68580" marT="72000" marB="108000"/>
                 </a:tc>
+                <a:extLst>
+                  <a:ext uri="{0D108BD9-81ED-4DB2-BD59-A6C34878D82A}">
+                    <a16:rowId xmlns:a16="http://schemas.microsoft.com/office/drawing/2014/main" val="10003"/>
+                  </a:ext>
+                </a:extLst>
               </a:tr>
             </a:tbl>
           </a:graphicData>
@@ -11763,10 +11259,9 @@
           <a:lstStyle/>
           <a:p>
             <a:r>
-              <a:rPr lang="en-US" smtClean="0"/>
+              <a:rPr lang="en-US"/>
               <a:t>Chapter 13 Security Engineering</a:t>
             </a:r>
-            <a:endParaRPr lang="en-US"/>
           </a:p>
         </p:txBody>
       </p:sp>
@@ -11786,7 +11281,7 @@
           <a:lstStyle/>
           <a:p>
             <a:r>
-              <a:rPr lang="en-GB" smtClean="0"/>
+              <a:rPr lang="en-GB"/>
               <a:t>12/11/2014</a:t>
             </a:r>
             <a:endParaRPr lang="en-US"/>
@@ -11803,16 +11298,9 @@
   <p:clrMapOvr>
     <a:masterClrMapping/>
   </p:clrMapOvr>
-  <p:transition xmlns:p14="http://schemas.microsoft.com/office/powerpoint/2010/main" spd="med">
+  <p:transition spd="med">
     <p:wipe dir="r"/>
   </p:transition>
-  <p:timing>
-    <p:tnLst>
-      <p:par>
-        <p:cTn xmlns:p14="http://schemas.microsoft.com/office/powerpoint/2010/main" id="1" dur="indefinite" restart="never" nodeType="tmRoot"/>
-      </p:par>
-    </p:tnLst>
-  </p:timing>
 </p:sld>
 </file>
 
@@ -11849,19 +11337,11 @@
           <a:lstStyle/>
           <a:p>
             <a:r>
-              <a:rPr lang="en-US" dirty="0" smtClean="0"/>
-              <a:t>Threat </a:t>
-            </a:r>
-            <a:r>
               <a:rPr lang="en-US" dirty="0"/>
-              <a:t>and control analysis in a preliminary risk assessment </a:t>
-            </a:r>
-            <a:r>
-              <a:rPr lang="en-US" dirty="0" smtClean="0"/>
-              <a:t>report</a:t>
-            </a:r>
-            <a:r>
-              <a:rPr lang="en-GB" dirty="0" smtClean="0"/>
+              <a:t>Threat and control analysis in a preliminary risk assessment report</a:t>
+            </a:r>
+            <a:r>
+              <a:rPr lang="en-GB" dirty="0"/>
               <a:t> </a:t>
             </a:r>
             <a:endParaRPr lang="en-US" dirty="0"/>
@@ -11894,10 +11374,34 @@
                 <a:tableStyleId>{5C22544A-7EE6-4342-B048-85BDC9FD1C3A}</a:tableStyleId>
               </a:tblPr>
               <a:tblGrid>
-                <a:gridCol w="1985073"/>
-                <a:gridCol w="1115793"/>
-                <a:gridCol w="2142851"/>
-                <a:gridCol w="2696575"/>
+                <a:gridCol w="1985073">
+                  <a:extLst>
+                    <a:ext uri="{9D8B030D-6E8A-4147-A177-3AD203B41FA5}">
+                      <a16:colId xmlns:a16="http://schemas.microsoft.com/office/drawing/2014/main" val="20000"/>
+                    </a:ext>
+                  </a:extLst>
+                </a:gridCol>
+                <a:gridCol w="1115793">
+                  <a:extLst>
+                    <a:ext uri="{9D8B030D-6E8A-4147-A177-3AD203B41FA5}">
+                      <a16:colId xmlns:a16="http://schemas.microsoft.com/office/drawing/2014/main" val="20001"/>
+                    </a:ext>
+                  </a:extLst>
+                </a:gridCol>
+                <a:gridCol w="2142851">
+                  <a:extLst>
+                    <a:ext uri="{9D8B030D-6E8A-4147-A177-3AD203B41FA5}">
+                      <a16:colId xmlns:a16="http://schemas.microsoft.com/office/drawing/2014/main" val="20002"/>
+                    </a:ext>
+                  </a:extLst>
+                </a:gridCol>
+                <a:gridCol w="2696575">
+                  <a:extLst>
+                    <a:ext uri="{9D8B030D-6E8A-4147-A177-3AD203B41FA5}">
+                      <a16:colId xmlns:a16="http://schemas.microsoft.com/office/drawing/2014/main" val="20003"/>
+                    </a:ext>
+                  </a:extLst>
+                </a:gridCol>
               </a:tblGrid>
               <a:tr h="370840">
                 <a:tc>
@@ -11919,7 +11423,7 @@
                         </a:tabLst>
                       </a:pPr>
                       <a:r>
-                        <a:rPr lang="en-GB" sz="1400" b="1" dirty="0" smtClean="0">
+                        <a:rPr lang="en-GB" sz="1400" b="1" dirty="0">
                           <a:solidFill>
                             <a:srgbClr val="000000"/>
                           </a:solidFill>
@@ -11929,14 +11433,6 @@
                         </a:rPr>
                         <a:t>Threat</a:t>
                       </a:r>
-                      <a:endParaRPr lang="en-GB" sz="1400" b="1" dirty="0">
-                        <a:solidFill>
-                          <a:srgbClr val="000000"/>
-                        </a:solidFill>
-                        <a:latin typeface="Arial"/>
-                        <a:ea typeface="Times New Roman"/>
-                        <a:cs typeface="Arial"/>
-                      </a:endParaRPr>
                     </a:p>
                   </a:txBody>
                   <a:tcPr marL="68580" marR="68580" marT="72000" marB="108000"/>
@@ -12026,7 +11522,7 @@
                         </a:tabLst>
                       </a:pPr>
                       <a:r>
-                        <a:rPr lang="en-GB" sz="1400" b="1" dirty="0" smtClean="0">
+                        <a:rPr lang="en-GB" sz="1400" b="1" dirty="0">
                           <a:solidFill>
                             <a:srgbClr val="000000"/>
                           </a:solidFill>
@@ -12036,18 +11532,15 @@
                         </a:rPr>
                         <a:t>Feasibility</a:t>
                       </a:r>
-                      <a:endParaRPr lang="en-GB" sz="1400" b="1" dirty="0">
-                        <a:solidFill>
-                          <a:srgbClr val="000000"/>
-                        </a:solidFill>
-                        <a:latin typeface="Arial"/>
-                        <a:ea typeface="Times New Roman"/>
-                        <a:cs typeface="Arial"/>
-                      </a:endParaRPr>
                     </a:p>
                   </a:txBody>
                   <a:tcPr marL="68580" marR="68580" marT="72000" marB="108000"/>
                 </a:tc>
+                <a:extLst>
+                  <a:ext uri="{0D108BD9-81ED-4DB2-BD59-A6C34878D82A}">
+                    <a16:rowId xmlns:a16="http://schemas.microsoft.com/office/drawing/2014/main" val="10000"/>
+                  </a:ext>
+                </a:extLst>
               </a:tr>
               <a:tr h="370840">
                 <a:tc>
@@ -12066,17 +11559,6 @@
                         </a:tabLst>
                       </a:pPr>
                       <a:r>
-                        <a:rPr lang="en-GB" sz="1400" dirty="0" smtClean="0">
-                          <a:solidFill>
-                            <a:srgbClr val="000000"/>
-                          </a:solidFill>
-                          <a:latin typeface="Arial"/>
-                          <a:ea typeface="Times New Roman"/>
-                          <a:cs typeface="Arial"/>
-                        </a:rPr>
-                        <a:t>An unauthorized </a:t>
-                      </a:r>
-                      <a:r>
                         <a:rPr lang="en-GB" sz="1400" dirty="0">
                           <a:solidFill>
                             <a:srgbClr val="000000"/>
@@ -12085,7 +11567,7 @@
                           <a:ea typeface="Times New Roman"/>
                           <a:cs typeface="Arial"/>
                         </a:rPr>
-                        <a:t>user gains access as system manager and makes system unavailable</a:t>
+                        <a:t>An unauthorized user gains access as system manager and makes system unavailable</a:t>
                       </a:r>
                     </a:p>
                   </a:txBody>
@@ -12181,6 +11663,11 @@
                   </a:txBody>
                   <a:tcPr marL="68580" marR="68580" marT="72000" marB="108000"/>
                 </a:tc>
+                <a:extLst>
+                  <a:ext uri="{0D108BD9-81ED-4DB2-BD59-A6C34878D82A}">
+                    <a16:rowId xmlns:a16="http://schemas.microsoft.com/office/drawing/2014/main" val="10001"/>
+                  </a:ext>
+                </a:extLst>
               </a:tr>
               <a:tr h="370840">
                 <a:tc>
@@ -12202,17 +11689,6 @@
                         </a:tabLst>
                       </a:pPr>
                       <a:r>
-                        <a:rPr lang="en-GB" sz="1400" dirty="0" smtClean="0">
-                          <a:solidFill>
-                            <a:srgbClr val="000000"/>
-                          </a:solidFill>
-                          <a:latin typeface="Arial"/>
-                          <a:ea typeface="Times New Roman"/>
-                          <a:cs typeface="Arial"/>
-                        </a:rPr>
-                        <a:t>An unauthorized </a:t>
-                      </a:r>
-                      <a:r>
                         <a:rPr lang="en-GB" sz="1400" dirty="0">
                           <a:solidFill>
                             <a:srgbClr val="000000"/>
@@ -12221,7 +11697,7 @@
                           <a:ea typeface="Times New Roman"/>
                           <a:cs typeface="Arial"/>
                         </a:rPr>
-                        <a:t>user gains access as system user and accesses confidential information</a:t>
+                        <a:t>An unauthorized user gains access as system user and accesses confidential information</a:t>
                       </a:r>
                     </a:p>
                   </a:txBody>
@@ -12369,31 +11845,17 @@
                           <a:ea typeface="Times New Roman"/>
                           <a:cs typeface="Arial"/>
                         </a:rPr>
-                        <a:t>Simple and transparent to implement and also supports recovery</a:t>
+                        <a:t>Simple and transparent to implement and also supports recovery.</a:t>
                       </a:r>
-                      <a:r>
-                        <a:rPr lang="en-GB" sz="1400" dirty="0" smtClean="0">
-                          <a:solidFill>
-                            <a:srgbClr val="000000"/>
-                          </a:solidFill>
-                          <a:latin typeface="Arial"/>
-                          <a:ea typeface="Times New Roman"/>
-                          <a:cs typeface="Arial"/>
-                        </a:rPr>
-                        <a:t>.</a:t>
-                      </a:r>
-                      <a:endParaRPr lang="en-GB" sz="1400" dirty="0">
-                        <a:solidFill>
-                          <a:srgbClr val="000000"/>
-                        </a:solidFill>
-                        <a:latin typeface="Arial"/>
-                        <a:ea typeface="Times New Roman"/>
-                        <a:cs typeface="Arial"/>
-                      </a:endParaRPr>
                     </a:p>
                   </a:txBody>
                   <a:tcPr marL="68580" marR="68580" marT="72000" marB="108000"/>
                 </a:tc>
+                <a:extLst>
+                  <a:ext uri="{0D108BD9-81ED-4DB2-BD59-A6C34878D82A}">
+                    <a16:rowId xmlns:a16="http://schemas.microsoft.com/office/drawing/2014/main" val="10002"/>
+                  </a:ext>
+                </a:extLst>
               </a:tr>
             </a:tbl>
           </a:graphicData>
@@ -12439,10 +11901,9 @@
           <a:lstStyle/>
           <a:p>
             <a:r>
-              <a:rPr lang="en-US" smtClean="0"/>
+              <a:rPr lang="en-US"/>
               <a:t>Chapter 13 Security Engineering</a:t>
             </a:r>
-            <a:endParaRPr lang="en-US"/>
           </a:p>
         </p:txBody>
       </p:sp>
@@ -12462,7 +11923,7 @@
           <a:lstStyle/>
           <a:p>
             <a:r>
-              <a:rPr lang="en-GB" smtClean="0"/>
+              <a:rPr lang="en-GB"/>
               <a:t>12/11/2014</a:t>
             </a:r>
             <a:endParaRPr lang="en-US"/>
@@ -12479,16 +11940,9 @@
   <p:clrMapOvr>
     <a:masterClrMapping/>
   </p:clrMapOvr>
-  <p:transition xmlns:p14="http://schemas.microsoft.com/office/powerpoint/2010/main" spd="med">
+  <p:transition spd="med">
     <p:wipe dir="r"/>
   </p:transition>
-  <p:timing>
-    <p:tnLst>
-      <p:par>
-        <p:cTn xmlns:p14="http://schemas.microsoft.com/office/powerpoint/2010/main" id="1" dur="indefinite" restart="never" nodeType="tmRoot"/>
-      </p:par>
-    </p:tnLst>
-  </p:timing>
 </p:sld>
 </file>
 
@@ -12525,14 +11979,9 @@
           <a:lstStyle/>
           <a:p>
             <a:r>
-              <a:rPr lang="en-US" dirty="0" smtClean="0"/>
-              <a:t>Security requirements for the </a:t>
-            </a:r>
-            <a:r>
-              <a:rPr lang="en-US" dirty="0" smtClean="0"/>
-              <a:t>Mentcare system</a:t>
-            </a:r>
-            <a:endParaRPr lang="en-US" dirty="0"/>
+              <a:rPr lang="en-US" dirty="0"/>
+              <a:t>Security requirements for the Mentcare system</a:t>
+            </a:r>
           </a:p>
         </p:txBody>
       </p:sp>
@@ -12552,25 +12001,25 @@
           <a:lstStyle/>
           <a:p>
             <a:r>
-              <a:rPr lang="en-US" dirty="0" smtClean="0"/>
+              <a:rPr lang="en-US" dirty="0"/>
               <a:t>Patient information shall be downloaded at the start of a clinic session to a secure area on the system client that is used by clinical staff.</a:t>
             </a:r>
           </a:p>
           <a:p>
             <a:r>
-              <a:rPr lang="en-US" dirty="0" smtClean="0"/>
+              <a:rPr lang="en-US" dirty="0"/>
               <a:t>All patient information on the system client shall be encrypted.</a:t>
             </a:r>
           </a:p>
           <a:p>
             <a:r>
-              <a:rPr lang="en-US" dirty="0" smtClean="0"/>
+              <a:rPr lang="en-US" dirty="0"/>
               <a:t>Patient information shall be uploaded to the database after a clinic session has finished and deleted from the client computer.</a:t>
             </a:r>
           </a:p>
           <a:p>
             <a:r>
-              <a:rPr lang="en-US" dirty="0" smtClean="0"/>
+              <a:rPr lang="en-US" dirty="0"/>
               <a:t>A log on a separate computer from the database server must be maintained of all changes made to the system database.</a:t>
             </a:r>
           </a:p>
@@ -12619,10 +12068,9 @@
           <a:lstStyle/>
           <a:p>
             <a:r>
-              <a:rPr lang="en-US" smtClean="0"/>
+              <a:rPr lang="en-US"/>
               <a:t>Chapter 13 Security Engineering</a:t>
             </a:r>
-            <a:endParaRPr lang="en-US"/>
           </a:p>
         </p:txBody>
       </p:sp>
@@ -12642,7 +12090,7 @@
           <a:lstStyle/>
           <a:p>
             <a:r>
-              <a:rPr lang="en-GB" smtClean="0"/>
+              <a:rPr lang="en-GB"/>
               <a:t>12/11/2014</a:t>
             </a:r>
             <a:endParaRPr lang="en-US"/>
@@ -12659,16 +12107,9 @@
   <p:clrMapOvr>
     <a:masterClrMapping/>
   </p:clrMapOvr>
-  <p:transition xmlns:p14="http://schemas.microsoft.com/office/powerpoint/2010/main" spd="med">
+  <p:transition spd="med">
     <p:wipe dir="r"/>
   </p:transition>
-  <p:timing>
-    <p:tnLst>
-      <p:par>
-        <p:cTn xmlns:p14="http://schemas.microsoft.com/office/powerpoint/2010/main" id="1" dur="indefinite" restart="never" nodeType="tmRoot"/>
-      </p:par>
-    </p:tnLst>
-  </p:timing>
 </p:sld>
 </file>
 
@@ -12705,10 +12146,9 @@
           <a:lstStyle/>
           <a:p>
             <a:r>
-              <a:rPr lang="en-US" dirty="0" smtClean="0"/>
+              <a:rPr lang="en-US" dirty="0"/>
               <a:t>Misuse cases</a:t>
             </a:r>
-            <a:endParaRPr lang="en-US" dirty="0"/>
           </a:p>
         </p:txBody>
       </p:sp>
@@ -12728,62 +12168,61 @@
           <a:lstStyle/>
           <a:p>
             <a:r>
-              <a:rPr lang="en-US" dirty="0" smtClean="0"/>
+              <a:rPr lang="en-US" dirty="0"/>
               <a:t>Misuse cases are instances of threats to a system</a:t>
             </a:r>
           </a:p>
           <a:p>
             <a:r>
-              <a:rPr lang="en-US" dirty="0" smtClean="0"/>
+              <a:rPr lang="en-US" dirty="0"/>
               <a:t>Interception threats</a:t>
             </a:r>
           </a:p>
           <a:p>
             <a:pPr lvl="1"/>
             <a:r>
-              <a:rPr lang="en-US" dirty="0" smtClean="0"/>
+              <a:rPr lang="en-US" dirty="0"/>
               <a:t>Attacker gains access to an asset</a:t>
             </a:r>
           </a:p>
           <a:p>
             <a:r>
-              <a:rPr lang="en-US" dirty="0" smtClean="0"/>
+              <a:rPr lang="en-US" dirty="0"/>
               <a:t>Interruption threats</a:t>
             </a:r>
           </a:p>
           <a:p>
             <a:pPr lvl="1"/>
             <a:r>
-              <a:rPr lang="en-US" dirty="0" smtClean="0"/>
+              <a:rPr lang="en-US" dirty="0"/>
               <a:t>Attacker makes part of a system unavailable</a:t>
             </a:r>
           </a:p>
           <a:p>
             <a:r>
-              <a:rPr lang="en-US" dirty="0" smtClean="0"/>
+              <a:rPr lang="en-US" dirty="0"/>
               <a:t>Modification threats</a:t>
             </a:r>
           </a:p>
           <a:p>
             <a:pPr lvl="1"/>
             <a:r>
-              <a:rPr lang="en-US" dirty="0" smtClean="0"/>
+              <a:rPr lang="en-US" dirty="0"/>
               <a:t>A system asset if tampered with</a:t>
             </a:r>
           </a:p>
           <a:p>
             <a:r>
-              <a:rPr lang="en-US" dirty="0" smtClean="0"/>
+              <a:rPr lang="en-US" dirty="0"/>
               <a:t>Fabrication threats</a:t>
             </a:r>
           </a:p>
           <a:p>
             <a:pPr lvl="1"/>
             <a:r>
-              <a:rPr lang="en-US" dirty="0" smtClean="0"/>
+              <a:rPr lang="en-US" dirty="0"/>
               <a:t>False information is added to a system</a:t>
             </a:r>
-            <a:endParaRPr lang="en-US" dirty="0"/>
           </a:p>
         </p:txBody>
       </p:sp>
@@ -12803,10 +12242,9 @@
           <a:lstStyle/>
           <a:p>
             <a:r>
-              <a:rPr lang="en-US" smtClean="0"/>
+              <a:rPr lang="en-US"/>
               <a:t>Chapter 13 Security Engineering</a:t>
             </a:r>
-            <a:endParaRPr lang="en-US"/>
           </a:p>
         </p:txBody>
       </p:sp>
@@ -12850,7 +12288,7 @@
           <a:lstStyle/>
           <a:p>
             <a:r>
-              <a:rPr lang="en-GB" smtClean="0"/>
+              <a:rPr lang="en-GB"/>
               <a:t>12/11/2014</a:t>
             </a:r>
             <a:endParaRPr lang="en-US"/>
@@ -12862,7 +12300,7 @@
   <p:clrMapOvr>
     <a:masterClrMapping/>
   </p:clrMapOvr>
-  <p:transition xmlns:p14="http://schemas.microsoft.com/office/powerpoint/2010/main" spd="med">
+  <p:transition spd="med">
     <p:wipe dir="r"/>
   </p:transition>
 </p:sld>
@@ -12901,10 +12339,9 @@
           <a:lstStyle/>
           <a:p>
             <a:r>
-              <a:rPr lang="en-US" dirty="0" smtClean="0"/>
+              <a:rPr lang="en-US" dirty="0"/>
               <a:t>Security dimensions</a:t>
             </a:r>
-            <a:endParaRPr lang="en-US" dirty="0"/>
           </a:p>
         </p:txBody>
       </p:sp>
@@ -12931,67 +12368,43 @@
               <a:rPr lang="en-GB" dirty="0"/>
               <a:t> </a:t>
             </a:r>
-            <a:endParaRPr lang="en-GB" dirty="0" smtClean="0"/>
           </a:p>
           <a:p>
             <a:pPr lvl="1"/>
             <a:r>
-              <a:rPr lang="en-GB" dirty="0" smtClean="0"/>
-              <a:t>Information </a:t>
-            </a:r>
-            <a:r>
               <a:rPr lang="en-GB" dirty="0"/>
-              <a:t>in a system may be disclosed or made accessible to people or programs that are not authorized to have access to that information. </a:t>
-            </a:r>
-            <a:r>
-              <a:rPr lang="en-GB" dirty="0" smtClean="0"/>
+              <a:t>Information in a system may be disclosed or made accessible to people or programs that are not authorized to have access to that information.  </a:t>
+            </a:r>
+          </a:p>
+          <a:p>
+            <a:r>
+              <a:rPr lang="en-GB" i="1" dirty="0"/>
+              <a:t>Integrity </a:t>
+            </a:r>
+          </a:p>
+          <a:p>
+            <a:pPr lvl="1"/>
+            <a:r>
+              <a:rPr lang="en-GB" dirty="0"/>
+              <a:t>Information in a system may be damaged or corrupted making it unusual or unreliable. </a:t>
+            </a:r>
+          </a:p>
+          <a:p>
+            <a:r>
+              <a:rPr lang="en-GB" i="1" dirty="0"/>
+              <a:t>Availability</a:t>
+            </a:r>
+            <a:r>
+              <a:rPr lang="en-GB" dirty="0"/>
               <a:t> </a:t>
             </a:r>
-            <a:endParaRPr lang="en-GB" dirty="0"/>
-          </a:p>
-          <a:p>
-            <a:r>
-              <a:rPr lang="en-GB" i="1" dirty="0" smtClean="0"/>
-              <a:t>Integrity </a:t>
-            </a:r>
           </a:p>
           <a:p>
             <a:pPr lvl="1"/>
             <a:r>
-              <a:rPr lang="en-GB" dirty="0" smtClean="0"/>
-              <a:t>Information </a:t>
-            </a:r>
-            <a:r>
               <a:rPr lang="en-GB" dirty="0"/>
-              <a:t>in a system may be damaged or corrupted making it unusual or unreliable. </a:t>
-            </a:r>
-            <a:endParaRPr lang="en-GB" dirty="0" smtClean="0"/>
-          </a:p>
-          <a:p>
-            <a:r>
-              <a:rPr lang="en-GB" i="1" dirty="0" smtClean="0"/>
-              <a:t>Availability</a:t>
-            </a:r>
-            <a:r>
-              <a:rPr lang="en-GB" dirty="0" smtClean="0"/>
-              <a:t> </a:t>
-            </a:r>
-          </a:p>
-          <a:p>
-            <a:pPr lvl="1"/>
-            <a:r>
-              <a:rPr lang="en-GB" dirty="0" smtClean="0"/>
-              <a:t>Access </a:t>
-            </a:r>
-            <a:r>
-              <a:rPr lang="en-GB" dirty="0"/>
-              <a:t>to a system or its data that is normally available may not be possible. </a:t>
-            </a:r>
-            <a:r>
-              <a:rPr lang="en-GB" dirty="0" smtClean="0"/>
-              <a:t> </a:t>
-            </a:r>
-            <a:endParaRPr lang="en-GB" dirty="0"/>
+              <a:t>Access to a system or its data that is normally available may not be possible.  </a:t>
+            </a:r>
           </a:p>
           <a:p>
             <a:endParaRPr lang="en-US" dirty="0"/>
@@ -13014,7 +12427,7 @@
           <a:lstStyle/>
           <a:p>
             <a:r>
-              <a:rPr lang="en-GB" smtClean="0"/>
+              <a:rPr lang="en-GB"/>
               <a:t>12/11/2014</a:t>
             </a:r>
             <a:endParaRPr lang="en-US"/>
@@ -13037,10 +12450,9 @@
           <a:lstStyle/>
           <a:p>
             <a:r>
-              <a:rPr lang="en-US" smtClean="0"/>
+              <a:rPr lang="en-US"/>
               <a:t>Chapter 13 Security Engineering</a:t>
             </a:r>
-            <a:endParaRPr lang="en-US"/>
           </a:p>
         </p:txBody>
       </p:sp>
@@ -13078,7 +12490,7 @@
   <p:clrMapOvr>
     <a:masterClrMapping/>
   </p:clrMapOvr>
-  <p:transition xmlns:p14="http://schemas.microsoft.com/office/powerpoint/2010/main" spd="med">
+  <p:transition spd="med">
     <p:wipe dir="r"/>
   </p:transition>
 </p:sld>
@@ -13117,10 +12529,9 @@
           <a:lstStyle/>
           <a:p>
             <a:r>
-              <a:rPr lang="en-US" dirty="0" smtClean="0"/>
+              <a:rPr lang="en-US" dirty="0"/>
               <a:t>Misuse cases</a:t>
             </a:r>
-            <a:endParaRPr lang="en-US" dirty="0"/>
           </a:p>
         </p:txBody>
       </p:sp>
@@ -13140,7 +12551,7 @@
           <a:lstStyle/>
           <a:p>
             <a:r>
-              <a:rPr lang="en-GB" smtClean="0"/>
+              <a:rPr lang="en-GB"/>
               <a:t>12/11/2014</a:t>
             </a:r>
             <a:endParaRPr lang="en-US"/>
@@ -13163,10 +12574,9 @@
           <a:lstStyle/>
           <a:p>
             <a:r>
-              <a:rPr lang="en-US" smtClean="0"/>
+              <a:rPr lang="en-US"/>
               <a:t>Chapter 13 Security Engineering</a:t>
             </a:r>
-            <a:endParaRPr lang="en-US"/>
           </a:p>
         </p:txBody>
       </p:sp>
@@ -13234,7 +12644,7 @@
   <p:clrMapOvr>
     <a:masterClrMapping/>
   </p:clrMapOvr>
-  <p:transition xmlns:p14="http://schemas.microsoft.com/office/powerpoint/2010/main" spd="med">
+  <p:transition spd="med">
     <p:wipe dir="r"/>
   </p:transition>
 </p:sld>
@@ -13273,10 +12683,9 @@
           <a:lstStyle/>
           <a:p>
             <a:r>
-              <a:rPr lang="en-US" dirty="0" smtClean="0"/>
+              <a:rPr lang="en-US" dirty="0"/>
               <a:t>Mentcare use case – Transfer data</a:t>
             </a:r>
-            <a:endParaRPr lang="en-US" dirty="0"/>
           </a:p>
         </p:txBody>
       </p:sp>
@@ -13296,7 +12705,7 @@
           <a:lstStyle/>
           <a:p>
             <a:r>
-              <a:rPr lang="en-GB" smtClean="0"/>
+              <a:rPr lang="en-GB"/>
               <a:t>12/11/2014</a:t>
             </a:r>
             <a:endParaRPr lang="en-US"/>
@@ -13319,10 +12728,9 @@
           <a:lstStyle/>
           <a:p>
             <a:r>
-              <a:rPr lang="en-US" smtClean="0"/>
+              <a:rPr lang="en-US"/>
               <a:t>Chapter 13 Security Engineering</a:t>
             </a:r>
-            <a:endParaRPr lang="en-US"/>
           </a:p>
         </p:txBody>
       </p:sp>
@@ -13375,8 +12783,20 @@
                 <a:tableStyleId>{5C22544A-7EE6-4342-B048-85BDC9FD1C3A}</a:tableStyleId>
               </a:tblPr>
               <a:tblGrid>
-                <a:gridCol w="1721818"/>
-                <a:gridCol w="6643220"/>
+                <a:gridCol w="1721818">
+                  <a:extLst>
+                    <a:ext uri="{9D8B030D-6E8A-4147-A177-3AD203B41FA5}">
+                      <a16:colId xmlns:a16="http://schemas.microsoft.com/office/drawing/2014/main" val="20000"/>
+                    </a:ext>
+                  </a:extLst>
+                </a:gridCol>
+                <a:gridCol w="6643220">
+                  <a:extLst>
+                    <a:ext uri="{9D8B030D-6E8A-4147-A177-3AD203B41FA5}">
+                      <a16:colId xmlns:a16="http://schemas.microsoft.com/office/drawing/2014/main" val="20001"/>
+                    </a:ext>
+                  </a:extLst>
+                </a:gridCol>
               </a:tblGrid>
               <a:tr h="351323">
                 <a:tc gridSpan="2">
@@ -13424,6 +12844,11 @@
                   </a:txBody>
                   <a:tcPr/>
                 </a:tc>
+                <a:extLst>
+                  <a:ext uri="{0D108BD9-81ED-4DB2-BD59-A6C34878D82A}">
+                    <a16:rowId xmlns:a16="http://schemas.microsoft.com/office/drawing/2014/main" val="10000"/>
+                  </a:ext>
+                </a:extLst>
               </a:tr>
               <a:tr h="519765">
                 <a:tc>
@@ -13496,6 +12921,11 @@
                   </a:txBody>
                   <a:tcPr marL="68580" marR="68580" marT="0" marB="0"/>
                 </a:tc>
+                <a:extLst>
+                  <a:ext uri="{0D108BD9-81ED-4DB2-BD59-A6C34878D82A}">
+                    <a16:rowId xmlns:a16="http://schemas.microsoft.com/office/drawing/2014/main" val="10001"/>
+                  </a:ext>
+                </a:extLst>
               </a:tr>
               <a:tr h="1336188">
                 <a:tc>
@@ -13553,19 +12983,7 @@
                           <a:ea typeface="Times New Roman"/>
                           <a:cs typeface="Times New Roman"/>
                         </a:rPr>
-                        <a:t>A receptionist may transfer data from the Mentcare system to a general patient record database that is maintained by a health authority. The information transferred may either be updated personal information (address, phone number, etc.) or a summary of the patient’s diagnosis and </a:t>
-                      </a:r>
-                      <a:r>
-                        <a:rPr lang="en-GB" sz="1800" dirty="0" smtClean="0">
-                          <a:solidFill>
-                            <a:srgbClr val="000000"/>
-                          </a:solidFill>
-                          <a:effectLst/>
-                          <a:latin typeface="Formata Regular"/>
-                          <a:ea typeface="Times New Roman"/>
-                          <a:cs typeface="Times New Roman"/>
-                        </a:rPr>
-                        <a:t>treatment.</a:t>
+                        <a:t>A receptionist may transfer data from the Mentcare system to a general patient record database that is maintained by a health authority. The information transferred may either be updated personal information (address, phone number, etc.) or a summary of the patient’s diagnosis and treatment.</a:t>
                       </a:r>
                       <a:endParaRPr lang="en-GB" sz="1800" dirty="0">
                         <a:solidFill>
@@ -13580,6 +12998,11 @@
                   </a:txBody>
                   <a:tcPr marL="68580" marR="68580" marT="0" marB="0"/>
                 </a:tc>
+                <a:extLst>
+                  <a:ext uri="{0D108BD9-81ED-4DB2-BD59-A6C34878D82A}">
+                    <a16:rowId xmlns:a16="http://schemas.microsoft.com/office/drawing/2014/main" val="10002"/>
+                  </a:ext>
+                </a:extLst>
               </a:tr>
               <a:tr h="519765">
                 <a:tc>
@@ -13637,31 +13060,7 @@
                           <a:ea typeface="Times New Roman"/>
                           <a:cs typeface="Times New Roman"/>
                         </a:rPr>
-                        <a:t>Patient’s personal information, </a:t>
-                      </a:r>
-                      <a:r>
-                        <a:rPr lang="en-GB" sz="1800">
-                          <a:solidFill>
-                            <a:srgbClr val="000000"/>
-                          </a:solidFill>
-                          <a:effectLst/>
-                          <a:latin typeface="Formata Regular"/>
-                          <a:ea typeface="Times New Roman"/>
-                          <a:cs typeface="Times New Roman"/>
-                        </a:rPr>
-                        <a:t>treatment </a:t>
-                      </a:r>
-                      <a:r>
-                        <a:rPr lang="en-GB" sz="1800" smtClean="0">
-                          <a:solidFill>
-                            <a:srgbClr val="000000"/>
-                          </a:solidFill>
-                          <a:effectLst/>
-                          <a:latin typeface="Formata Regular"/>
-                          <a:ea typeface="Times New Roman"/>
-                          <a:cs typeface="Times New Roman"/>
-                        </a:rPr>
-                        <a:t>summary.</a:t>
+                        <a:t>Patient’s personal information, treatment summary.</a:t>
                       </a:r>
                       <a:endParaRPr lang="en-GB" sz="1800">
                         <a:solidFill>
@@ -13676,6 +13075,11 @@
                   </a:txBody>
                   <a:tcPr marL="68580" marR="68580" marT="0" marB="0"/>
                 </a:tc>
+                <a:extLst>
+                  <a:ext uri="{0D108BD9-81ED-4DB2-BD59-A6C34878D82A}">
+                    <a16:rowId xmlns:a16="http://schemas.microsoft.com/office/drawing/2014/main" val="10003"/>
+                  </a:ext>
+                </a:extLst>
               </a:tr>
               <a:tr h="519765">
                 <a:tc>
@@ -13733,19 +13137,7 @@
                           <a:ea typeface="Times New Roman"/>
                           <a:cs typeface="Times New Roman"/>
                         </a:rPr>
-                        <a:t>User command issued by medical </a:t>
-                      </a:r>
-                      <a:r>
-                        <a:rPr lang="en-GB" sz="1800" dirty="0" smtClean="0">
-                          <a:solidFill>
-                            <a:srgbClr val="000000"/>
-                          </a:solidFill>
-                          <a:effectLst/>
-                          <a:latin typeface="Formata Regular"/>
-                          <a:ea typeface="Times New Roman"/>
-                          <a:cs typeface="Times New Roman"/>
-                        </a:rPr>
-                        <a:t>receptionist.</a:t>
+                        <a:t>User command issued by medical receptionist.</a:t>
                       </a:r>
                       <a:endParaRPr lang="en-GB" sz="1800" dirty="0">
                         <a:solidFill>
@@ -13760,6 +13152,11 @@
                   </a:txBody>
                   <a:tcPr marL="68580" marR="68580" marT="0" marB="0"/>
                 </a:tc>
+                <a:extLst>
+                  <a:ext uri="{0D108BD9-81ED-4DB2-BD59-A6C34878D82A}">
+                    <a16:rowId xmlns:a16="http://schemas.microsoft.com/office/drawing/2014/main" val="10004"/>
+                  </a:ext>
+                </a:extLst>
               </a:tr>
               <a:tr h="519765">
                 <a:tc>
@@ -13817,19 +13214,7 @@
                           <a:ea typeface="Times New Roman"/>
                           <a:cs typeface="Times New Roman"/>
                         </a:rPr>
-                        <a:t>Confirmation that PRS has been </a:t>
-                      </a:r>
-                      <a:r>
-                        <a:rPr lang="en-GB" sz="1800" dirty="0" smtClean="0">
-                          <a:solidFill>
-                            <a:srgbClr val="000000"/>
-                          </a:solidFill>
-                          <a:effectLst/>
-                          <a:latin typeface="Formata Regular"/>
-                          <a:ea typeface="Times New Roman"/>
-                          <a:cs typeface="Times New Roman"/>
-                        </a:rPr>
-                        <a:t>updated.</a:t>
+                        <a:t>Confirmation that PRS has been updated.</a:t>
                       </a:r>
                       <a:endParaRPr lang="en-GB" sz="1800" dirty="0">
                         <a:solidFill>
@@ -13844,6 +13229,11 @@
                   </a:txBody>
                   <a:tcPr marL="68580" marR="68580" marT="0" marB="0"/>
                 </a:tc>
+                <a:extLst>
+                  <a:ext uri="{0D108BD9-81ED-4DB2-BD59-A6C34878D82A}">
+                    <a16:rowId xmlns:a16="http://schemas.microsoft.com/office/drawing/2014/main" val="10005"/>
+                  </a:ext>
+                </a:extLst>
               </a:tr>
               <a:tr h="1039530">
                 <a:tc>
@@ -13916,6 +13306,11 @@
                   </a:txBody>
                   <a:tcPr marL="68580" marR="68580" marT="0" marB="0"/>
                 </a:tc>
+                <a:extLst>
+                  <a:ext uri="{0D108BD9-81ED-4DB2-BD59-A6C34878D82A}">
+                    <a16:rowId xmlns:a16="http://schemas.microsoft.com/office/drawing/2014/main" val="10006"/>
+                  </a:ext>
+                </a:extLst>
               </a:tr>
             </a:tbl>
           </a:graphicData>
@@ -13931,7 +13326,7 @@
   <p:clrMapOvr>
     <a:masterClrMapping/>
   </p:clrMapOvr>
-  <p:transition xmlns:p14="http://schemas.microsoft.com/office/powerpoint/2010/main" spd="med">
+  <p:transition spd="med">
     <p:wipe dir="r"/>
   </p:transition>
 </p:sld>
@@ -13970,10 +13365,9 @@
           <a:lstStyle/>
           <a:p>
             <a:r>
-              <a:rPr lang="en-US" dirty="0" smtClean="0"/>
+              <a:rPr lang="en-US" dirty="0"/>
               <a:t>Mentcare misuse case: Intercept transfer</a:t>
             </a:r>
-            <a:endParaRPr lang="en-US" dirty="0"/>
           </a:p>
         </p:txBody>
       </p:sp>
@@ -14003,8 +13397,20 @@
                 <a:tableStyleId>{5C22544A-7EE6-4342-B048-85BDC9FD1C3A}</a:tableStyleId>
               </a:tblPr>
               <a:tblGrid>
-                <a:gridCol w="1481878"/>
-                <a:gridCol w="6747722"/>
+                <a:gridCol w="1481878">
+                  <a:extLst>
+                    <a:ext uri="{9D8B030D-6E8A-4147-A177-3AD203B41FA5}">
+                      <a16:colId xmlns:a16="http://schemas.microsoft.com/office/drawing/2014/main" val="20000"/>
+                    </a:ext>
+                  </a:extLst>
+                </a:gridCol>
+                <a:gridCol w="6747722">
+                  <a:extLst>
+                    <a:ext uri="{9D8B030D-6E8A-4147-A177-3AD203B41FA5}">
+                      <a16:colId xmlns:a16="http://schemas.microsoft.com/office/drawing/2014/main" val="20001"/>
+                    </a:ext>
+                  </a:extLst>
+                </a:gridCol>
               </a:tblGrid>
               <a:tr h="88563">
                 <a:tc gridSpan="2">
@@ -14052,6 +13458,11 @@
                   </a:txBody>
                   <a:tcPr/>
                 </a:tc>
+                <a:extLst>
+                  <a:ext uri="{0D108BD9-81ED-4DB2-BD59-A6C34878D82A}">
+                    <a16:rowId xmlns:a16="http://schemas.microsoft.com/office/drawing/2014/main" val="10000"/>
+                  </a:ext>
+                </a:extLst>
               </a:tr>
               <a:tr h="370840">
                 <a:tc>
@@ -14127,6 +13538,11 @@
                   </a:txBody>
                   <a:tcPr marL="68580" marR="68580" marT="0" marB="0"/>
                 </a:tc>
+                <a:extLst>
+                  <a:ext uri="{0D108BD9-81ED-4DB2-BD59-A6C34878D82A}">
+                    <a16:rowId xmlns:a16="http://schemas.microsoft.com/office/drawing/2014/main" val="10001"/>
+                  </a:ext>
+                </a:extLst>
               </a:tr>
               <a:tr h="370840">
                 <a:tc>
@@ -14202,6 +13618,11 @@
                   </a:txBody>
                   <a:tcPr marL="68580" marR="68580" marT="0" marB="0"/>
                 </a:tc>
+                <a:extLst>
+                  <a:ext uri="{0D108BD9-81ED-4DB2-BD59-A6C34878D82A}">
+                    <a16:rowId xmlns:a16="http://schemas.microsoft.com/office/drawing/2014/main" val="10002"/>
+                  </a:ext>
+                </a:extLst>
               </a:tr>
               <a:tr h="370840">
                 <a:tc>
@@ -14277,6 +13698,11 @@
                   </a:txBody>
                   <a:tcPr marL="68580" marR="68580" marT="0" marB="0"/>
                 </a:tc>
+                <a:extLst>
+                  <a:ext uri="{0D108BD9-81ED-4DB2-BD59-A6C34878D82A}">
+                    <a16:rowId xmlns:a16="http://schemas.microsoft.com/office/drawing/2014/main" val="10003"/>
+                  </a:ext>
+                </a:extLst>
               </a:tr>
               <a:tr h="370840">
                 <a:tc>
@@ -14380,6 +13806,11 @@
                   </a:txBody>
                   <a:tcPr marL="68580" marR="68580" marT="0" marB="0"/>
                 </a:tc>
+                <a:extLst>
+                  <a:ext uri="{0D108BD9-81ED-4DB2-BD59-A6C34878D82A}">
+                    <a16:rowId xmlns:a16="http://schemas.microsoft.com/office/drawing/2014/main" val="10004"/>
+                  </a:ext>
+                </a:extLst>
               </a:tr>
             </a:tbl>
           </a:graphicData>
@@ -14401,7 +13832,7 @@
           <a:lstStyle/>
           <a:p>
             <a:r>
-              <a:rPr lang="en-GB" smtClean="0"/>
+              <a:rPr lang="en-GB"/>
               <a:t>12/11/2014</a:t>
             </a:r>
             <a:endParaRPr lang="en-US"/>
@@ -14424,10 +13855,9 @@
           <a:lstStyle/>
           <a:p>
             <a:r>
-              <a:rPr lang="en-US" smtClean="0"/>
+              <a:rPr lang="en-US"/>
               <a:t>Chapter 13 Security Engineering</a:t>
             </a:r>
-            <a:endParaRPr lang="en-US"/>
           </a:p>
         </p:txBody>
       </p:sp>
@@ -14465,7 +13895,7 @@
   <p:clrMapOvr>
     <a:masterClrMapping/>
   </p:clrMapOvr>
-  <p:transition xmlns:p14="http://schemas.microsoft.com/office/powerpoint/2010/main" spd="med">
+  <p:transition spd="med">
     <p:wipe dir="r"/>
   </p:transition>
 </p:sld>
@@ -14504,10 +13934,9 @@
           <a:lstStyle/>
           <a:p>
             <a:r>
-              <a:rPr lang="en-US" dirty="0" smtClean="0"/>
+              <a:rPr lang="en-US" dirty="0"/>
               <a:t>Misuse case: Intercept transfer</a:t>
             </a:r>
-            <a:endParaRPr lang="en-US" dirty="0"/>
           </a:p>
         </p:txBody>
       </p:sp>
@@ -14527,7 +13956,7 @@
           <a:lstStyle/>
           <a:p>
             <a:r>
-              <a:rPr lang="en-GB" smtClean="0"/>
+              <a:rPr lang="en-GB"/>
               <a:t>12/11/2014</a:t>
             </a:r>
             <a:endParaRPr lang="en-US"/>
@@ -14550,10 +13979,9 @@
           <a:lstStyle/>
           <a:p>
             <a:r>
-              <a:rPr lang="en-US" smtClean="0"/>
+              <a:rPr lang="en-US"/>
               <a:t>Chapter 13 Security Engineering</a:t>
             </a:r>
-            <a:endParaRPr lang="en-US"/>
           </a:p>
         </p:txBody>
       </p:sp>
@@ -14606,8 +14034,20 @@
                 <a:tableStyleId>{5C22544A-7EE6-4342-B048-85BDC9FD1C3A}</a:tableStyleId>
               </a:tblPr>
               <a:tblGrid>
-                <a:gridCol w="2207615"/>
-                <a:gridCol w="6021985"/>
+                <a:gridCol w="2207615">
+                  <a:extLst>
+                    <a:ext uri="{9D8B030D-6E8A-4147-A177-3AD203B41FA5}">
+                      <a16:colId xmlns:a16="http://schemas.microsoft.com/office/drawing/2014/main" val="20000"/>
+                    </a:ext>
+                  </a:extLst>
+                </a:gridCol>
+                <a:gridCol w="6021985">
+                  <a:extLst>
+                    <a:ext uri="{9D8B030D-6E8A-4147-A177-3AD203B41FA5}">
+                      <a16:colId xmlns:a16="http://schemas.microsoft.com/office/drawing/2014/main" val="20001"/>
+                    </a:ext>
+                  </a:extLst>
+                </a:gridCol>
               </a:tblGrid>
               <a:tr h="36839">
                 <a:tc gridSpan="2">
@@ -14655,6 +14095,11 @@
                   </a:txBody>
                   <a:tcPr/>
                 </a:tc>
+                <a:extLst>
+                  <a:ext uri="{0D108BD9-81ED-4DB2-BD59-A6C34878D82A}">
+                    <a16:rowId xmlns:a16="http://schemas.microsoft.com/office/drawing/2014/main" val="10000"/>
+                  </a:ext>
+                </a:extLst>
               </a:tr>
               <a:tr h="370840">
                 <a:tc>
@@ -14814,6 +14259,11 @@
                   </a:txBody>
                   <a:tcPr marL="68580" marR="68580" marT="0" marB="0"/>
                 </a:tc>
+                <a:extLst>
+                  <a:ext uri="{0D108BD9-81ED-4DB2-BD59-A6C34878D82A}">
+                    <a16:rowId xmlns:a16="http://schemas.microsoft.com/office/drawing/2014/main" val="10001"/>
+                  </a:ext>
+                </a:extLst>
               </a:tr>
               <a:tr h="370840">
                 <a:tc>
@@ -14889,6 +14339,11 @@
                   </a:txBody>
                   <a:tcPr marL="68580" marR="68580" marT="0" marB="0"/>
                 </a:tc>
+                <a:extLst>
+                  <a:ext uri="{0D108BD9-81ED-4DB2-BD59-A6C34878D82A}">
+                    <a16:rowId xmlns:a16="http://schemas.microsoft.com/office/drawing/2014/main" val="10002"/>
+                  </a:ext>
+                </a:extLst>
               </a:tr>
             </a:tbl>
           </a:graphicData>
@@ -14904,7 +14359,7 @@
   <p:clrMapOvr>
     <a:masterClrMapping/>
   </p:clrMapOvr>
-  <p:transition xmlns:p14="http://schemas.microsoft.com/office/powerpoint/2010/main" spd="med">
+  <p:transition spd="med">
     <p:wipe dir="r"/>
   </p:transition>
 </p:sld>
@@ -14949,10 +14404,9 @@
           <a:p>
             <a:pPr algn="ctr"/>
             <a:r>
-              <a:rPr lang="en-US" dirty="0" smtClean="0"/>
+              <a:rPr lang="en-US" dirty="0"/>
               <a:t>Secure systems design</a:t>
             </a:r>
-            <a:endParaRPr lang="en-US" dirty="0"/>
           </a:p>
         </p:txBody>
       </p:sp>
@@ -14972,7 +14426,7 @@
           <a:lstStyle/>
           <a:p>
             <a:r>
-              <a:rPr lang="en-GB" smtClean="0"/>
+              <a:rPr lang="en-GB"/>
               <a:t>12/11/2014</a:t>
             </a:r>
             <a:endParaRPr lang="en-US"/>
@@ -14995,10 +14449,9 @@
           <a:lstStyle/>
           <a:p>
             <a:r>
-              <a:rPr lang="en-US" smtClean="0"/>
+              <a:rPr lang="en-US"/>
               <a:t>Chapter 13 Security Engineering</a:t>
             </a:r>
-            <a:endParaRPr lang="en-US"/>
           </a:p>
         </p:txBody>
       </p:sp>
@@ -15036,7 +14489,7 @@
   <p:clrMapOvr>
     <a:masterClrMapping/>
   </p:clrMapOvr>
-  <p:transition xmlns:p14="http://schemas.microsoft.com/office/powerpoint/2010/main" spd="med">
+  <p:transition spd="med">
     <p:wipe dir="r"/>
   </p:transition>
 </p:sld>
@@ -15075,10 +14528,9 @@
           <a:lstStyle/>
           <a:p>
             <a:r>
-              <a:rPr lang="en-US" dirty="0" smtClean="0"/>
+              <a:rPr lang="en-US" dirty="0"/>
               <a:t>Secure systems design</a:t>
             </a:r>
-            <a:endParaRPr lang="en-US" dirty="0"/>
           </a:p>
         </p:txBody>
       </p:sp>
@@ -15100,61 +14552,35 @@
           <a:lstStyle/>
           <a:p>
             <a:r>
-              <a:rPr lang="en-US" dirty="0" smtClean="0"/>
-              <a:t>Security should be designed into a system – it is very difficu</a:t>
-            </a:r>
-            <a:r>
-              <a:rPr lang="en-US" dirty="0" smtClean="0"/>
-              <a:t>lt to make an insecure system secure after it has been designed or implemented</a:t>
-            </a:r>
-            <a:endParaRPr lang="en-US" dirty="0" smtClean="0"/>
-          </a:p>
-          <a:p>
-            <a:r>
-              <a:rPr lang="en-US" dirty="0" smtClean="0"/>
-              <a:t>Architectural </a:t>
-            </a:r>
-            <a:r>
-              <a:rPr lang="en-US" dirty="0" smtClean="0"/>
-              <a:t>design</a:t>
+              <a:rPr lang="en-US" dirty="0"/>
+              <a:t>Security should be designed into a system – it is very difficult to make an insecure system secure after it has been designed or implemented</a:t>
+            </a:r>
+          </a:p>
+          <a:p>
+            <a:r>
+              <a:rPr lang="en-US" dirty="0"/>
+              <a:t>Architectural design</a:t>
             </a:r>
           </a:p>
           <a:p>
             <a:pPr lvl="1"/>
             <a:r>
-              <a:rPr lang="en-US" dirty="0" smtClean="0"/>
-              <a:t>how </a:t>
-            </a:r>
-            <a:r>
               <a:rPr lang="en-US" dirty="0"/>
-              <a:t>do architectural design decisions affect the security of a system?</a:t>
+              <a:t>how do architectural design decisions affect the security of a system?</a:t>
             </a:r>
           </a:p>
           <a:p>
             <a:r>
               <a:rPr lang="en-US" dirty="0"/>
-              <a:t>Good </a:t>
-            </a:r>
-            <a:r>
-              <a:rPr lang="en-US" dirty="0" smtClean="0"/>
-              <a:t>practice</a:t>
+              <a:t>Good practice</a:t>
             </a:r>
           </a:p>
           <a:p>
             <a:pPr lvl="1"/>
             <a:r>
-              <a:rPr lang="en-US" dirty="0" smtClean="0"/>
-              <a:t>what </a:t>
-            </a:r>
-            <a:r>
               <a:rPr lang="en-US" dirty="0"/>
-              <a:t>is accepted good practice when designing secure systems</a:t>
-            </a:r>
-            <a:r>
-              <a:rPr lang="en-US" dirty="0" smtClean="0"/>
-              <a:t>?</a:t>
-            </a:r>
-            <a:endParaRPr lang="en-US" dirty="0"/>
+              <a:t>what is accepted good practice when designing secure systems?</a:t>
+            </a:r>
           </a:p>
         </p:txBody>
       </p:sp>
@@ -15174,10 +14600,9 @@
           <a:lstStyle/>
           <a:p>
             <a:r>
-              <a:rPr lang="en-US" smtClean="0"/>
+              <a:rPr lang="en-US"/>
               <a:t>Chapter 13 Security Engineering</a:t>
             </a:r>
-            <a:endParaRPr lang="en-US"/>
           </a:p>
         </p:txBody>
       </p:sp>
@@ -15221,7 +14646,7 @@
           <a:lstStyle/>
           <a:p>
             <a:r>
-              <a:rPr lang="en-GB" smtClean="0"/>
+              <a:rPr lang="en-GB"/>
               <a:t>12/11/2014</a:t>
             </a:r>
             <a:endParaRPr lang="en-US"/>
@@ -15233,16 +14658,9 @@
   <p:clrMapOvr>
     <a:masterClrMapping/>
   </p:clrMapOvr>
-  <p:transition xmlns:p14="http://schemas.microsoft.com/office/powerpoint/2010/main" spd="med">
+  <p:transition spd="med">
     <p:wipe dir="r"/>
   </p:transition>
-  <p:timing>
-    <p:tnLst>
-      <p:par>
-        <p:cTn xmlns:p14="http://schemas.microsoft.com/office/powerpoint/2010/main" id="1" dur="indefinite" restart="never" nodeType="tmRoot"/>
-      </p:par>
-    </p:tnLst>
-  </p:timing>
 </p:sld>
 </file>
 
@@ -15279,10 +14697,9 @@
           <a:lstStyle/>
           <a:p>
             <a:r>
-              <a:rPr lang="en-US" dirty="0" smtClean="0"/>
+              <a:rPr lang="en-US" dirty="0"/>
               <a:t>Design compromises</a:t>
             </a:r>
-            <a:endParaRPr lang="en-US" dirty="0"/>
           </a:p>
         </p:txBody>
       </p:sp>
@@ -15302,36 +14719,35 @@
           <a:lstStyle/>
           <a:p>
             <a:r>
-              <a:rPr lang="en-US" dirty="0" smtClean="0"/>
+              <a:rPr lang="en-US" dirty="0"/>
               <a:t>Adding security features to a system to enhance its security affects other attributes of the system</a:t>
             </a:r>
           </a:p>
           <a:p>
             <a:r>
-              <a:rPr lang="en-US" dirty="0" smtClean="0"/>
+              <a:rPr lang="en-US" dirty="0"/>
               <a:t>Performance</a:t>
             </a:r>
           </a:p>
           <a:p>
             <a:pPr lvl="1"/>
             <a:r>
-              <a:rPr lang="en-US" dirty="0" smtClean="0"/>
+              <a:rPr lang="en-US" dirty="0"/>
               <a:t>Additional security checks slow down a system so its response time or throughput may be affected</a:t>
             </a:r>
           </a:p>
           <a:p>
             <a:r>
-              <a:rPr lang="en-US" dirty="0" smtClean="0"/>
+              <a:rPr lang="en-US" dirty="0"/>
               <a:t>Usability</a:t>
             </a:r>
           </a:p>
           <a:p>
             <a:pPr lvl="1"/>
             <a:r>
-              <a:rPr lang="en-US" dirty="0" smtClean="0"/>
+              <a:rPr lang="en-US" dirty="0"/>
               <a:t>Security measures may require users to remember information or require additional interactions to complete a transaction. This makes the system less usable and can frustrate system users.</a:t>
             </a:r>
-            <a:endParaRPr lang="en-US" dirty="0"/>
           </a:p>
         </p:txBody>
       </p:sp>
@@ -15351,7 +14767,7 @@
           <a:lstStyle/>
           <a:p>
             <a:r>
-              <a:rPr lang="en-GB" smtClean="0"/>
+              <a:rPr lang="en-GB"/>
               <a:t>12/11/2014</a:t>
             </a:r>
             <a:endParaRPr lang="en-US"/>
@@ -15374,10 +14790,9 @@
           <a:lstStyle/>
           <a:p>
             <a:r>
-              <a:rPr lang="en-US" smtClean="0"/>
+              <a:rPr lang="en-US"/>
               <a:t>Chapter 13 Security Engineering</a:t>
             </a:r>
-            <a:endParaRPr lang="en-US"/>
           </a:p>
         </p:txBody>
       </p:sp>
@@ -15415,7 +14830,7 @@
   <p:clrMapOvr>
     <a:masterClrMapping/>
   </p:clrMapOvr>
-  <p:transition xmlns:p14="http://schemas.microsoft.com/office/powerpoint/2010/main" spd="med">
+  <p:transition spd="med">
     <p:wipe dir="r"/>
   </p:transition>
 </p:sld>
@@ -15454,12 +14869,8 @@
           <a:lstStyle/>
           <a:p>
             <a:r>
-              <a:rPr lang="en-US" dirty="0" smtClean="0"/>
-              <a:t>Design risk </a:t>
-            </a:r>
-            <a:r>
               <a:rPr lang="en-US" dirty="0"/>
-              <a:t>assessment</a:t>
+              <a:t>Design risk assessment</a:t>
             </a:r>
           </a:p>
         </p:txBody>
@@ -15514,10 +14925,9 @@
           <a:lstStyle/>
           <a:p>
             <a:r>
-              <a:rPr lang="en-US" smtClean="0"/>
+              <a:rPr lang="en-US"/>
               <a:t>Chapter 13 Security Engineering</a:t>
             </a:r>
-            <a:endParaRPr lang="en-US"/>
           </a:p>
         </p:txBody>
       </p:sp>
@@ -15561,7 +14971,7 @@
           <a:lstStyle/>
           <a:p>
             <a:r>
-              <a:rPr lang="en-GB" smtClean="0"/>
+              <a:rPr lang="en-GB"/>
               <a:t>12/11/2014</a:t>
             </a:r>
             <a:endParaRPr lang="en-US"/>
@@ -15573,16 +14983,9 @@
   <p:clrMapOvr>
     <a:masterClrMapping/>
   </p:clrMapOvr>
-  <p:transition xmlns:p14="http://schemas.microsoft.com/office/powerpoint/2010/main" spd="med">
+  <p:transition spd="med">
     <p:wipe dir="r"/>
   </p:transition>
-  <p:timing>
-    <p:tnLst>
-      <p:par>
-        <p:cTn xmlns:p14="http://schemas.microsoft.com/office/powerpoint/2010/main" id="1" dur="indefinite" restart="never" nodeType="tmRoot"/>
-      </p:par>
-    </p:tnLst>
-  </p:timing>
 </p:sld>
 </file>
 
@@ -15619,7 +15022,7 @@
           <a:lstStyle/>
           <a:p>
             <a:r>
-              <a:rPr lang="en-GB" dirty="0" smtClean="0"/>
+              <a:rPr lang="en-GB" dirty="0"/>
               <a:t>Design and risk assessment</a:t>
             </a:r>
             <a:endParaRPr lang="en-US" dirty="0"/>
@@ -15642,10 +15045,9 @@
           <a:lstStyle/>
           <a:p>
             <a:r>
-              <a:rPr lang="en-US" smtClean="0"/>
+              <a:rPr lang="en-US"/>
               <a:t>Chapter 13 Security Engineering</a:t>
             </a:r>
-            <a:endParaRPr lang="en-US"/>
           </a:p>
         </p:txBody>
       </p:sp>
@@ -15689,7 +15091,7 @@
           <a:lstStyle/>
           <a:p>
             <a:r>
-              <a:rPr lang="en-GB" smtClean="0"/>
+              <a:rPr lang="en-GB"/>
               <a:t>12/11/2014</a:t>
             </a:r>
             <a:endParaRPr lang="en-US"/>
@@ -15730,16 +15132,9 @@
   <p:clrMapOvr>
     <a:masterClrMapping/>
   </p:clrMapOvr>
-  <p:transition xmlns:p14="http://schemas.microsoft.com/office/powerpoint/2010/main" spd="med">
+  <p:transition spd="med">
     <p:wipe dir="r"/>
   </p:transition>
-  <p:timing>
-    <p:tnLst>
-      <p:par>
-        <p:cTn xmlns:p14="http://schemas.microsoft.com/office/powerpoint/2010/main" id="1" dur="indefinite" restart="never" nodeType="tmRoot"/>
-      </p:par>
-    </p:tnLst>
-  </p:timing>
 </p:sld>
 </file>
 
@@ -15776,52 +15171,9 @@
           <a:lstStyle/>
           <a:p>
             <a:r>
-              <a:rPr lang="en-US" dirty="0" smtClean="0"/>
-              <a:t>Protection requirements</a:t>
-            </a:r>
-            <a:endParaRPr lang="en-US" dirty="0"/>
-          </a:p>
-        </p:txBody>
-      </p:sp>
-      <p:sp>
-        <p:nvSpPr>
-          <p:cNvPr id="3" name="Content Placeholder 2"/>
-          <p:cNvSpPr>
-            <a:spLocks noGrp="1"/>
-          </p:cNvSpPr>
-          <p:nvPr>
-            <p:ph idx="1"/>
-          </p:nvPr>
-        </p:nvSpPr>
-        <p:spPr/>
-        <p:txBody>
-          <a:bodyPr/>
-          <a:lstStyle/>
-          <a:p>
-            <a:r>
-              <a:rPr lang="en-US" dirty="0" smtClean="0"/>
-              <a:t>Protection requirements may be generated when knowledge of information representation and system distribution</a:t>
-            </a:r>
-          </a:p>
-          <a:p>
-            <a:r>
-              <a:rPr lang="en-US" dirty="0" smtClean="0"/>
-              <a:t>Separating patient and treatment information limits the amount of information (personal patient data) that needs to be protected</a:t>
-            </a:r>
-          </a:p>
-          <a:p>
-            <a:r>
-              <a:rPr lang="en-US" dirty="0" smtClean="0"/>
-              <a:t>Maintaining copies of records on a local client protects against denial of service attacks on the server</a:t>
-            </a:r>
-          </a:p>
-          <a:p>
-            <a:pPr lvl="1"/>
-            <a:r>
-              <a:rPr lang="en-US" dirty="0" smtClean="0"/>
-              <a:t>But these may need to be encrypted</a:t>
-            </a:r>
-            <a:endParaRPr lang="en-US" dirty="0"/>
+              <a:rPr lang="en-US" dirty="0"/>
+              <a:t>Design risk assessment</a:t>
+            </a:r>
           </a:p>
         </p:txBody>
       </p:sp>
@@ -15841,7 +15193,7 @@
           <a:lstStyle/>
           <a:p>
             <a:r>
-              <a:rPr lang="en-GB" smtClean="0"/>
+              <a:rPr lang="en-GB"/>
               <a:t>12/11/2014</a:t>
             </a:r>
             <a:endParaRPr lang="en-US"/>
@@ -15864,10 +15216,9 @@
           <a:lstStyle/>
           <a:p>
             <a:r>
-              <a:rPr lang="en-US" smtClean="0"/>
+              <a:rPr lang="en-US"/>
               <a:t>Chapter 13 Security Engineering</a:t>
             </a:r>
-            <a:endParaRPr lang="en-US"/>
           </a:p>
         </p:txBody>
       </p:sp>
@@ -15890,310 +15241,6 @@
               <a:rPr lang="en-US" smtClean="0"/>
               <a:pPr/>
               <a:t>49</a:t>
-            </a:fld>
-            <a:endParaRPr lang="en-US"/>
-          </a:p>
-        </p:txBody>
-      </p:sp>
-    </p:spTree>
-    <p:extLst>
-      <p:ext uri="{BB962C8B-B14F-4D97-AF65-F5344CB8AC3E}">
-        <p14:creationId xmlns:p14="http://schemas.microsoft.com/office/powerpoint/2010/main" val="728526111"/>
-      </p:ext>
-    </p:extLst>
-  </p:cSld>
-  <p:clrMapOvr>
-    <a:masterClrMapping/>
-  </p:clrMapOvr>
-  <p:transition xmlns:p14="http://schemas.microsoft.com/office/powerpoint/2010/main" spd="med">
-    <p:wipe dir="r"/>
-  </p:transition>
-</p:sld>
-</file>
-
-<file path=ppt/slides/slide5.xml><?xml version="1.0" encoding="utf-8"?>
-<p:sld xmlns:a="http://schemas.openxmlformats.org/drawingml/2006/main" xmlns:r="http://schemas.openxmlformats.org/officeDocument/2006/relationships" xmlns:p="http://schemas.openxmlformats.org/presentationml/2006/main">
-  <p:cSld>
-    <p:spTree>
-      <p:nvGrpSpPr>
-        <p:cNvPr id="1" name=""/>
-        <p:cNvGrpSpPr/>
-        <p:nvPr/>
-      </p:nvGrpSpPr>
-      <p:grpSpPr>
-        <a:xfrm>
-          <a:off x="0" y="0"/>
-          <a:ext cx="0" cy="0"/>
-          <a:chOff x="0" y="0"/>
-          <a:chExt cx="0" cy="0"/>
-        </a:xfrm>
-      </p:grpSpPr>
-      <p:sp>
-        <p:nvSpPr>
-          <p:cNvPr id="2" name="Title 1"/>
-          <p:cNvSpPr>
-            <a:spLocks noGrp="1"/>
-          </p:cNvSpPr>
-          <p:nvPr>
-            <p:ph type="title"/>
-          </p:nvPr>
-        </p:nvSpPr>
-        <p:spPr/>
-        <p:txBody>
-          <a:bodyPr/>
-          <a:lstStyle/>
-          <a:p>
-            <a:r>
-              <a:rPr lang="en-US" dirty="0" smtClean="0"/>
-              <a:t>Security levels</a:t>
-            </a:r>
-            <a:endParaRPr lang="en-US" dirty="0"/>
-          </a:p>
-        </p:txBody>
-      </p:sp>
-      <p:sp>
-        <p:nvSpPr>
-          <p:cNvPr id="3" name="Content Placeholder 2"/>
-          <p:cNvSpPr>
-            <a:spLocks noGrp="1"/>
-          </p:cNvSpPr>
-          <p:nvPr>
-            <p:ph idx="1"/>
-          </p:nvPr>
-        </p:nvSpPr>
-        <p:spPr/>
-        <p:txBody>
-          <a:bodyPr/>
-          <a:lstStyle/>
-          <a:p>
-            <a:r>
-              <a:rPr lang="en-US" dirty="0" smtClean="0"/>
-              <a:t>Infrastructure </a:t>
-            </a:r>
-            <a:r>
-              <a:rPr lang="en-US" dirty="0"/>
-              <a:t>security, which is concerned with maintaining the security of all systems and networks that provide an infrastructure and a set of shared services to the organization. </a:t>
-            </a:r>
-            <a:endParaRPr lang="en-GB" dirty="0"/>
-          </a:p>
-          <a:p>
-            <a:r>
-              <a:rPr lang="en-US" dirty="0" smtClean="0"/>
-              <a:t>Application </a:t>
-            </a:r>
-            <a:r>
-              <a:rPr lang="en-US" dirty="0"/>
-              <a:t>security, which is concerned with the security of individual application systems or related groups of systems.</a:t>
-            </a:r>
-            <a:endParaRPr lang="en-GB" dirty="0"/>
-          </a:p>
-          <a:p>
-            <a:r>
-              <a:rPr lang="en-US" dirty="0" smtClean="0"/>
-              <a:t>Operational </a:t>
-            </a:r>
-            <a:r>
-              <a:rPr lang="en-US" dirty="0"/>
-              <a:t>security, which is concerned with the secure operation and use of the organization’s systems.</a:t>
-            </a:r>
-            <a:endParaRPr lang="en-GB" dirty="0"/>
-          </a:p>
-          <a:p>
-            <a:endParaRPr lang="en-US" dirty="0"/>
-          </a:p>
-        </p:txBody>
-      </p:sp>
-      <p:sp>
-        <p:nvSpPr>
-          <p:cNvPr id="4" name="Date Placeholder 3"/>
-          <p:cNvSpPr>
-            <a:spLocks noGrp="1"/>
-          </p:cNvSpPr>
-          <p:nvPr>
-            <p:ph type="dt" sz="half" idx="10"/>
-          </p:nvPr>
-        </p:nvSpPr>
-        <p:spPr/>
-        <p:txBody>
-          <a:bodyPr/>
-          <a:lstStyle/>
-          <a:p>
-            <a:r>
-              <a:rPr lang="en-GB" smtClean="0"/>
-              <a:t>12/11/2014</a:t>
-            </a:r>
-            <a:endParaRPr lang="en-US"/>
-          </a:p>
-        </p:txBody>
-      </p:sp>
-      <p:sp>
-        <p:nvSpPr>
-          <p:cNvPr id="5" name="Footer Placeholder 4"/>
-          <p:cNvSpPr>
-            <a:spLocks noGrp="1"/>
-          </p:cNvSpPr>
-          <p:nvPr>
-            <p:ph type="ftr" sz="quarter" idx="11"/>
-          </p:nvPr>
-        </p:nvSpPr>
-        <p:spPr/>
-        <p:txBody>
-          <a:bodyPr/>
-          <a:lstStyle/>
-          <a:p>
-            <a:r>
-              <a:rPr lang="en-US" smtClean="0"/>
-              <a:t>Chapter 13 Security Engineering</a:t>
-            </a:r>
-            <a:endParaRPr lang="en-US"/>
-          </a:p>
-        </p:txBody>
-      </p:sp>
-      <p:sp>
-        <p:nvSpPr>
-          <p:cNvPr id="6" name="Slide Number Placeholder 5"/>
-          <p:cNvSpPr>
-            <a:spLocks noGrp="1"/>
-          </p:cNvSpPr>
-          <p:nvPr>
-            <p:ph type="sldNum" sz="quarter" idx="12"/>
-          </p:nvPr>
-        </p:nvSpPr>
-        <p:spPr/>
-        <p:txBody>
-          <a:bodyPr/>
-          <a:lstStyle/>
-          <a:p>
-            <a:fld id="{C0AF272E-47EF-6349-88BF-E15B24383BFC}" type="slidenum">
-              <a:rPr lang="en-US" smtClean="0"/>
-              <a:pPr/>
-              <a:t>5</a:t>
-            </a:fld>
-            <a:endParaRPr lang="en-US"/>
-          </a:p>
-        </p:txBody>
-      </p:sp>
-    </p:spTree>
-    <p:extLst>
-      <p:ext uri="{BB962C8B-B14F-4D97-AF65-F5344CB8AC3E}">
-        <p14:creationId xmlns:p14="http://schemas.microsoft.com/office/powerpoint/2010/main" val="1449176530"/>
-      </p:ext>
-    </p:extLst>
-  </p:cSld>
-  <p:clrMapOvr>
-    <a:masterClrMapping/>
-  </p:clrMapOvr>
-  <p:transition xmlns:p14="http://schemas.microsoft.com/office/powerpoint/2010/main" spd="med">
-    <p:wipe dir="r"/>
-  </p:transition>
-</p:sld>
-</file>
-
-<file path=ppt/slides/slide50.xml><?xml version="1.0" encoding="utf-8"?>
-<p:sld xmlns:a="http://schemas.openxmlformats.org/drawingml/2006/main" xmlns:r="http://schemas.openxmlformats.org/officeDocument/2006/relationships" xmlns:p="http://schemas.openxmlformats.org/presentationml/2006/main">
-  <p:cSld>
-    <p:spTree>
-      <p:nvGrpSpPr>
-        <p:cNvPr id="1" name=""/>
-        <p:cNvGrpSpPr/>
-        <p:nvPr/>
-      </p:nvGrpSpPr>
-      <p:grpSpPr>
-        <a:xfrm>
-          <a:off x="0" y="0"/>
-          <a:ext cx="0" cy="0"/>
-          <a:chOff x="0" y="0"/>
-          <a:chExt cx="0" cy="0"/>
-        </a:xfrm>
-      </p:grpSpPr>
-      <p:sp>
-        <p:nvSpPr>
-          <p:cNvPr id="2" name="Title 1"/>
-          <p:cNvSpPr>
-            <a:spLocks noGrp="1"/>
-          </p:cNvSpPr>
-          <p:nvPr>
-            <p:ph type="title"/>
-          </p:nvPr>
-        </p:nvSpPr>
-        <p:spPr/>
-        <p:txBody>
-          <a:bodyPr/>
-          <a:lstStyle/>
-          <a:p>
-            <a:r>
-              <a:rPr lang="en-US" dirty="0" smtClean="0"/>
-              <a:t>Design risk assessment</a:t>
-            </a:r>
-            <a:endParaRPr lang="en-US" dirty="0"/>
-          </a:p>
-        </p:txBody>
-      </p:sp>
-      <p:sp>
-        <p:nvSpPr>
-          <p:cNvPr id="4" name="Date Placeholder 3"/>
-          <p:cNvSpPr>
-            <a:spLocks noGrp="1"/>
-          </p:cNvSpPr>
-          <p:nvPr>
-            <p:ph type="dt" sz="half" idx="10"/>
-          </p:nvPr>
-        </p:nvSpPr>
-        <p:spPr/>
-        <p:txBody>
-          <a:bodyPr/>
-          <a:lstStyle/>
-          <a:p>
-            <a:r>
-              <a:rPr lang="en-GB" smtClean="0"/>
-              <a:t>12/11/2014</a:t>
-            </a:r>
-            <a:endParaRPr lang="en-US"/>
-          </a:p>
-        </p:txBody>
-      </p:sp>
-      <p:sp>
-        <p:nvSpPr>
-          <p:cNvPr id="5" name="Footer Placeholder 4"/>
-          <p:cNvSpPr>
-            <a:spLocks noGrp="1"/>
-          </p:cNvSpPr>
-          <p:nvPr>
-            <p:ph type="ftr" sz="quarter" idx="11"/>
-          </p:nvPr>
-        </p:nvSpPr>
-        <p:spPr/>
-        <p:txBody>
-          <a:bodyPr/>
-          <a:lstStyle/>
-          <a:p>
-            <a:r>
-              <a:rPr lang="en-US" smtClean="0"/>
-              <a:t>Chapter 13 Security Engineering</a:t>
-            </a:r>
-            <a:endParaRPr lang="en-US"/>
-          </a:p>
-        </p:txBody>
-      </p:sp>
-      <p:sp>
-        <p:nvSpPr>
-          <p:cNvPr id="6" name="Slide Number Placeholder 5"/>
-          <p:cNvSpPr>
-            <a:spLocks noGrp="1"/>
-          </p:cNvSpPr>
-          <p:nvPr>
-            <p:ph type="sldNum" sz="quarter" idx="12"/>
-          </p:nvPr>
-        </p:nvSpPr>
-        <p:spPr/>
-        <p:txBody>
-          <a:bodyPr/>
-          <a:lstStyle/>
-          <a:p>
-            <a:fld id="{C0AF272E-47EF-6349-88BF-E15B24383BFC}" type="slidenum">
-              <a:rPr lang="en-US" smtClean="0"/>
-              <a:pPr/>
-              <a:t>50</a:t>
             </a:fld>
             <a:endParaRPr lang="en-US"/>
           </a:p>
@@ -16238,7 +15285,336 @@
   <p:clrMapOvr>
     <a:masterClrMapping/>
   </p:clrMapOvr>
-  <p:transition xmlns:p14="http://schemas.microsoft.com/office/powerpoint/2010/main" spd="med">
+  <p:transition spd="med">
+    <p:wipe dir="r"/>
+  </p:transition>
+</p:sld>
+</file>
+
+<file path=ppt/slides/slide5.xml><?xml version="1.0" encoding="utf-8"?>
+<p:sld xmlns:a="http://schemas.openxmlformats.org/drawingml/2006/main" xmlns:r="http://schemas.openxmlformats.org/officeDocument/2006/relationships" xmlns:p="http://schemas.openxmlformats.org/presentationml/2006/main">
+  <p:cSld>
+    <p:spTree>
+      <p:nvGrpSpPr>
+        <p:cNvPr id="1" name=""/>
+        <p:cNvGrpSpPr/>
+        <p:nvPr/>
+      </p:nvGrpSpPr>
+      <p:grpSpPr>
+        <a:xfrm>
+          <a:off x="0" y="0"/>
+          <a:ext cx="0" cy="0"/>
+          <a:chOff x="0" y="0"/>
+          <a:chExt cx="0" cy="0"/>
+        </a:xfrm>
+      </p:grpSpPr>
+      <p:sp>
+        <p:nvSpPr>
+          <p:cNvPr id="2" name="Title 1"/>
+          <p:cNvSpPr>
+            <a:spLocks noGrp="1"/>
+          </p:cNvSpPr>
+          <p:nvPr>
+            <p:ph type="title"/>
+          </p:nvPr>
+        </p:nvSpPr>
+        <p:spPr/>
+        <p:txBody>
+          <a:bodyPr/>
+          <a:lstStyle/>
+          <a:p>
+            <a:r>
+              <a:rPr lang="en-US" dirty="0"/>
+              <a:t>Security levels</a:t>
+            </a:r>
+          </a:p>
+        </p:txBody>
+      </p:sp>
+      <p:sp>
+        <p:nvSpPr>
+          <p:cNvPr id="3" name="Content Placeholder 2"/>
+          <p:cNvSpPr>
+            <a:spLocks noGrp="1"/>
+          </p:cNvSpPr>
+          <p:nvPr>
+            <p:ph idx="1"/>
+          </p:nvPr>
+        </p:nvSpPr>
+        <p:spPr/>
+        <p:txBody>
+          <a:bodyPr/>
+          <a:lstStyle/>
+          <a:p>
+            <a:r>
+              <a:rPr lang="en-US" dirty="0"/>
+              <a:t>Infrastructure security, which is concerned with maintaining the security of all systems and networks that provide an infrastructure and a set of shared services to the organization. </a:t>
+            </a:r>
+            <a:endParaRPr lang="en-GB" dirty="0"/>
+          </a:p>
+          <a:p>
+            <a:r>
+              <a:rPr lang="en-US" dirty="0"/>
+              <a:t>Application security, which is concerned with the security of individual application systems or related groups of systems.</a:t>
+            </a:r>
+            <a:endParaRPr lang="en-GB" dirty="0"/>
+          </a:p>
+          <a:p>
+            <a:r>
+              <a:rPr lang="en-US" dirty="0"/>
+              <a:t>Operational security, which is concerned with the secure operation and use of the organization’s systems.</a:t>
+            </a:r>
+            <a:endParaRPr lang="en-GB" dirty="0"/>
+          </a:p>
+          <a:p>
+            <a:endParaRPr lang="en-US" dirty="0"/>
+          </a:p>
+        </p:txBody>
+      </p:sp>
+      <p:sp>
+        <p:nvSpPr>
+          <p:cNvPr id="4" name="Date Placeholder 3"/>
+          <p:cNvSpPr>
+            <a:spLocks noGrp="1"/>
+          </p:cNvSpPr>
+          <p:nvPr>
+            <p:ph type="dt" sz="half" idx="10"/>
+          </p:nvPr>
+        </p:nvSpPr>
+        <p:spPr/>
+        <p:txBody>
+          <a:bodyPr/>
+          <a:lstStyle/>
+          <a:p>
+            <a:r>
+              <a:rPr lang="en-GB"/>
+              <a:t>12/11/2014</a:t>
+            </a:r>
+            <a:endParaRPr lang="en-US"/>
+          </a:p>
+        </p:txBody>
+      </p:sp>
+      <p:sp>
+        <p:nvSpPr>
+          <p:cNvPr id="5" name="Footer Placeholder 4"/>
+          <p:cNvSpPr>
+            <a:spLocks noGrp="1"/>
+          </p:cNvSpPr>
+          <p:nvPr>
+            <p:ph type="ftr" sz="quarter" idx="11"/>
+          </p:nvPr>
+        </p:nvSpPr>
+        <p:spPr/>
+        <p:txBody>
+          <a:bodyPr/>
+          <a:lstStyle/>
+          <a:p>
+            <a:r>
+              <a:rPr lang="en-US"/>
+              <a:t>Chapter 13 Security Engineering</a:t>
+            </a:r>
+          </a:p>
+        </p:txBody>
+      </p:sp>
+      <p:sp>
+        <p:nvSpPr>
+          <p:cNvPr id="6" name="Slide Number Placeholder 5"/>
+          <p:cNvSpPr>
+            <a:spLocks noGrp="1"/>
+          </p:cNvSpPr>
+          <p:nvPr>
+            <p:ph type="sldNum" sz="quarter" idx="12"/>
+          </p:nvPr>
+        </p:nvSpPr>
+        <p:spPr/>
+        <p:txBody>
+          <a:bodyPr/>
+          <a:lstStyle/>
+          <a:p>
+            <a:fld id="{C0AF272E-47EF-6349-88BF-E15B24383BFC}" type="slidenum">
+              <a:rPr lang="en-US" smtClean="0"/>
+              <a:pPr/>
+              <a:t>5</a:t>
+            </a:fld>
+            <a:endParaRPr lang="en-US"/>
+          </a:p>
+        </p:txBody>
+      </p:sp>
+    </p:spTree>
+    <p:extLst>
+      <p:ext uri="{BB962C8B-B14F-4D97-AF65-F5344CB8AC3E}">
+        <p14:creationId xmlns:p14="http://schemas.microsoft.com/office/powerpoint/2010/main" val="1449176530"/>
+      </p:ext>
+    </p:extLst>
+  </p:cSld>
+  <p:clrMapOvr>
+    <a:masterClrMapping/>
+  </p:clrMapOvr>
+  <p:transition spd="med">
+    <p:wipe dir="r"/>
+  </p:transition>
+</p:sld>
+</file>
+
+<file path=ppt/slides/slide50.xml><?xml version="1.0" encoding="utf-8"?>
+<p:sld xmlns:a="http://schemas.openxmlformats.org/drawingml/2006/main" xmlns:r="http://schemas.openxmlformats.org/officeDocument/2006/relationships" xmlns:p="http://schemas.openxmlformats.org/presentationml/2006/main">
+  <p:cSld>
+    <p:spTree>
+      <p:nvGrpSpPr>
+        <p:cNvPr id="1" name=""/>
+        <p:cNvGrpSpPr/>
+        <p:nvPr/>
+      </p:nvGrpSpPr>
+      <p:grpSpPr>
+        <a:xfrm>
+          <a:off x="0" y="0"/>
+          <a:ext cx="0" cy="0"/>
+          <a:chOff x="0" y="0"/>
+          <a:chExt cx="0" cy="0"/>
+        </a:xfrm>
+      </p:grpSpPr>
+      <p:sp>
+        <p:nvSpPr>
+          <p:cNvPr id="2" name="Title 1"/>
+          <p:cNvSpPr>
+            <a:spLocks noGrp="1"/>
+          </p:cNvSpPr>
+          <p:nvPr>
+            <p:ph type="title"/>
+          </p:nvPr>
+        </p:nvSpPr>
+        <p:spPr/>
+        <p:txBody>
+          <a:bodyPr/>
+          <a:lstStyle/>
+          <a:p>
+            <a:r>
+              <a:rPr lang="en-US" dirty="0"/>
+              <a:t>Protection requirements</a:t>
+            </a:r>
+          </a:p>
+        </p:txBody>
+      </p:sp>
+      <p:sp>
+        <p:nvSpPr>
+          <p:cNvPr id="3" name="Content Placeholder 2"/>
+          <p:cNvSpPr>
+            <a:spLocks noGrp="1"/>
+          </p:cNvSpPr>
+          <p:nvPr>
+            <p:ph idx="1"/>
+          </p:nvPr>
+        </p:nvSpPr>
+        <p:spPr/>
+        <p:txBody>
+          <a:bodyPr/>
+          <a:lstStyle/>
+          <a:p>
+            <a:r>
+              <a:rPr lang="en-US" dirty="0"/>
+              <a:t>Protection requirements may be generated when knowledge of information representation and system distribution</a:t>
+            </a:r>
+          </a:p>
+          <a:p>
+            <a:r>
+              <a:rPr lang="en-US" dirty="0"/>
+              <a:t>Separating patient and treatment information limits the amount of information (personal patient data) that needs to be protected</a:t>
+            </a:r>
+          </a:p>
+          <a:p>
+            <a:r>
+              <a:rPr lang="en-US" dirty="0"/>
+              <a:t>Maintaining copies of records on a local client protects against denial of service attacks on the server</a:t>
+            </a:r>
+          </a:p>
+          <a:p>
+            <a:pPr lvl="1"/>
+            <a:r>
+              <a:rPr lang="en-US" dirty="0"/>
+              <a:t>But these may need to be encrypted</a:t>
+            </a:r>
+          </a:p>
+        </p:txBody>
+      </p:sp>
+      <p:sp>
+        <p:nvSpPr>
+          <p:cNvPr id="4" name="Date Placeholder 3"/>
+          <p:cNvSpPr>
+            <a:spLocks noGrp="1"/>
+          </p:cNvSpPr>
+          <p:nvPr>
+            <p:ph type="dt" sz="half" idx="10"/>
+          </p:nvPr>
+        </p:nvSpPr>
+        <p:spPr/>
+        <p:txBody>
+          <a:bodyPr/>
+          <a:lstStyle/>
+          <a:p>
+            <a:r>
+              <a:rPr lang="en-GB"/>
+              <a:t>12/11/2014</a:t>
+            </a:r>
+            <a:endParaRPr lang="en-US"/>
+          </a:p>
+        </p:txBody>
+      </p:sp>
+      <p:sp>
+        <p:nvSpPr>
+          <p:cNvPr id="5" name="Footer Placeholder 4"/>
+          <p:cNvSpPr>
+            <a:spLocks noGrp="1"/>
+          </p:cNvSpPr>
+          <p:nvPr>
+            <p:ph type="ftr" sz="quarter" idx="11"/>
+          </p:nvPr>
+        </p:nvSpPr>
+        <p:spPr/>
+        <p:txBody>
+          <a:bodyPr/>
+          <a:lstStyle/>
+          <a:p>
+            <a:r>
+              <a:rPr lang="en-US"/>
+              <a:t>Chapter 13 Security Engineering</a:t>
+            </a:r>
+          </a:p>
+        </p:txBody>
+      </p:sp>
+      <p:sp>
+        <p:nvSpPr>
+          <p:cNvPr id="6" name="Slide Number Placeholder 5"/>
+          <p:cNvSpPr>
+            <a:spLocks noGrp="1"/>
+          </p:cNvSpPr>
+          <p:nvPr>
+            <p:ph type="sldNum" sz="quarter" idx="12"/>
+          </p:nvPr>
+        </p:nvSpPr>
+        <p:spPr/>
+        <p:txBody>
+          <a:bodyPr/>
+          <a:lstStyle/>
+          <a:p>
+            <a:fld id="{C0AF272E-47EF-6349-88BF-E15B24383BFC}" type="slidenum">
+              <a:rPr lang="en-US" smtClean="0"/>
+              <a:pPr/>
+              <a:t>50</a:t>
+            </a:fld>
+            <a:endParaRPr lang="en-US"/>
+          </a:p>
+        </p:txBody>
+      </p:sp>
+    </p:spTree>
+    <p:extLst>
+      <p:ext uri="{BB962C8B-B14F-4D97-AF65-F5344CB8AC3E}">
+        <p14:creationId xmlns:p14="http://schemas.microsoft.com/office/powerpoint/2010/main" val="728526111"/>
+      </p:ext>
+    </p:extLst>
+  </p:cSld>
+  <p:clrMapOvr>
+    <a:masterClrMapping/>
+  </p:clrMapOvr>
+  <p:transition spd="med">
     <p:wipe dir="r"/>
   </p:transition>
 </p:sld>
@@ -16277,10 +15653,9 @@
           <a:lstStyle/>
           <a:p>
             <a:r>
-              <a:rPr lang="en-US" dirty="0" smtClean="0"/>
+              <a:rPr lang="en-US" dirty="0"/>
               <a:t>Design decisions from use of COTS</a:t>
             </a:r>
-            <a:endParaRPr lang="en-US" dirty="0"/>
           </a:p>
         </p:txBody>
       </p:sp>
@@ -16334,10 +15709,9 @@
           <a:lstStyle/>
           <a:p>
             <a:r>
-              <a:rPr lang="en-US" smtClean="0"/>
+              <a:rPr lang="en-US"/>
               <a:t>Chapter 13 Security Engineering</a:t>
             </a:r>
-            <a:endParaRPr lang="en-US"/>
           </a:p>
         </p:txBody>
       </p:sp>
@@ -16381,7 +15755,7 @@
           <a:lstStyle/>
           <a:p>
             <a:r>
-              <a:rPr lang="en-GB" smtClean="0"/>
+              <a:rPr lang="en-GB"/>
               <a:t>12/11/2014</a:t>
             </a:r>
             <a:endParaRPr lang="en-US"/>
@@ -16393,16 +15767,9 @@
   <p:clrMapOvr>
     <a:masterClrMapping/>
   </p:clrMapOvr>
-  <p:transition xmlns:p14="http://schemas.microsoft.com/office/powerpoint/2010/main" spd="med">
+  <p:transition spd="med">
     <p:wipe dir="r"/>
   </p:transition>
-  <p:timing>
-    <p:tnLst>
-      <p:par>
-        <p:cTn xmlns:p14="http://schemas.microsoft.com/office/powerpoint/2010/main" id="1" dur="indefinite" restart="never" nodeType="tmRoot"/>
-      </p:par>
-    </p:tnLst>
-  </p:timing>
 </p:sld>
 </file>
 
@@ -16439,15 +15806,11 @@
           <a:lstStyle/>
           <a:p>
             <a:r>
-              <a:rPr lang="en-US" dirty="0" smtClean="0"/>
-              <a:t>Vulnerabilities </a:t>
-            </a:r>
-            <a:r>
               <a:rPr lang="en-US" dirty="0"/>
-              <a:t>associated with technology choices</a:t>
-            </a:r>
-            <a:r>
-              <a:rPr lang="en-GB" dirty="0" smtClean="0"/>
+              <a:t>Vulnerabilities associated with technology choices</a:t>
+            </a:r>
+            <a:r>
+              <a:rPr lang="en-GB" dirty="0"/>
               <a:t> </a:t>
             </a:r>
             <a:endParaRPr lang="en-US" dirty="0"/>
@@ -16470,10 +15833,9 @@
           <a:lstStyle/>
           <a:p>
             <a:r>
-              <a:rPr lang="en-US" smtClean="0"/>
+              <a:rPr lang="en-US"/>
               <a:t>Chapter 13 Security Engineering</a:t>
             </a:r>
-            <a:endParaRPr lang="en-US"/>
           </a:p>
         </p:txBody>
       </p:sp>
@@ -16517,7 +15879,7 @@
           <a:lstStyle/>
           <a:p>
             <a:r>
-              <a:rPr lang="en-GB" smtClean="0"/>
+              <a:rPr lang="en-GB"/>
               <a:t>12/11/2014</a:t>
             </a:r>
             <a:endParaRPr lang="en-US"/>
@@ -16559,16 +15921,9 @@
   <p:clrMapOvr>
     <a:masterClrMapping/>
   </p:clrMapOvr>
-  <p:transition xmlns:p14="http://schemas.microsoft.com/office/powerpoint/2010/main" spd="med">
+  <p:transition spd="med">
     <p:wipe dir="r"/>
   </p:transition>
-  <p:timing>
-    <p:tnLst>
-      <p:par>
-        <p:cTn xmlns:p14="http://schemas.microsoft.com/office/powerpoint/2010/main" id="1" dur="indefinite" restart="never" nodeType="tmRoot"/>
-      </p:par>
-    </p:tnLst>
-  </p:timing>
 </p:sld>
 </file>
 
@@ -16605,10 +15960,9 @@
           <a:lstStyle/>
           <a:p>
             <a:r>
-              <a:rPr lang="en-US" dirty="0" smtClean="0"/>
+              <a:rPr lang="en-US" dirty="0"/>
               <a:t>Security requirements</a:t>
             </a:r>
-            <a:endParaRPr lang="en-US" dirty="0"/>
           </a:p>
         </p:txBody>
       </p:sp>
@@ -16628,19 +15982,19 @@
           <a:lstStyle/>
           <a:p>
             <a:r>
-              <a:rPr lang="en-US" dirty="0" smtClean="0"/>
+              <a:rPr lang="en-US" dirty="0"/>
               <a:t>A password checker shall be made available and shall be run daily. Weak passwords shall be reported to system administrators.</a:t>
             </a:r>
           </a:p>
           <a:p>
             <a:r>
-              <a:rPr lang="en-US" dirty="0" smtClean="0"/>
+              <a:rPr lang="en-US" dirty="0"/>
               <a:t>Access to the system shall only be allowed by approved client computers.</a:t>
             </a:r>
           </a:p>
           <a:p>
             <a:r>
-              <a:rPr lang="en-US" dirty="0" smtClean="0"/>
+              <a:rPr lang="en-US" dirty="0"/>
               <a:t>All client computers shall have a single, approved web browser installed by system administrators.</a:t>
             </a:r>
           </a:p>
@@ -16662,10 +16016,9 @@
           <a:lstStyle/>
           <a:p>
             <a:r>
-              <a:rPr lang="en-US" smtClean="0"/>
+              <a:rPr lang="en-US"/>
               <a:t>Chapter 13 Security Engineering</a:t>
             </a:r>
-            <a:endParaRPr lang="en-US"/>
           </a:p>
         </p:txBody>
       </p:sp>
@@ -16709,7 +16062,7 @@
           <a:lstStyle/>
           <a:p>
             <a:r>
-              <a:rPr lang="en-GB" smtClean="0"/>
+              <a:rPr lang="en-GB"/>
               <a:t>12/11/2014</a:t>
             </a:r>
             <a:endParaRPr lang="en-US"/>
@@ -16721,7 +16074,7 @@
   <p:clrMapOvr>
     <a:masterClrMapping/>
   </p:clrMapOvr>
-  <p:transition xmlns:p14="http://schemas.microsoft.com/office/powerpoint/2010/main" spd="med">
+  <p:transition spd="med">
     <p:wipe dir="r"/>
   </p:transition>
 </p:sld>
@@ -16784,17 +16137,16 @@
           <a:lstStyle/>
           <a:p>
             <a:r>
-              <a:rPr lang="en-US" dirty="0" smtClean="0"/>
+              <a:rPr lang="en-US" dirty="0"/>
               <a:t>Two fundamental issues have to be considered when designing an architecture for security.</a:t>
             </a:r>
           </a:p>
           <a:p>
             <a:pPr lvl="1"/>
             <a:r>
-              <a:rPr lang="en-US" dirty="0" smtClean="0"/>
+              <a:rPr lang="en-US" dirty="0"/>
               <a:t>Protection</a:t>
             </a:r>
-            <a:endParaRPr lang="en-US" dirty="0"/>
           </a:p>
           <a:p>
             <a:pPr lvl="2"/>
@@ -16822,21 +16174,12 @@
             <a:pPr lvl="2"/>
             <a:r>
               <a:rPr lang="en-US" dirty="0"/>
-              <a:t>How should system assets be distributed so that the effects of a successful attack are </a:t>
-            </a:r>
-            <a:r>
-              <a:rPr lang="en-US" dirty="0" smtClean="0"/>
-              <a:t>minimized</a:t>
-            </a:r>
+              <a:t>How should system assets be distributed so that the effects of a successful attack are minimized?</a:t>
+            </a:r>
+          </a:p>
+          <a:p>
             <a:r>
               <a:rPr lang="en-US" dirty="0"/>
-              <a:t>?</a:t>
-            </a:r>
-            <a:endParaRPr lang="en-US" dirty="0" smtClean="0"/>
-          </a:p>
-          <a:p>
-            <a:r>
-              <a:rPr lang="en-US" dirty="0" smtClean="0"/>
               <a:t>These are potentially conflicting</a:t>
             </a:r>
           </a:p>
@@ -16844,13 +16187,8 @@
             <a:pPr lvl="1"/>
             <a:r>
               <a:rPr lang="en-US" dirty="0"/>
-              <a:t>If assets are distributed, then they are more expensive to protect</a:t>
-            </a:r>
-            <a:r>
-              <a:rPr lang="en-US" dirty="0" smtClean="0"/>
-              <a:t>. If assets are protected, then usability and performance requirements may be compromised.</a:t>
-            </a:r>
-            <a:endParaRPr lang="en-US" dirty="0"/>
+              <a:t>If assets are distributed, then they are more expensive to protect. If assets are protected, then usability and performance requirements may be compromised.</a:t>
+            </a:r>
           </a:p>
         </p:txBody>
       </p:sp>
@@ -16870,10 +16208,9 @@
           <a:lstStyle/>
           <a:p>
             <a:r>
-              <a:rPr lang="en-US" smtClean="0"/>
+              <a:rPr lang="en-US"/>
               <a:t>Chapter 13 Security Engineering</a:t>
             </a:r>
-            <a:endParaRPr lang="en-US"/>
           </a:p>
         </p:txBody>
       </p:sp>
@@ -16917,7 +16254,7 @@
           <a:lstStyle/>
           <a:p>
             <a:r>
-              <a:rPr lang="en-GB" smtClean="0"/>
+              <a:rPr lang="en-GB"/>
               <a:t>12/11/2014</a:t>
             </a:r>
             <a:endParaRPr lang="en-US"/>
@@ -16929,16 +16266,9 @@
   <p:clrMapOvr>
     <a:masterClrMapping/>
   </p:clrMapOvr>
-  <p:transition xmlns:p14="http://schemas.microsoft.com/office/powerpoint/2010/main" spd="med">
+  <p:transition spd="med">
     <p:wipe dir="r"/>
   </p:transition>
-  <p:timing>
-    <p:tnLst>
-      <p:par>
-        <p:cTn xmlns:p14="http://schemas.microsoft.com/office/powerpoint/2010/main" id="1" dur="indefinite" restart="never" nodeType="tmRoot"/>
-      </p:par>
-    </p:tnLst>
-  </p:timing>
 </p:sld>
 </file>
 
@@ -16998,60 +16328,47 @@
           <a:p>
             <a:r>
               <a:rPr lang="en-US" dirty="0"/>
-              <a:t>Platform-level </a:t>
-            </a:r>
-            <a:r>
-              <a:rPr lang="en-US" dirty="0" smtClean="0"/>
-              <a:t>protection</a:t>
+              <a:t>Platform-level protection</a:t>
             </a:r>
           </a:p>
           <a:p>
             <a:pPr lvl="1"/>
             <a:r>
-              <a:rPr lang="en-US" dirty="0" smtClean="0"/>
+              <a:rPr lang="en-US" dirty="0"/>
               <a:t>Top-level controls on the platform on which a system runs.</a:t>
             </a:r>
           </a:p>
           <a:p>
             <a:r>
               <a:rPr lang="en-US" dirty="0"/>
-              <a:t>Application-level </a:t>
-            </a:r>
-            <a:r>
-              <a:rPr lang="en-US" dirty="0" smtClean="0"/>
-              <a:t>protection</a:t>
+              <a:t>Application-level protection</a:t>
             </a:r>
           </a:p>
           <a:p>
             <a:pPr lvl="1"/>
             <a:r>
-              <a:rPr lang="en-US" dirty="0" smtClean="0"/>
+              <a:rPr lang="en-US" dirty="0"/>
               <a:t>Specific protection mechanisms built into the application itself e.g. additional password protection.</a:t>
             </a:r>
           </a:p>
           <a:p>
             <a:r>
               <a:rPr lang="en-US" dirty="0"/>
-              <a:t>Record-level </a:t>
-            </a:r>
-            <a:r>
-              <a:rPr lang="en-US" dirty="0" smtClean="0"/>
-              <a:t>protection</a:t>
+              <a:t>Record-level protection</a:t>
             </a:r>
           </a:p>
           <a:p>
             <a:pPr lvl="1"/>
             <a:r>
-              <a:rPr lang="en-US" dirty="0" smtClean="0"/>
+              <a:rPr lang="en-US" dirty="0"/>
               <a:t>Protection that is invoked when access to specific information is requested</a:t>
             </a:r>
           </a:p>
           <a:p>
             <a:r>
-              <a:rPr lang="en-US" dirty="0" smtClean="0"/>
+              <a:rPr lang="en-US" dirty="0"/>
               <a:t>These lead to a layered protection architecture</a:t>
             </a:r>
-            <a:endParaRPr lang="en-US" dirty="0"/>
           </a:p>
         </p:txBody>
       </p:sp>
@@ -17071,10 +16388,9 @@
           <a:lstStyle/>
           <a:p>
             <a:r>
-              <a:rPr lang="en-US" smtClean="0"/>
+              <a:rPr lang="en-US"/>
               <a:t>Chapter 13 Security Engineering</a:t>
             </a:r>
-            <a:endParaRPr lang="en-US"/>
           </a:p>
         </p:txBody>
       </p:sp>
@@ -17118,7 +16434,7 @@
           <a:lstStyle/>
           <a:p>
             <a:r>
-              <a:rPr lang="en-GB" smtClean="0"/>
+              <a:rPr lang="en-GB"/>
               <a:t>12/11/2014</a:t>
             </a:r>
             <a:endParaRPr lang="en-US"/>
@@ -17130,16 +16446,9 @@
   <p:clrMapOvr>
     <a:masterClrMapping/>
   </p:clrMapOvr>
-  <p:transition xmlns:p14="http://schemas.microsoft.com/office/powerpoint/2010/main" spd="med">
+  <p:transition spd="med">
     <p:wipe dir="r"/>
   </p:transition>
-  <p:timing>
-    <p:tnLst>
-      <p:par>
-        <p:cTn xmlns:p14="http://schemas.microsoft.com/office/powerpoint/2010/main" id="1" dur="indefinite" restart="never" nodeType="tmRoot"/>
-      </p:par>
-    </p:tnLst>
-  </p:timing>
 </p:sld>
 </file>
 
@@ -17176,12 +16485,8 @@
           <a:lstStyle/>
           <a:p>
             <a:r>
-              <a:rPr lang="en-US" dirty="0" smtClean="0"/>
-              <a:t>A </a:t>
-            </a:r>
-            <a:r>
               <a:rPr lang="en-US" dirty="0"/>
-              <a:t>layered protection architecture </a:t>
+              <a:t>A layered protection architecture </a:t>
             </a:r>
           </a:p>
         </p:txBody>
@@ -17202,10 +16507,9 @@
           <a:lstStyle/>
           <a:p>
             <a:r>
-              <a:rPr lang="en-US" smtClean="0"/>
+              <a:rPr lang="en-US"/>
               <a:t>Chapter 13 Security Engineering</a:t>
             </a:r>
-            <a:endParaRPr lang="en-US"/>
           </a:p>
         </p:txBody>
       </p:sp>
@@ -17249,7 +16553,7 @@
           <a:lstStyle/>
           <a:p>
             <a:r>
-              <a:rPr lang="en-GB" smtClean="0"/>
+              <a:rPr lang="en-GB"/>
               <a:t>12/11/2014</a:t>
             </a:r>
             <a:endParaRPr lang="en-US"/>
@@ -17291,16 +16595,9 @@
   <p:clrMapOvr>
     <a:masterClrMapping/>
   </p:clrMapOvr>
-  <p:transition xmlns:p14="http://schemas.microsoft.com/office/powerpoint/2010/main" spd="med">
+  <p:transition spd="med">
     <p:wipe dir="r"/>
   </p:transition>
-  <p:timing>
-    <p:tnLst>
-      <p:par>
-        <p:cTn xmlns:p14="http://schemas.microsoft.com/office/powerpoint/2010/main" id="1" dur="indefinite" restart="never" nodeType="tmRoot"/>
-      </p:par>
-    </p:tnLst>
-  </p:timing>
 </p:sld>
 </file>
 
@@ -17337,10 +16634,9 @@
           <a:lstStyle/>
           <a:p>
             <a:r>
-              <a:rPr lang="en-US" dirty="0" smtClean="0"/>
+              <a:rPr lang="en-US" dirty="0"/>
               <a:t>Distribution</a:t>
             </a:r>
-            <a:endParaRPr lang="en-US" dirty="0"/>
           </a:p>
         </p:txBody>
       </p:sp>
@@ -17360,22 +16656,21 @@
           <a:lstStyle/>
           <a:p>
             <a:r>
-              <a:rPr lang="en-US" dirty="0" smtClean="0"/>
+              <a:rPr lang="en-US" dirty="0"/>
               <a:t>Distributing assets means that attacks on one system do not necessarily lead to complete loss of system service</a:t>
             </a:r>
           </a:p>
           <a:p>
             <a:r>
-              <a:rPr lang="en-US" dirty="0" smtClean="0"/>
+              <a:rPr lang="en-US" dirty="0"/>
               <a:t>Each platform has separate protection features and may be different from other platforms so that they do not share a common vulnerability</a:t>
             </a:r>
           </a:p>
           <a:p>
             <a:r>
-              <a:rPr lang="en-US" dirty="0" smtClean="0"/>
+              <a:rPr lang="en-US" dirty="0"/>
               <a:t>Distribution is particularly important if the risk of denial of service attacks is high</a:t>
             </a:r>
-            <a:endParaRPr lang="en-US" dirty="0"/>
           </a:p>
         </p:txBody>
       </p:sp>
@@ -17395,10 +16690,9 @@
           <a:lstStyle/>
           <a:p>
             <a:r>
-              <a:rPr lang="en-US" smtClean="0"/>
+              <a:rPr lang="en-US"/>
               <a:t>Chapter 13 Security Engineering</a:t>
             </a:r>
-            <a:endParaRPr lang="en-US"/>
           </a:p>
         </p:txBody>
       </p:sp>
@@ -17442,7 +16736,7 @@
           <a:lstStyle/>
           <a:p>
             <a:r>
-              <a:rPr lang="en-GB" smtClean="0"/>
+              <a:rPr lang="en-GB"/>
               <a:t>12/11/2014</a:t>
             </a:r>
             <a:endParaRPr lang="en-US"/>
@@ -17454,7 +16748,7 @@
   <p:clrMapOvr>
     <a:masterClrMapping/>
   </p:clrMapOvr>
-  <p:transition xmlns:p14="http://schemas.microsoft.com/office/powerpoint/2010/main" spd="med">
+  <p:transition spd="med">
     <p:wipe dir="r"/>
   </p:transition>
 </p:sld>
@@ -17498,15 +16792,11 @@
           <a:lstStyle/>
           <a:p>
             <a:r>
-              <a:rPr lang="en-US" dirty="0" smtClean="0"/>
-              <a:t>Distributed </a:t>
-            </a:r>
-            <a:r>
               <a:rPr lang="en-US" dirty="0"/>
-              <a:t>assets in an equity trading system</a:t>
-            </a:r>
-            <a:r>
-              <a:rPr lang="en-GB" dirty="0" smtClean="0"/>
+              <a:t>Distributed assets in an equity trading system</a:t>
+            </a:r>
+            <a:r>
+              <a:rPr lang="en-GB" dirty="0"/>
               <a:t> </a:t>
             </a:r>
             <a:endParaRPr lang="en-US" dirty="0"/>
@@ -17529,10 +16819,9 @@
           <a:lstStyle/>
           <a:p>
             <a:r>
-              <a:rPr lang="en-US" smtClean="0"/>
+              <a:rPr lang="en-US"/>
               <a:t>Chapter 13 Security Engineering</a:t>
             </a:r>
-            <a:endParaRPr lang="en-US"/>
           </a:p>
         </p:txBody>
       </p:sp>
@@ -17576,7 +16865,7 @@
           <a:lstStyle/>
           <a:p>
             <a:r>
-              <a:rPr lang="en-GB" smtClean="0"/>
+              <a:rPr lang="en-GB"/>
               <a:t>12/11/2014</a:t>
             </a:r>
             <a:endParaRPr lang="en-US"/>
@@ -17665,16 +16954,9 @@
   <p:clrMapOvr>
     <a:masterClrMapping/>
   </p:clrMapOvr>
-  <p:transition xmlns:p14="http://schemas.microsoft.com/office/powerpoint/2010/main" spd="med">
+  <p:transition spd="med">
     <p:wipe dir="r"/>
   </p:transition>
-  <p:timing>
-    <p:tnLst>
-      <p:par>
-        <p:cTn xmlns:p14="http://schemas.microsoft.com/office/powerpoint/2010/main" id="1" dur="indefinite" restart="never" nodeType="tmRoot"/>
-      </p:par>
-    </p:tnLst>
-  </p:timing>
 </p:sld>
 </file>
 
@@ -17712,13 +16994,8 @@
           <a:p>
             <a:r>
               <a:rPr lang="en-US" dirty="0"/>
-              <a:t>Design </a:t>
-            </a:r>
-            <a:r>
-              <a:rPr lang="en-US" dirty="0" smtClean="0"/>
-              <a:t>guidelines for security engineering</a:t>
-            </a:r>
-            <a:endParaRPr lang="en-US" dirty="0"/>
+              <a:t>Design guidelines for security engineering</a:t>
+            </a:r>
           </a:p>
         </p:txBody>
       </p:sp>
@@ -17752,30 +17029,21 @@
             <a:pPr lvl="1"/>
             <a:r>
               <a:rPr lang="en-US" dirty="0"/>
-              <a:t>They raise awareness of security issues in a software engineering team</a:t>
-            </a:r>
-            <a:r>
-              <a:rPr lang="en-US" dirty="0" smtClean="0"/>
-              <a:t>. Security is considered when design decisions are made.</a:t>
+              <a:t>They raise awareness of security issues in a software engineering team. Security is considered when design decisions are made.</a:t>
             </a:r>
           </a:p>
           <a:p>
             <a:pPr lvl="1"/>
             <a:r>
               <a:rPr lang="en-US" dirty="0"/>
-              <a:t>They can be used as the basis of a review checklist that is applied during the system validation process</a:t>
-            </a:r>
-            <a:r>
-              <a:rPr lang="en-US" dirty="0" smtClean="0"/>
-              <a:t>. </a:t>
-            </a:r>
-          </a:p>
-          <a:p>
-            <a:r>
-              <a:rPr lang="en-US" dirty="0" smtClean="0"/>
+              <a:t>They can be used as the basis of a review checklist that is applied during the system validation process. </a:t>
+            </a:r>
+          </a:p>
+          <a:p>
+            <a:r>
+              <a:rPr lang="en-US" dirty="0"/>
               <a:t>Design guidelines here are applicable during software specification and design</a:t>
             </a:r>
-            <a:endParaRPr lang="en-US" dirty="0"/>
           </a:p>
         </p:txBody>
       </p:sp>
@@ -17795,10 +17063,9 @@
           <a:lstStyle/>
           <a:p>
             <a:r>
-              <a:rPr lang="en-US" smtClean="0"/>
+              <a:rPr lang="en-US"/>
               <a:t>Chapter 13 Security Engineering</a:t>
             </a:r>
-            <a:endParaRPr lang="en-US"/>
           </a:p>
         </p:txBody>
       </p:sp>
@@ -17842,7 +17109,7 @@
           <a:lstStyle/>
           <a:p>
             <a:r>
-              <a:rPr lang="en-GB" smtClean="0"/>
+              <a:rPr lang="en-GB"/>
               <a:t>12/11/2014</a:t>
             </a:r>
             <a:endParaRPr lang="en-US"/>
@@ -17854,16 +17121,9 @@
   <p:clrMapOvr>
     <a:masterClrMapping/>
   </p:clrMapOvr>
-  <p:transition xmlns:p14="http://schemas.microsoft.com/office/powerpoint/2010/main" spd="med">
+  <p:transition spd="med">
     <p:wipe dir="r"/>
   </p:transition>
-  <p:timing>
-    <p:tnLst>
-      <p:par>
-        <p:cTn xmlns:p14="http://schemas.microsoft.com/office/powerpoint/2010/main" id="1" dur="indefinite" restart="never" nodeType="tmRoot"/>
-      </p:par>
-    </p:tnLst>
-  </p:timing>
 </p:sld>
 </file>
 
@@ -17900,15 +17160,11 @@
           <a:lstStyle/>
           <a:p>
             <a:r>
-              <a:rPr lang="en-US" dirty="0" smtClean="0"/>
-              <a:t>System </a:t>
-            </a:r>
-            <a:r>
               <a:rPr lang="en-US" dirty="0"/>
-              <a:t>layers where security may be compromised</a:t>
-            </a:r>
-            <a:r>
-              <a:rPr lang="en-GB" dirty="0" smtClean="0"/>
+              <a:t>System layers where security may be compromised</a:t>
+            </a:r>
+            <a:r>
+              <a:rPr lang="en-GB" dirty="0"/>
               <a:t> </a:t>
             </a:r>
             <a:endParaRPr lang="en-US" dirty="0"/>
@@ -17931,10 +17187,9 @@
           <a:lstStyle/>
           <a:p>
             <a:r>
-              <a:rPr lang="en-US" smtClean="0"/>
+              <a:rPr lang="en-US"/>
               <a:t>Chapter 13 Security Engineering</a:t>
             </a:r>
-            <a:endParaRPr lang="en-US"/>
           </a:p>
         </p:txBody>
       </p:sp>
@@ -17978,7 +17233,7 @@
           <a:lstStyle/>
           <a:p>
             <a:r>
-              <a:rPr lang="en-GB" smtClean="0"/>
+              <a:rPr lang="en-GB"/>
               <a:t>12/11/2014</a:t>
             </a:r>
             <a:endParaRPr lang="en-US"/>
@@ -18020,16 +17275,9 @@
   <p:clrMapOvr>
     <a:masterClrMapping/>
   </p:clrMapOvr>
-  <p:transition xmlns:p14="http://schemas.microsoft.com/office/powerpoint/2010/main" spd="med">
+  <p:transition spd="med">
     <p:wipe dir="r"/>
   </p:transition>
-  <p:timing>
-    <p:tnLst>
-      <p:par>
-        <p:cTn xmlns:p14="http://schemas.microsoft.com/office/powerpoint/2010/main" id="1" dur="indefinite" restart="never" nodeType="tmRoot"/>
-      </p:par>
-    </p:tnLst>
-  </p:timing>
 </p:sld>
 </file>
 
@@ -18066,15 +17314,11 @@
           <a:lstStyle/>
           <a:p>
             <a:r>
-              <a:rPr lang="en-US" dirty="0" smtClean="0"/>
-              <a:t>Design </a:t>
-            </a:r>
-            <a:r>
               <a:rPr lang="en-US" dirty="0"/>
-              <a:t>guidelines for secure systems engineering</a:t>
-            </a:r>
-            <a:r>
-              <a:rPr lang="en-GB" dirty="0" smtClean="0"/>
+              <a:t>Design guidelines for secure systems engineering</a:t>
+            </a:r>
+            <a:r>
+              <a:rPr lang="en-GB" dirty="0"/>
               <a:t> </a:t>
             </a:r>
             <a:endParaRPr lang="en-US" dirty="0"/>
@@ -18107,8 +17351,20 @@
                 <a:tableStyleId>{5C22544A-7EE6-4342-B048-85BDC9FD1C3A}</a:tableStyleId>
               </a:tblPr>
               <a:tblGrid>
-                <a:gridCol w="4351191"/>
-                <a:gridCol w="609450"/>
+                <a:gridCol w="4351191">
+                  <a:extLst>
+                    <a:ext uri="{9D8B030D-6E8A-4147-A177-3AD203B41FA5}">
+                      <a16:colId xmlns:a16="http://schemas.microsoft.com/office/drawing/2014/main" val="20000"/>
+                    </a:ext>
+                  </a:extLst>
+                </a:gridCol>
+                <a:gridCol w="609450">
+                  <a:extLst>
+                    <a:ext uri="{9D8B030D-6E8A-4147-A177-3AD203B41FA5}">
+                      <a16:colId xmlns:a16="http://schemas.microsoft.com/office/drawing/2014/main" val="20001"/>
+                    </a:ext>
+                  </a:extLst>
+                </a:gridCol>
               </a:tblGrid>
               <a:tr h="371788">
                 <a:tc gridSpan="2">
@@ -18146,6 +17402,11 @@
                   </a:txBody>
                   <a:tcPr/>
                 </a:tc>
+                <a:extLst>
+                  <a:ext uri="{0D108BD9-81ED-4DB2-BD59-A6C34878D82A}">
+                    <a16:rowId xmlns:a16="http://schemas.microsoft.com/office/drawing/2014/main" val="10000"/>
+                  </a:ext>
+                </a:extLst>
               </a:tr>
               <a:tr h="0">
                 <a:tc>
@@ -18170,27 +17431,8 @@
                           <a:ea typeface="Times New Roman"/>
                           <a:cs typeface="Arial"/>
                         </a:rPr>
-                        <a:t>Base security decisions on an explicit security </a:t>
+                        <a:t>Base security decisions on an explicit security policy</a:t>
                       </a:r>
-                      <a:r>
-                        <a:rPr lang="en-GB" sz="1400" dirty="0" smtClean="0">
-                          <a:solidFill>
-                            <a:srgbClr val="000000"/>
-                          </a:solidFill>
-                          <a:latin typeface="Arial"/>
-                          <a:ea typeface="Times New Roman"/>
-                          <a:cs typeface="Arial"/>
-                        </a:rPr>
-                        <a:t>policy</a:t>
-                      </a:r>
-                      <a:endParaRPr lang="en-GB" sz="1400" dirty="0">
-                        <a:solidFill>
-                          <a:srgbClr val="000000"/>
-                        </a:solidFill>
-                        <a:latin typeface="Arial"/>
-                        <a:ea typeface="Times New Roman"/>
-                        <a:cs typeface="Arial"/>
-                      </a:endParaRPr>
                     </a:p>
                   </a:txBody>
                   <a:tcPr marL="72000" marR="72000" marT="54000" marB="54000" anchor="ctr"/>
@@ -18214,6 +17456,11 @@
                   </a:txBody>
                   <a:tcPr marL="72000" marR="72000" marT="54000" marB="54000" anchor="ctr"/>
                 </a:tc>
+                <a:extLst>
+                  <a:ext uri="{0D108BD9-81ED-4DB2-BD59-A6C34878D82A}">
+                    <a16:rowId xmlns:a16="http://schemas.microsoft.com/office/drawing/2014/main" val="10001"/>
+                  </a:ext>
+                </a:extLst>
               </a:tr>
               <a:tr h="0">
                 <a:tc>
@@ -18266,6 +17513,11 @@
                   </a:txBody>
                   <a:tcPr marL="72000" marR="72000" marT="54000" marB="54000" anchor="ctr"/>
                 </a:tc>
+                <a:extLst>
+                  <a:ext uri="{0D108BD9-81ED-4DB2-BD59-A6C34878D82A}">
+                    <a16:rowId xmlns:a16="http://schemas.microsoft.com/office/drawing/2014/main" val="10002"/>
+                  </a:ext>
+                </a:extLst>
               </a:tr>
               <a:tr h="0">
                 <a:tc>
@@ -18318,6 +17570,11 @@
                   </a:txBody>
                   <a:tcPr marL="72000" marR="72000" marT="54000" marB="54000" anchor="ctr"/>
                 </a:tc>
+                <a:extLst>
+                  <a:ext uri="{0D108BD9-81ED-4DB2-BD59-A6C34878D82A}">
+                    <a16:rowId xmlns:a16="http://schemas.microsoft.com/office/drawing/2014/main" val="10003"/>
+                  </a:ext>
+                </a:extLst>
               </a:tr>
               <a:tr h="0">
                 <a:tc>
@@ -18370,6 +17627,11 @@
                   </a:txBody>
                   <a:tcPr marL="72000" marR="72000" marT="54000" marB="54000" anchor="ctr"/>
                 </a:tc>
+                <a:extLst>
+                  <a:ext uri="{0D108BD9-81ED-4DB2-BD59-A6C34878D82A}">
+                    <a16:rowId xmlns:a16="http://schemas.microsoft.com/office/drawing/2014/main" val="10004"/>
+                  </a:ext>
+                </a:extLst>
               </a:tr>
               <a:tr h="0">
                 <a:tc>
@@ -18422,6 +17684,11 @@
                   </a:txBody>
                   <a:tcPr marL="72000" marR="72000" marT="54000" marB="54000" anchor="ctr"/>
                 </a:tc>
+                <a:extLst>
+                  <a:ext uri="{0D108BD9-81ED-4DB2-BD59-A6C34878D82A}">
+                    <a16:rowId xmlns:a16="http://schemas.microsoft.com/office/drawing/2014/main" val="10005"/>
+                  </a:ext>
+                </a:extLst>
               </a:tr>
               <a:tr h="0">
                 <a:tc>
@@ -18474,6 +17741,11 @@
                   </a:txBody>
                   <a:tcPr marL="72000" marR="72000" marT="54000" marB="54000" anchor="ctr"/>
                 </a:tc>
+                <a:extLst>
+                  <a:ext uri="{0D108BD9-81ED-4DB2-BD59-A6C34878D82A}">
+                    <a16:rowId xmlns:a16="http://schemas.microsoft.com/office/drawing/2014/main" val="10006"/>
+                  </a:ext>
+                </a:extLst>
               </a:tr>
               <a:tr h="0">
                 <a:tc>
@@ -18490,7 +17762,7 @@
                         </a:spcAft>
                       </a:pPr>
                       <a:r>
-                        <a:rPr lang="en-GB" sz="1400" dirty="0" smtClean="0">
+                        <a:rPr lang="en-GB" sz="1400" dirty="0">
                           <a:solidFill>
                             <a:srgbClr val="000000"/>
                           </a:solidFill>
@@ -18501,7 +17773,7 @@
                         <a:t>Specify the format of</a:t>
                       </a:r>
                       <a:r>
-                        <a:rPr lang="en-GB" sz="1400" baseline="0" dirty="0" smtClean="0">
+                        <a:rPr lang="en-GB" sz="1400" baseline="0" dirty="0">
                           <a:solidFill>
                             <a:srgbClr val="000000"/>
                           </a:solidFill>
@@ -18545,6 +17817,11 @@
                   </a:txBody>
                   <a:tcPr marL="72000" marR="72000" marT="54000" marB="54000" anchor="ctr"/>
                 </a:tc>
+                <a:extLst>
+                  <a:ext uri="{0D108BD9-81ED-4DB2-BD59-A6C34878D82A}">
+                    <a16:rowId xmlns:a16="http://schemas.microsoft.com/office/drawing/2014/main" val="10007"/>
+                  </a:ext>
+                </a:extLst>
               </a:tr>
               <a:tr h="0">
                 <a:tc>
@@ -18597,6 +17874,11 @@
                   </a:txBody>
                   <a:tcPr marL="72000" marR="72000" marT="54000" marB="54000" anchor="ctr"/>
                 </a:tc>
+                <a:extLst>
+                  <a:ext uri="{0D108BD9-81ED-4DB2-BD59-A6C34878D82A}">
+                    <a16:rowId xmlns:a16="http://schemas.microsoft.com/office/drawing/2014/main" val="10008"/>
+                  </a:ext>
+                </a:extLst>
               </a:tr>
               <a:tr h="0">
                 <a:tc>
@@ -18649,6 +17931,11 @@
                   </a:txBody>
                   <a:tcPr marL="72000" marR="72000" marT="54000" marB="54000" anchor="ctr"/>
                 </a:tc>
+                <a:extLst>
+                  <a:ext uri="{0D108BD9-81ED-4DB2-BD59-A6C34878D82A}">
+                    <a16:rowId xmlns:a16="http://schemas.microsoft.com/office/drawing/2014/main" val="10009"/>
+                  </a:ext>
+                </a:extLst>
               </a:tr>
               <a:tr h="0">
                 <a:tc>
@@ -18701,6 +17988,11 @@
                   </a:txBody>
                   <a:tcPr marL="72000" marR="72000" marT="54000" marB="54000" anchor="ctr"/>
                 </a:tc>
+                <a:extLst>
+                  <a:ext uri="{0D108BD9-81ED-4DB2-BD59-A6C34878D82A}">
+                    <a16:rowId xmlns:a16="http://schemas.microsoft.com/office/drawing/2014/main" val="10010"/>
+                  </a:ext>
+                </a:extLst>
               </a:tr>
             </a:tbl>
           </a:graphicData>
@@ -18722,10 +18014,9 @@
           <a:lstStyle/>
           <a:p>
             <a:r>
-              <a:rPr lang="en-US" smtClean="0"/>
+              <a:rPr lang="en-US"/>
               <a:t>Chapter 13 Security Engineering</a:t>
             </a:r>
-            <a:endParaRPr lang="en-US"/>
           </a:p>
         </p:txBody>
       </p:sp>
@@ -18769,7 +18060,7 @@
           <a:lstStyle/>
           <a:p>
             <a:r>
-              <a:rPr lang="en-GB" smtClean="0"/>
+              <a:rPr lang="en-GB"/>
               <a:t>12/11/2014</a:t>
             </a:r>
             <a:endParaRPr lang="en-US"/>
@@ -18781,16 +18072,9 @@
   <p:clrMapOvr>
     <a:masterClrMapping/>
   </p:clrMapOvr>
-  <p:transition xmlns:p14="http://schemas.microsoft.com/office/powerpoint/2010/main" spd="med">
+  <p:transition spd="med">
     <p:wipe dir="r"/>
   </p:transition>
-  <p:timing>
-    <p:tnLst>
-      <p:par>
-        <p:cTn xmlns:p14="http://schemas.microsoft.com/office/powerpoint/2010/main" id="1" dur="indefinite" restart="never" nodeType="tmRoot"/>
-      </p:par>
-    </p:tnLst>
-  </p:timing>
 </p:sld>
 </file>
 
@@ -18827,10 +18111,9 @@
           <a:lstStyle/>
           <a:p>
             <a:r>
-              <a:rPr lang="en-US" dirty="0" smtClean="0"/>
+              <a:rPr lang="en-US" dirty="0"/>
               <a:t>Design guidelines 1-3</a:t>
             </a:r>
-            <a:endParaRPr lang="en-US" dirty="0"/>
           </a:p>
         </p:txBody>
       </p:sp>
@@ -18850,43 +18133,42 @@
           <a:lstStyle/>
           <a:p>
             <a:r>
-              <a:rPr lang="en-US" dirty="0" smtClean="0"/>
+              <a:rPr lang="en-US" dirty="0"/>
               <a:t>Base decisions on an explicit security policy</a:t>
             </a:r>
           </a:p>
           <a:p>
             <a:pPr lvl="1"/>
             <a:r>
-              <a:rPr lang="en-US" dirty="0" smtClean="0"/>
+              <a:rPr lang="en-US" dirty="0"/>
               <a:t>Define a security policy for the organization that sets out the fundamental security requirements that should apply to all organizational systems.</a:t>
             </a:r>
           </a:p>
           <a:p>
             <a:r>
-              <a:rPr lang="en-US" dirty="0" smtClean="0"/>
+              <a:rPr lang="en-US" dirty="0"/>
               <a:t>Avoid a single point of failure</a:t>
             </a:r>
           </a:p>
           <a:p>
             <a:pPr lvl="1"/>
             <a:r>
-              <a:rPr lang="en-US" dirty="0" smtClean="0"/>
+              <a:rPr lang="en-US" dirty="0"/>
               <a:t>Ensure that a security failure can only result when there is more than one failure in security procedures. For example, have password and question-based authentication.</a:t>
             </a:r>
           </a:p>
           <a:p>
             <a:r>
-              <a:rPr lang="en-US" dirty="0" smtClean="0"/>
+              <a:rPr lang="en-US" dirty="0"/>
               <a:t>Fail securely</a:t>
             </a:r>
           </a:p>
           <a:p>
             <a:pPr lvl="1"/>
             <a:r>
-              <a:rPr lang="en-US" dirty="0" smtClean="0"/>
+              <a:rPr lang="en-US" dirty="0"/>
               <a:t>When systems fail, for whatever reason, ensure that sensitive information cannot be accessed by unauthorized users even although normal security procedures are unavailable.</a:t>
             </a:r>
-            <a:endParaRPr lang="en-US" dirty="0"/>
           </a:p>
         </p:txBody>
       </p:sp>
@@ -18906,10 +18188,9 @@
           <a:lstStyle/>
           <a:p>
             <a:r>
-              <a:rPr lang="en-US" smtClean="0"/>
+              <a:rPr lang="en-US"/>
               <a:t>Chapter 13 Security Engineering</a:t>
             </a:r>
-            <a:endParaRPr lang="en-US"/>
           </a:p>
         </p:txBody>
       </p:sp>
@@ -18953,7 +18234,7 @@
           <a:lstStyle/>
           <a:p>
             <a:r>
-              <a:rPr lang="en-GB" smtClean="0"/>
+              <a:rPr lang="en-GB"/>
               <a:t>12/11/2014</a:t>
             </a:r>
             <a:endParaRPr lang="en-US"/>
@@ -18965,16 +18246,9 @@
   <p:clrMapOvr>
     <a:masterClrMapping/>
   </p:clrMapOvr>
-  <p:transition xmlns:p14="http://schemas.microsoft.com/office/powerpoint/2010/main" spd="med">
+  <p:transition spd="med">
     <p:wipe dir="r"/>
   </p:transition>
-  <p:timing>
-    <p:tnLst>
-      <p:par>
-        <p:cTn xmlns:p14="http://schemas.microsoft.com/office/powerpoint/2010/main" id="1" dur="indefinite" restart="never" nodeType="tmRoot"/>
-      </p:par>
-    </p:tnLst>
-  </p:timing>
 </p:sld>
 </file>
 
@@ -19011,10 +18285,9 @@
           <a:lstStyle/>
           <a:p>
             <a:r>
-              <a:rPr lang="en-US" dirty="0" smtClean="0"/>
+              <a:rPr lang="en-US" dirty="0"/>
               <a:t>Design guidelines 4-6</a:t>
             </a:r>
-            <a:endParaRPr lang="en-US" dirty="0"/>
           </a:p>
         </p:txBody>
       </p:sp>
@@ -19034,43 +18307,42 @@
           <a:lstStyle/>
           <a:p>
             <a:r>
-              <a:rPr lang="en-US" dirty="0" smtClean="0"/>
+              <a:rPr lang="en-US" dirty="0"/>
               <a:t>Balance security and usability</a:t>
             </a:r>
           </a:p>
           <a:p>
             <a:pPr lvl="1"/>
             <a:r>
-              <a:rPr lang="en-US" dirty="0" smtClean="0"/>
+              <a:rPr lang="en-US" dirty="0"/>
               <a:t>Try to avoid security procedures that make the system difficult to use. Sometimes you have to accept weaker security to make the system more usable.</a:t>
             </a:r>
           </a:p>
           <a:p>
             <a:r>
-              <a:rPr lang="en-US" dirty="0" smtClean="0"/>
+              <a:rPr lang="en-US" dirty="0"/>
               <a:t>Log user actions</a:t>
             </a:r>
           </a:p>
           <a:p>
             <a:pPr lvl="1"/>
             <a:r>
-              <a:rPr lang="en-US" dirty="0" smtClean="0"/>
+              <a:rPr lang="en-US" dirty="0"/>
               <a:t>Maintain a log of user actions that can be analyzed to discover who did what. If users know about such a log, they are less likely to behave in an irresponsible way.</a:t>
             </a:r>
           </a:p>
           <a:p>
             <a:r>
-              <a:rPr lang="en-US" dirty="0" smtClean="0"/>
+              <a:rPr lang="en-US" dirty="0"/>
               <a:t>Use redundancy and diversity to reduce risk</a:t>
             </a:r>
           </a:p>
           <a:p>
             <a:pPr lvl="1"/>
             <a:r>
-              <a:rPr lang="en-US" dirty="0" smtClean="0"/>
+              <a:rPr lang="en-US" dirty="0"/>
               <a:t>Keep multiple copies of data and use diverse infrastructure so that an infrastructure vulnerability cannot be the single point of failure.</a:t>
             </a:r>
-            <a:endParaRPr lang="en-US" dirty="0"/>
           </a:p>
         </p:txBody>
       </p:sp>
@@ -19090,10 +18362,9 @@
           <a:lstStyle/>
           <a:p>
             <a:r>
-              <a:rPr lang="en-US" smtClean="0"/>
+              <a:rPr lang="en-US"/>
               <a:t>Chapter 13 Security Engineering</a:t>
             </a:r>
-            <a:endParaRPr lang="en-US"/>
           </a:p>
         </p:txBody>
       </p:sp>
@@ -19137,7 +18408,7 @@
           <a:lstStyle/>
           <a:p>
             <a:r>
-              <a:rPr lang="en-GB" smtClean="0"/>
+              <a:rPr lang="en-GB"/>
               <a:t>12/11/2014</a:t>
             </a:r>
             <a:endParaRPr lang="en-US"/>
@@ -19149,16 +18420,9 @@
   <p:clrMapOvr>
     <a:masterClrMapping/>
   </p:clrMapOvr>
-  <p:transition xmlns:p14="http://schemas.microsoft.com/office/powerpoint/2010/main" spd="med">
+  <p:transition spd="med">
     <p:wipe dir="r"/>
   </p:transition>
-  <p:timing>
-    <p:tnLst>
-      <p:par>
-        <p:cTn xmlns:p14="http://schemas.microsoft.com/office/powerpoint/2010/main" id="1" dur="indefinite" restart="never" nodeType="tmRoot"/>
-      </p:par>
-    </p:tnLst>
-  </p:timing>
 </p:sld>
 </file>
 
@@ -19195,10 +18459,9 @@
           <a:lstStyle/>
           <a:p>
             <a:r>
-              <a:rPr lang="en-US" dirty="0" smtClean="0"/>
+              <a:rPr lang="en-US" dirty="0"/>
               <a:t>Design guidelines 7-10</a:t>
             </a:r>
-            <a:endParaRPr lang="en-US" dirty="0"/>
           </a:p>
         </p:txBody>
       </p:sp>
@@ -19218,69 +18481,55 @@
           <a:lstStyle/>
           <a:p>
             <a:r>
-              <a:rPr lang="en-US" dirty="0" smtClean="0"/>
+              <a:rPr lang="en-US" dirty="0"/>
               <a:t>Specify the format of all system inputs</a:t>
             </a:r>
-            <a:endParaRPr lang="en-US" dirty="0" smtClean="0"/>
           </a:p>
           <a:p>
             <a:pPr lvl="1"/>
             <a:r>
-              <a:rPr lang="en-US" dirty="0" smtClean="0"/>
-              <a:t>If input formats are known then you can check </a:t>
-            </a:r>
-            <a:r>
-              <a:rPr lang="en-US" dirty="0" smtClean="0"/>
-              <a:t>that all inputs are within range so that unexpected inputs </a:t>
-            </a:r>
-            <a:r>
-              <a:rPr lang="en-US" dirty="0" smtClean="0"/>
-              <a:t>don’t cause </a:t>
-            </a:r>
-            <a:r>
-              <a:rPr lang="en-US" dirty="0" smtClean="0"/>
-              <a:t>problems.</a:t>
-            </a:r>
-          </a:p>
-          <a:p>
-            <a:r>
-              <a:rPr lang="en-US" dirty="0" smtClean="0"/>
+              <a:rPr lang="en-US" dirty="0"/>
+              <a:t>If input formats are known then you can check that all inputs are within range so that unexpected inputs don’t cause problems.</a:t>
+            </a:r>
+          </a:p>
+          <a:p>
+            <a:r>
+              <a:rPr lang="en-US" dirty="0"/>
               <a:t>Compartmentalize your assets</a:t>
             </a:r>
           </a:p>
           <a:p>
             <a:pPr lvl="1"/>
             <a:r>
-              <a:rPr lang="en-US" dirty="0" smtClean="0"/>
+              <a:rPr lang="en-US" dirty="0"/>
               <a:t>Organize the system so that assets are in separate areas and users only have access to the information that they need rather than all system information.</a:t>
             </a:r>
           </a:p>
           <a:p>
             <a:r>
-              <a:rPr lang="en-US" dirty="0" smtClean="0"/>
+              <a:rPr lang="en-US" dirty="0"/>
               <a:t>Design for deployment</a:t>
             </a:r>
           </a:p>
           <a:p>
             <a:pPr lvl="1"/>
             <a:r>
-              <a:rPr lang="en-US" dirty="0" smtClean="0"/>
+              <a:rPr lang="en-US" dirty="0"/>
               <a:t>Design the system to avoid deployment problems</a:t>
             </a:r>
           </a:p>
           <a:p>
             <a:r>
-              <a:rPr lang="en-US" dirty="0" smtClean="0"/>
+              <a:rPr lang="en-US" dirty="0"/>
               <a:t>Design for recoverability</a:t>
             </a:r>
           </a:p>
           <a:p>
             <a:pPr lvl="1"/>
             <a:r>
-              <a:rPr lang="en-US" dirty="0" smtClean="0"/>
+              <a:rPr lang="en-US" dirty="0"/>
               <a:t>Design the system to simplify recoverability after a successful attack.</a:t>
             </a:r>
-            <a:endParaRPr lang="en-US" dirty="0"/>
           </a:p>
         </p:txBody>
       </p:sp>
@@ -19300,10 +18549,9 @@
           <a:lstStyle/>
           <a:p>
             <a:r>
-              <a:rPr lang="en-US" smtClean="0"/>
+              <a:rPr lang="en-US"/>
               <a:t>Chapter 13 Security Engineering</a:t>
             </a:r>
-            <a:endParaRPr lang="en-US"/>
           </a:p>
         </p:txBody>
       </p:sp>
@@ -19347,7 +18595,7 @@
           <a:lstStyle/>
           <a:p>
             <a:r>
-              <a:rPr lang="en-GB" smtClean="0"/>
+              <a:rPr lang="en-GB"/>
               <a:t>12/11/2014</a:t>
             </a:r>
             <a:endParaRPr lang="en-US"/>
@@ -19359,16 +18607,9 @@
   <p:clrMapOvr>
     <a:masterClrMapping/>
   </p:clrMapOvr>
-  <p:transition xmlns:p14="http://schemas.microsoft.com/office/powerpoint/2010/main" spd="med">
+  <p:transition spd="med">
     <p:wipe dir="r"/>
   </p:transition>
-  <p:timing>
-    <p:tnLst>
-      <p:par>
-        <p:cTn xmlns:p14="http://schemas.microsoft.com/office/powerpoint/2010/main" id="1" dur="indefinite" restart="never" nodeType="tmRoot"/>
-      </p:par>
-    </p:tnLst>
-  </p:timing>
 </p:sld>
 </file>
 
@@ -19405,10 +18646,9 @@
           <a:lstStyle/>
           <a:p>
             <a:r>
-              <a:rPr lang="en-US" dirty="0" smtClean="0"/>
+              <a:rPr lang="en-US" dirty="0"/>
               <a:t>Secure systems programming</a:t>
             </a:r>
-            <a:endParaRPr lang="en-US" dirty="0"/>
           </a:p>
         </p:txBody>
       </p:sp>
@@ -19447,7 +18687,7 @@
           <a:lstStyle/>
           <a:p>
             <a:r>
-              <a:rPr lang="en-GB" smtClean="0"/>
+              <a:rPr lang="en-GB"/>
               <a:t>12/11/2014</a:t>
             </a:r>
             <a:endParaRPr lang="en-US"/>
@@ -19470,10 +18710,9 @@
           <a:lstStyle/>
           <a:p>
             <a:r>
-              <a:rPr lang="en-US" smtClean="0"/>
+              <a:rPr lang="en-US"/>
               <a:t>Chapter 13 Security Engineering</a:t>
             </a:r>
-            <a:endParaRPr lang="en-US"/>
           </a:p>
         </p:txBody>
       </p:sp>
@@ -19511,7 +18750,7 @@
   <p:clrMapOvr>
     <a:masterClrMapping/>
   </p:clrMapOvr>
-  <p:transition xmlns:p14="http://schemas.microsoft.com/office/powerpoint/2010/main" spd="med">
+  <p:transition spd="med">
     <p:wipe dir="r"/>
   </p:transition>
 </p:sld>
@@ -19550,10 +18789,9 @@
           <a:lstStyle/>
           <a:p>
             <a:r>
-              <a:rPr lang="en-US" dirty="0" smtClean="0"/>
+              <a:rPr lang="en-US" dirty="0"/>
               <a:t>Aspects of secure systems programming</a:t>
             </a:r>
-            <a:endParaRPr lang="en-US" dirty="0"/>
           </a:p>
         </p:txBody>
       </p:sp>
@@ -19576,51 +18814,32 @@
               <a:rPr lang="en-GB" dirty="0"/>
               <a:t>Vulnerabilities are often language-specific. </a:t>
             </a:r>
-            <a:endParaRPr lang="en-GB" dirty="0" smtClean="0"/>
           </a:p>
           <a:p>
             <a:pPr lvl="1"/>
             <a:r>
-              <a:rPr lang="en-GB" dirty="0" smtClean="0"/>
-              <a:t>Array </a:t>
-            </a:r>
-            <a:r>
               <a:rPr lang="en-GB" dirty="0"/>
-              <a:t>bound checking is automatic in languages like Java so this is not a vulnerability that can be exploited in Java programs. </a:t>
-            </a:r>
-            <a:endParaRPr lang="en-GB" dirty="0" smtClean="0"/>
+              <a:t>Array bound checking is automatic in languages like Java so this is not a vulnerability that can be exploited in Java programs. </a:t>
+            </a:r>
           </a:p>
           <a:p>
             <a:pPr lvl="1"/>
             <a:r>
-              <a:rPr lang="en-GB" dirty="0" smtClean="0"/>
-              <a:t>However</a:t>
-            </a:r>
-            <a:r>
               <a:rPr lang="en-GB" dirty="0"/>
-              <a:t>, millions of programs are written in C and C++ as these allow for the development of more efficient software so simply avoiding the use of these languages is not a realistic option.</a:t>
-            </a:r>
-          </a:p>
-          <a:p>
-            <a:r>
-              <a:rPr lang="en-GB" dirty="0" smtClean="0"/>
-              <a:t>Security </a:t>
-            </a:r>
+              <a:t>However, millions of programs are written in C and C++ as these allow for the development of more efficient software so simply avoiding the use of these languages is not a realistic option.</a:t>
+            </a:r>
+          </a:p>
+          <a:p>
             <a:r>
               <a:rPr lang="en-GB" dirty="0"/>
-              <a:t>vulnerabilities are closely related to program reliability. </a:t>
-            </a:r>
-            <a:endParaRPr lang="en-GB" dirty="0" smtClean="0"/>
+              <a:t>Security vulnerabilities are closely related to program reliability. </a:t>
+            </a:r>
           </a:p>
           <a:p>
             <a:pPr lvl="1"/>
             <a:r>
-              <a:rPr lang="en-GB" dirty="0" smtClean="0"/>
-              <a:t>Programs without array bound checking can crash </a:t>
-            </a:r>
-            <a:r>
               <a:rPr lang="en-GB" dirty="0"/>
-              <a:t>so actions taken to improve program reliability can also improve system security. </a:t>
+              <a:t>Programs without array bound checking can crash so actions taken to improve program reliability can also improve system security. </a:t>
             </a:r>
           </a:p>
           <a:p>
@@ -19644,7 +18863,7 @@
           <a:lstStyle/>
           <a:p>
             <a:r>
-              <a:rPr lang="en-GB" smtClean="0"/>
+              <a:rPr lang="en-GB"/>
               <a:t>12/11/2014</a:t>
             </a:r>
             <a:endParaRPr lang="en-US"/>
@@ -19667,10 +18886,9 @@
           <a:lstStyle/>
           <a:p>
             <a:r>
-              <a:rPr lang="en-US" smtClean="0"/>
+              <a:rPr lang="en-US"/>
               <a:t>Chapter 13 Security Engineering</a:t>
             </a:r>
-            <a:endParaRPr lang="en-US"/>
           </a:p>
         </p:txBody>
       </p:sp>
@@ -19708,7 +18926,7 @@
   <p:clrMapOvr>
     <a:masterClrMapping/>
   </p:clrMapOvr>
-  <p:transition xmlns:p14="http://schemas.microsoft.com/office/powerpoint/2010/main" spd="med">
+  <p:transition spd="med">
     <p:wipe dir="r"/>
   </p:transition>
 </p:sld>
@@ -19747,10 +18965,9 @@
           <a:lstStyle/>
           <a:p>
             <a:r>
-              <a:rPr lang="en-US" dirty="0" smtClean="0"/>
+              <a:rPr lang="en-US" dirty="0"/>
               <a:t>Dependable programming guidelines</a:t>
             </a:r>
-            <a:endParaRPr lang="en-US" dirty="0"/>
           </a:p>
         </p:txBody>
       </p:sp>
@@ -19770,7 +18987,7 @@
           <a:lstStyle/>
           <a:p>
             <a:r>
-              <a:rPr lang="en-GB" smtClean="0"/>
+              <a:rPr lang="en-GB"/>
               <a:t>12/11/2014</a:t>
             </a:r>
             <a:endParaRPr lang="en-US"/>
@@ -19793,10 +19010,9 @@
           <a:lstStyle/>
           <a:p>
             <a:r>
-              <a:rPr lang="en-US" smtClean="0"/>
+              <a:rPr lang="en-US"/>
               <a:t>Chapter 13 Security Engineering</a:t>
             </a:r>
-            <a:endParaRPr lang="en-US"/>
           </a:p>
         </p:txBody>
       </p:sp>
@@ -19849,8 +19065,20 @@
                 <a:tableStyleId>{69CF1AB2-1976-4502-BF36-3FF5EA218861}</a:tableStyleId>
               </a:tblPr>
               <a:tblGrid>
-                <a:gridCol w="6572436"/>
-                <a:gridCol w="232502"/>
+                <a:gridCol w="6572436">
+                  <a:extLst>
+                    <a:ext uri="{9D8B030D-6E8A-4147-A177-3AD203B41FA5}">
+                      <a16:colId xmlns:a16="http://schemas.microsoft.com/office/drawing/2014/main" val="20000"/>
+                    </a:ext>
+                  </a:extLst>
+                </a:gridCol>
+                <a:gridCol w="232502">
+                  <a:extLst>
+                    <a:ext uri="{9D8B030D-6E8A-4147-A177-3AD203B41FA5}">
+                      <a16:colId xmlns:a16="http://schemas.microsoft.com/office/drawing/2014/main" val="20001"/>
+                    </a:ext>
+                  </a:extLst>
+                </a:gridCol>
               </a:tblGrid>
               <a:tr h="3606191">
                 <a:tc>
@@ -19859,58 +19087,58 @@
                     <a:lstStyle/>
                     <a:p>
                       <a:r>
-                        <a:rPr lang="en-GB" sz="1800" kern="1200" dirty="0" smtClean="0"/>
+                        <a:rPr lang="en-GB" sz="1800" kern="1200" dirty="0"/>
                         <a:t>Dependable programming guidelines</a:t>
                       </a:r>
                     </a:p>
                     <a:p>
-                      <a:endParaRPr lang="en-GB" sz="1800" kern="1200" dirty="0" smtClean="0"/>
+                      <a:endParaRPr lang="en-GB" sz="1800" kern="1200" dirty="0"/>
                     </a:p>
                     <a:p>
                       <a:r>
-                        <a:rPr lang="en-GB" sz="1800" kern="1200" dirty="0" smtClean="0"/>
+                        <a:rPr lang="en-GB" sz="1800" kern="1200" dirty="0"/>
                         <a:t>1.	Limit the visibility of information in a program</a:t>
                       </a:r>
                     </a:p>
                     <a:p>
                       <a:r>
-                        <a:rPr lang="en-GB" sz="1800" kern="1200" dirty="0" smtClean="0"/>
+                        <a:rPr lang="en-GB" sz="1800" kern="1200" dirty="0"/>
                         <a:t>2.	Check all inputs for validity</a:t>
                       </a:r>
                     </a:p>
                     <a:p>
                       <a:r>
-                        <a:rPr lang="en-GB" sz="1800" kern="1200" dirty="0" smtClean="0"/>
+                        <a:rPr lang="en-GB" sz="1800" kern="1200" dirty="0"/>
                         <a:t>3.	Provide a handler for all exceptions</a:t>
                       </a:r>
                     </a:p>
                     <a:p>
                       <a:r>
-                        <a:rPr lang="en-GB" sz="1800" kern="1200" dirty="0" smtClean="0"/>
+                        <a:rPr lang="en-GB" sz="1800" kern="1200" dirty="0"/>
                         <a:t>4.	Minimize the use of error-prone constructs</a:t>
                       </a:r>
                     </a:p>
                     <a:p>
                       <a:r>
-                        <a:rPr lang="en-GB" sz="1800" kern="1200" dirty="0" smtClean="0"/>
+                        <a:rPr lang="en-GB" sz="1800" kern="1200" dirty="0"/>
                         <a:t>5.	Provide restart capabilities</a:t>
                       </a:r>
                     </a:p>
                     <a:p>
                       <a:r>
-                        <a:rPr lang="en-GB" sz="1800" kern="1200" dirty="0" smtClean="0"/>
+                        <a:rPr lang="en-GB" sz="1800" kern="1200" dirty="0"/>
                         <a:t>6.	Check array bounds</a:t>
                       </a:r>
                     </a:p>
                     <a:p>
                       <a:r>
-                        <a:rPr lang="en-GB" sz="1800" kern="1200" dirty="0" smtClean="0"/>
+                        <a:rPr lang="en-GB" sz="1800" kern="1200" dirty="0"/>
                         <a:t>7.	Include timeouts when calling external components</a:t>
                       </a:r>
                     </a:p>
                     <a:p>
                       <a:r>
-                        <a:rPr lang="en-GB" sz="1800" kern="1200" dirty="0" smtClean="0"/>
+                        <a:rPr lang="en-GB" sz="1800" kern="1200" dirty="0"/>
                         <a:t>8.	Name all constants that represent real-world values</a:t>
                       </a:r>
                     </a:p>
@@ -19937,6 +19165,11 @@
                   </a:txBody>
                   <a:tcPr/>
                 </a:tc>
+                <a:extLst>
+                  <a:ext uri="{0D108BD9-81ED-4DB2-BD59-A6C34878D82A}">
+                    <a16:rowId xmlns:a16="http://schemas.microsoft.com/office/drawing/2014/main" val="10000"/>
+                  </a:ext>
+                </a:extLst>
               </a:tr>
             </a:tbl>
           </a:graphicData>
@@ -19952,7 +19185,7 @@
   <p:clrMapOvr>
     <a:masterClrMapping/>
   </p:clrMapOvr>
-  <p:transition xmlns:p14="http://schemas.microsoft.com/office/powerpoint/2010/main" spd="med">
+  <p:transition spd="med">
     <p:wipe dir="r"/>
   </p:transition>
 </p:sld>
@@ -19997,10 +19230,9 @@
           <a:p>
             <a:pPr algn="ctr"/>
             <a:r>
-              <a:rPr lang="en-US" dirty="0" smtClean="0"/>
+              <a:rPr lang="en-US" dirty="0"/>
               <a:t>Security testing and assurance</a:t>
             </a:r>
-            <a:endParaRPr lang="en-US" dirty="0"/>
           </a:p>
         </p:txBody>
       </p:sp>
@@ -20020,7 +19252,7 @@
           <a:lstStyle/>
           <a:p>
             <a:r>
-              <a:rPr lang="en-GB" smtClean="0"/>
+              <a:rPr lang="en-GB"/>
               <a:t>12/11/2014</a:t>
             </a:r>
             <a:endParaRPr lang="en-US"/>
@@ -20043,10 +19275,9 @@
           <a:lstStyle/>
           <a:p>
             <a:r>
-              <a:rPr lang="en-US" smtClean="0"/>
+              <a:rPr lang="en-US"/>
               <a:t>Chapter 13 Security Engineering</a:t>
             </a:r>
-            <a:endParaRPr lang="en-US"/>
           </a:p>
         </p:txBody>
       </p:sp>
@@ -20084,7 +19315,7 @@
   <p:clrMapOvr>
     <a:masterClrMapping/>
   </p:clrMapOvr>
-  <p:transition xmlns:p14="http://schemas.microsoft.com/office/powerpoint/2010/main" spd="med">
+  <p:transition spd="med">
     <p:wipe dir="r"/>
   </p:transition>
 </p:sld>
@@ -20124,13 +19355,8 @@
           <a:p>
             <a:r>
               <a:rPr lang="en-GB" dirty="0"/>
-              <a:t>Security</a:t>
-            </a:r>
-            <a:r>
-              <a:rPr lang="en-GB" dirty="0" smtClean="0"/>
-              <a:t> testing</a:t>
-            </a:r>
-            <a:endParaRPr lang="en-GB" dirty="0"/>
+              <a:t>Security testing</a:t>
+            </a:r>
           </a:p>
         </p:txBody>
       </p:sp>
@@ -20155,11 +19381,11 @@
               </a:lnSpc>
             </a:pPr>
             <a:r>
-              <a:rPr lang="en-GB" sz="2400" dirty="0" smtClean="0"/>
+              <a:rPr lang="en-GB" sz="2400" dirty="0"/>
               <a:t>Testing the extent to which the system can protect itse</a:t>
             </a:r>
             <a:r>
-              <a:rPr lang="en-GB" dirty="0" smtClean="0"/>
+              <a:rPr lang="en-GB" dirty="0"/>
               <a:t>lf from external attacks.</a:t>
             </a:r>
           </a:p>
@@ -20170,7 +19396,7 @@
               </a:lnSpc>
             </a:pPr>
             <a:r>
-              <a:rPr lang="en-GB" sz="2000" dirty="0" smtClean="0"/>
+              <a:rPr lang="en-GB" sz="2000" dirty="0"/>
               <a:t>Problems with security testing</a:t>
             </a:r>
           </a:p>
@@ -20181,7 +19407,7 @@
               </a:lnSpc>
             </a:pPr>
             <a:r>
-              <a:rPr lang="en-GB" dirty="0" smtClean="0"/>
+              <a:rPr lang="en-GB" dirty="0"/>
               <a:t>Security requirements are ‘shall not’ requirements i.e. they specify what should not happen. It is not usually possible to define security requirements as simple constraints that can be checked by the system.</a:t>
             </a:r>
           </a:p>
@@ -20192,14 +19418,9 @@
               </a:lnSpc>
             </a:pPr>
             <a:r>
-              <a:rPr lang="en-GB" dirty="0" smtClean="0"/>
-              <a:t>The people attacking a system are intelligent and look for vulnerabilities. They can experiment to discover weaknesses and loopholes in the system</a:t>
-            </a:r>
-            <a:r>
-              <a:rPr lang="en-GB" dirty="0" smtClean="0"/>
-              <a:t>.</a:t>
-            </a:r>
-            <a:endParaRPr lang="en-GB" dirty="0" smtClean="0"/>
+              <a:rPr lang="en-GB" dirty="0"/>
+              <a:t>The people attacking a system are intelligent and look for vulnerabilities. They can experiment to discover weaknesses and loopholes in the system.</a:t>
+            </a:r>
           </a:p>
         </p:txBody>
       </p:sp>
@@ -20243,10 +19464,9 @@
           <a:lstStyle/>
           <a:p>
             <a:r>
-              <a:rPr lang="en-US" smtClean="0"/>
+              <a:rPr lang="en-US"/>
               <a:t>Chapter 13 Security Engineering</a:t>
             </a:r>
-            <a:endParaRPr lang="en-US"/>
           </a:p>
         </p:txBody>
       </p:sp>
@@ -20266,7 +19486,7 @@
           <a:lstStyle/>
           <a:p>
             <a:r>
-              <a:rPr lang="en-GB" smtClean="0"/>
+              <a:rPr lang="en-GB"/>
               <a:t>12/11/2014</a:t>
             </a:r>
             <a:endParaRPr lang="en-US"/>
@@ -20283,7 +19503,7 @@
   <p:clrMapOvr>
     <a:masterClrMapping/>
   </p:clrMapOvr>
-  <p:transition xmlns:p14="http://schemas.microsoft.com/office/powerpoint/2010/main" spd="med">
+  <p:transition spd="med">
     <p:wipe dir="r"/>
   </p:transition>
 </p:sld>
@@ -20350,13 +19570,8 @@
             </a:pPr>
             <a:r>
               <a:rPr lang="en-GB" sz="2400" dirty="0"/>
-              <a:t>Experience-based </a:t>
-            </a:r>
-            <a:r>
-              <a:rPr lang="en-GB" sz="2400" dirty="0" smtClean="0"/>
-              <a:t>testing</a:t>
-            </a:r>
-            <a:endParaRPr lang="en-GB" sz="2400" dirty="0"/>
+              <a:t>Experience-based testing</a:t>
+            </a:r>
           </a:p>
           <a:p>
             <a:pPr lvl="1">
@@ -20368,7 +19583,6 @@
               <a:rPr lang="en-GB" sz="2000" dirty="0"/>
               <a:t>The system is reviewed and analysed against the types of attack that are known to the validation team.</a:t>
             </a:r>
-            <a:endParaRPr lang="en-GB" sz="2000" dirty="0" smtClean="0"/>
           </a:p>
           <a:p>
             <a:pPr>
@@ -20377,10 +19591,9 @@
               </a:lnSpc>
             </a:pPr>
             <a:r>
-              <a:rPr lang="en-GB" dirty="0" smtClean="0"/>
+              <a:rPr lang="en-GB" dirty="0"/>
               <a:t>Penetration testing</a:t>
             </a:r>
-            <a:endParaRPr lang="en-GB" dirty="0" smtClean="0"/>
           </a:p>
           <a:p>
             <a:pPr lvl="1">
@@ -20389,7 +19602,7 @@
               </a:lnSpc>
             </a:pPr>
             <a:r>
-              <a:rPr lang="en-GB" dirty="0" smtClean="0"/>
+              <a:rPr lang="en-GB" dirty="0"/>
               <a:t>A team is established whose goal is to breach the security of the system by simulating attacks on the system.</a:t>
             </a:r>
           </a:p>
@@ -20400,18 +19613,9 @@
               </a:lnSpc>
             </a:pPr>
             <a:r>
-              <a:rPr lang="en-GB" sz="2400" dirty="0" smtClean="0"/>
-              <a:t>Tool</a:t>
-            </a:r>
-            <a:r>
               <a:rPr lang="en-GB" sz="2400" dirty="0"/>
-              <a:t>-based </a:t>
-            </a:r>
-            <a:r>
-              <a:rPr lang="en-GB" sz="2400" dirty="0" smtClean="0"/>
-              <a:t>analysis</a:t>
-            </a:r>
-            <a:endParaRPr lang="en-GB" sz="2400" dirty="0"/>
+              <a:t>Tool-based analysis</a:t>
+            </a:r>
           </a:p>
           <a:p>
             <a:pPr lvl="1">
@@ -20423,7 +19627,6 @@
               <a:rPr lang="en-GB" sz="2000" dirty="0"/>
               <a:t>Various security tools such as password checkers are used to analyse the system in operation.</a:t>
             </a:r>
-            <a:endParaRPr lang="en-GB" sz="2000" dirty="0" smtClean="0"/>
           </a:p>
           <a:p>
             <a:pPr>
@@ -20432,12 +19635,8 @@
               </a:lnSpc>
             </a:pPr>
             <a:r>
-              <a:rPr lang="en-GB" sz="2400" dirty="0" smtClean="0"/>
-              <a:t>Formal </a:t>
-            </a:r>
-            <a:r>
               <a:rPr lang="en-GB" sz="2400" dirty="0"/>
-              <a:t>verification</a:t>
+              <a:t>Formal verification</a:t>
             </a:r>
           </a:p>
           <a:p>
@@ -20493,10 +19692,9 @@
           <a:lstStyle/>
           <a:p>
             <a:r>
-              <a:rPr lang="en-US" smtClean="0"/>
+              <a:rPr lang="en-US"/>
               <a:t>Chapter 13 Security Engineering</a:t>
             </a:r>
-            <a:endParaRPr lang="en-US"/>
           </a:p>
         </p:txBody>
       </p:sp>
@@ -20516,7 +19714,7 @@
           <a:lstStyle/>
           <a:p>
             <a:r>
-              <a:rPr lang="en-GB" smtClean="0"/>
+              <a:rPr lang="en-GB"/>
               <a:t>12/11/2014</a:t>
             </a:r>
             <a:endParaRPr lang="en-US"/>
@@ -20533,7 +19731,7 @@
   <p:clrMapOvr>
     <a:masterClrMapping/>
   </p:clrMapOvr>
-  <p:transition xmlns:p14="http://schemas.microsoft.com/office/powerpoint/2010/main" spd="med">
+  <p:transition spd="med">
     <p:wipe dir="r"/>
   </p:transition>
 </p:sld>
@@ -20647,13 +19845,8 @@
           <a:p>
             <a:r>
               <a:rPr lang="en-US" dirty="0"/>
-              <a:t>The focus of this chapter is application </a:t>
-            </a:r>
-            <a:r>
-              <a:rPr lang="en-US" dirty="0" smtClean="0"/>
-              <a:t>security rather than infrastructure security.</a:t>
-            </a:r>
-            <a:endParaRPr lang="en-US" dirty="0"/>
+              <a:t>The focus of this chapter is application security rather than infrastructure security.</a:t>
+            </a:r>
           </a:p>
         </p:txBody>
       </p:sp>
@@ -20673,10 +19866,9 @@
           <a:lstStyle/>
           <a:p>
             <a:r>
-              <a:rPr lang="en-US" smtClean="0"/>
+              <a:rPr lang="en-US"/>
               <a:t>Chapter 13 Security Engineering</a:t>
             </a:r>
-            <a:endParaRPr lang="en-US"/>
           </a:p>
         </p:txBody>
       </p:sp>
@@ -20720,7 +19912,7 @@
           <a:lstStyle/>
           <a:p>
             <a:r>
-              <a:rPr lang="en-GB" smtClean="0"/>
+              <a:rPr lang="en-GB"/>
               <a:t>12/11/2014</a:t>
             </a:r>
             <a:endParaRPr lang="en-US"/>
@@ -20732,16 +19924,9 @@
   <p:clrMapOvr>
     <a:masterClrMapping/>
   </p:clrMapOvr>
-  <p:transition xmlns:p14="http://schemas.microsoft.com/office/powerpoint/2010/main" spd="med">
+  <p:transition spd="med">
     <p:wipe dir="r"/>
   </p:transition>
-  <p:timing>
-    <p:tnLst>
-      <p:par>
-        <p:cTn xmlns:p14="http://schemas.microsoft.com/office/powerpoint/2010/main" id="1" dur="indefinite" restart="never" nodeType="tmRoot"/>
-      </p:par>
-    </p:tnLst>
-  </p:timing>
 </p:sld>
 </file>
 
@@ -20778,15 +19963,11 @@
           <a:lstStyle/>
           <a:p>
             <a:r>
-              <a:rPr lang="en-US" dirty="0" smtClean="0"/>
-              <a:t>Examples </a:t>
-            </a:r>
-            <a:r>
               <a:rPr lang="en-US" dirty="0"/>
-              <a:t>of entries in a security checklist</a:t>
-            </a:r>
-            <a:r>
-              <a:rPr lang="en-GB" dirty="0" smtClean="0"/>
+              <a:t>Examples of entries in a security checklist</a:t>
+            </a:r>
+            <a:r>
+              <a:rPr lang="en-GB" dirty="0"/>
               <a:t> </a:t>
             </a:r>
             <a:endParaRPr lang="en-US" dirty="0"/>
@@ -20831,7 +20012,7 @@
               </a:rPr>
               <a:t>Security checklist</a:t>
             </a:r>
-            <a:endParaRPr lang="en-GB" sz="1600" dirty="0" smtClean="0">
+            <a:endParaRPr lang="en-GB" sz="1600" dirty="0">
               <a:latin typeface="Arial"/>
               <a:cs typeface="Arial"/>
             </a:endParaRPr>
@@ -20843,18 +20024,11 @@
               </a:spcAft>
             </a:pPr>
             <a:r>
-              <a:rPr lang="en-GB" sz="1600" dirty="0" smtClean="0">
-                <a:latin typeface="Arial"/>
-                <a:cs typeface="Arial"/>
-              </a:rPr>
-              <a:t>1</a:t>
-            </a:r>
-            <a:r>
               <a:rPr lang="en-GB" sz="1600" dirty="0">
                 <a:latin typeface="Arial"/>
                 <a:cs typeface="Arial"/>
               </a:rPr>
-              <a:t>. Do all files that are created in the application have appropriate access permissions? The wrong access permissions may lead to these files being accessed by unauthorized users.</a:t>
+              <a:t>1. Do all files that are created in the application have appropriate access permissions? The wrong access permissions may lead to these files being accessed by unauthorized users.</a:t>
             </a:r>
           </a:p>
           <a:p>
@@ -20922,19 +20096,8 @@
                 <a:latin typeface="Arial"/>
                 <a:cs typeface="Arial"/>
               </a:rPr>
-              <a:t>5. Are inputs from the system’s environment always checked against an input specification? Incorrect processing of badly formed inputs is a common cause of security vulnerabilities</a:t>
-            </a:r>
-            <a:r>
-              <a:rPr lang="en-US" sz="1600" dirty="0" smtClean="0">
-                <a:latin typeface="Arial"/>
-                <a:cs typeface="Arial"/>
-              </a:rPr>
-              <a:t>.</a:t>
-            </a:r>
-            <a:endParaRPr lang="en-US" sz="1600" dirty="0">
-              <a:latin typeface="Arial"/>
-              <a:cs typeface="Arial"/>
-            </a:endParaRPr>
+              <a:t>5. Are inputs from the system’s environment always checked against an input specification? Incorrect processing of badly formed inputs is a common cause of security vulnerabilities.</a:t>
+            </a:r>
           </a:p>
         </p:txBody>
       </p:sp>
@@ -20978,10 +20141,9 @@
           <a:lstStyle/>
           <a:p>
             <a:r>
-              <a:rPr lang="en-US" smtClean="0"/>
+              <a:rPr lang="en-US"/>
               <a:t>Chapter 13 Security Engineering</a:t>
             </a:r>
-            <a:endParaRPr lang="en-US"/>
           </a:p>
         </p:txBody>
       </p:sp>
@@ -21001,7 +20163,7 @@
           <a:lstStyle/>
           <a:p>
             <a:r>
-              <a:rPr lang="en-GB" smtClean="0"/>
+              <a:rPr lang="en-GB"/>
               <a:t>12/11/2014</a:t>
             </a:r>
             <a:endParaRPr lang="en-US"/>
@@ -21018,7 +20180,7 @@
   <p:clrMapOvr>
     <a:masterClrMapping/>
   </p:clrMapOvr>
-  <p:transition xmlns:p14="http://schemas.microsoft.com/office/powerpoint/2010/main" spd="med">
+  <p:transition spd="med">
     <p:wipe dir="r"/>
   </p:transition>
 </p:sld>
@@ -21128,10 +20290,9 @@
           <a:lstStyle/>
           <a:p>
             <a:r>
-              <a:rPr lang="en-US" smtClean="0"/>
+              <a:rPr lang="en-US"/>
               <a:t>Chapter 13 Security Engineering</a:t>
             </a:r>
-            <a:endParaRPr lang="en-US"/>
           </a:p>
         </p:txBody>
       </p:sp>
@@ -21175,7 +20336,7 @@
           <a:lstStyle/>
           <a:p>
             <a:r>
-              <a:rPr lang="en-GB" smtClean="0"/>
+              <a:rPr lang="en-GB"/>
               <a:t>12/11/2014</a:t>
             </a:r>
             <a:endParaRPr lang="en-US"/>
@@ -21192,16 +20353,9 @@
   <p:clrMapOvr>
     <a:masterClrMapping/>
   </p:clrMapOvr>
-  <p:transition xmlns:p14="http://schemas.microsoft.com/office/powerpoint/2010/main" spd="med">
+  <p:transition spd="med">
     <p:wipe dir="r"/>
   </p:transition>
-  <p:timing>
-    <p:tnLst>
-      <p:par>
-        <p:cTn xmlns:p14="http://schemas.microsoft.com/office/powerpoint/2010/main" id="1" dur="indefinite" restart="never" nodeType="tmRoot"/>
-      </p:par>
-    </p:tnLst>
-  </p:timing>
 </p:sld>
 </file>
 
@@ -21275,15 +20429,7 @@
           <a:p>
             <a:r>
               <a:rPr lang="en-US" dirty="0"/>
-              <a:t>Security validation is difficult because security requirements state what should not happen in a system, rather than what should. Furthermore, system attackers are intelligent and may have </a:t>
-            </a:r>
-            <a:r>
-              <a:rPr lang="en-US" dirty="0" smtClean="0"/>
-              <a:t>more time </a:t>
-            </a:r>
-            <a:r>
-              <a:rPr lang="en-US" dirty="0"/>
-              <a:t>to probe for weaknesses than is available for security testing.</a:t>
+              <a:t>Security validation is difficult because security requirements state what should not happen in a system, rather than what should. Furthermore, system attackers are intelligent and may have more time to probe for weaknesses than is available for security testing.</a:t>
             </a:r>
             <a:r>
               <a:rPr lang="en-GB" dirty="0"/>
@@ -21309,10 +20455,9 @@
           <a:lstStyle/>
           <a:p>
             <a:r>
-              <a:rPr lang="en-US" smtClean="0"/>
+              <a:rPr lang="en-US"/>
               <a:t>Chapter 13 Security Engineering</a:t>
             </a:r>
-            <a:endParaRPr lang="en-US"/>
           </a:p>
         </p:txBody>
       </p:sp>
@@ -21356,7 +20501,7 @@
           <a:lstStyle/>
           <a:p>
             <a:r>
-              <a:rPr lang="en-GB" smtClean="0"/>
+              <a:rPr lang="en-GB"/>
               <a:t>12/11/2014</a:t>
             </a:r>
             <a:endParaRPr lang="en-US"/>
@@ -21368,16 +20513,9 @@
   <p:clrMapOvr>
     <a:masterClrMapping/>
   </p:clrMapOvr>
-  <p:transition xmlns:p14="http://schemas.microsoft.com/office/powerpoint/2010/main" spd="med">
+  <p:transition spd="med">
     <p:wipe dir="r"/>
   </p:transition>
-  <p:timing>
-    <p:tnLst>
-      <p:par>
-        <p:cTn xmlns:p14="http://schemas.microsoft.com/office/powerpoint/2010/main" id="1" dur="indefinite" restart="never" nodeType="tmRoot"/>
-      </p:par>
-    </p:tnLst>
-  </p:timing>
 </p:sld>
 </file>
 
@@ -21414,10 +20552,9 @@
           <a:lstStyle/>
           <a:p>
             <a:r>
-              <a:rPr lang="en-US" dirty="0" smtClean="0"/>
+              <a:rPr lang="en-US" dirty="0"/>
               <a:t>System security management</a:t>
             </a:r>
-            <a:endParaRPr lang="en-US" dirty="0"/>
           </a:p>
         </p:txBody>
       </p:sp>
@@ -21437,40 +20574,40 @@
           <a:lstStyle/>
           <a:p>
             <a:r>
-              <a:rPr lang="en-US" dirty="0" smtClean="0"/>
+              <a:rPr lang="en-US" dirty="0"/>
               <a:t>User and permission management</a:t>
             </a:r>
           </a:p>
           <a:p>
             <a:pPr lvl="1"/>
             <a:r>
-              <a:rPr lang="en-US" dirty="0" smtClean="0"/>
+              <a:rPr lang="en-US" dirty="0"/>
               <a:t>Adding and removing users from the system and setting up appropriate permissions for users</a:t>
             </a:r>
           </a:p>
           <a:p>
             <a:r>
-              <a:rPr lang="en-US" dirty="0" smtClean="0"/>
+              <a:rPr lang="en-US" dirty="0"/>
               <a:t>Software deployment and maintenance</a:t>
             </a:r>
           </a:p>
           <a:p>
             <a:pPr lvl="1"/>
             <a:r>
-              <a:rPr lang="en-US" dirty="0" smtClean="0"/>
+              <a:rPr lang="en-US" dirty="0"/>
               <a:t>Installing application software and middleware and configuring these systems so that vulnerabilities are avoided.</a:t>
             </a:r>
           </a:p>
           <a:p>
             <a:r>
-              <a:rPr lang="en-US" dirty="0" smtClean="0"/>
+              <a:rPr lang="en-US" dirty="0"/>
               <a:t>Attack monitoring, detection and recovery</a:t>
             </a:r>
           </a:p>
           <a:p>
             <a:pPr lvl="1"/>
             <a:r>
-              <a:rPr lang="en-US" dirty="0" smtClean="0"/>
+              <a:rPr lang="en-US" dirty="0"/>
               <a:t>Monitoring the system for unauthorized access, design strategies for resisting attacks and develop backup and recovery strategies.</a:t>
             </a:r>
           </a:p>
@@ -21492,10 +20629,9 @@
           <a:lstStyle/>
           <a:p>
             <a:r>
-              <a:rPr lang="en-US" smtClean="0"/>
+              <a:rPr lang="en-US"/>
               <a:t>Chapter 13 Security Engineering</a:t>
             </a:r>
-            <a:endParaRPr lang="en-US"/>
           </a:p>
         </p:txBody>
       </p:sp>
@@ -21539,7 +20675,7 @@
           <a:lstStyle/>
           <a:p>
             <a:r>
-              <a:rPr lang="en-GB" smtClean="0"/>
+              <a:rPr lang="en-GB"/>
               <a:t>12/11/2014</a:t>
             </a:r>
             <a:endParaRPr lang="en-US"/>
@@ -21551,7 +20687,7 @@
   <p:clrMapOvr>
     <a:masterClrMapping/>
   </p:clrMapOvr>
-  <p:transition xmlns:p14="http://schemas.microsoft.com/office/powerpoint/2010/main" spd="med">
+  <p:transition spd="med">
     <p:wipe dir="r"/>
   </p:transition>
 </p:sld>
@@ -21590,10 +20726,9 @@
           <a:lstStyle/>
           <a:p>
             <a:r>
-              <a:rPr lang="en-US" dirty="0" smtClean="0"/>
+              <a:rPr lang="en-US" dirty="0"/>
               <a:t>Operational security</a:t>
             </a:r>
-            <a:endParaRPr lang="en-US" dirty="0"/>
           </a:p>
         </p:txBody>
       </p:sp>
@@ -21613,35 +20748,34 @@
           <a:lstStyle/>
           <a:p>
             <a:r>
-              <a:rPr lang="en-US" dirty="0" smtClean="0"/>
+              <a:rPr lang="en-US" dirty="0"/>
               <a:t>Primarily a human and social issue</a:t>
             </a:r>
           </a:p>
           <a:p>
             <a:r>
-              <a:rPr lang="en-US" dirty="0" smtClean="0"/>
+              <a:rPr lang="en-US" dirty="0"/>
               <a:t>Concerned with ensuring the people do not take actions that may compromise system security</a:t>
             </a:r>
           </a:p>
           <a:p>
             <a:pPr lvl="1"/>
             <a:r>
-              <a:rPr lang="en-US" dirty="0" smtClean="0"/>
+              <a:rPr lang="en-US" dirty="0"/>
               <a:t>E.g. Tell others passwords, leave computers logged on</a:t>
             </a:r>
           </a:p>
           <a:p>
             <a:r>
-              <a:rPr lang="en-US" dirty="0" smtClean="0"/>
+              <a:rPr lang="en-US" dirty="0"/>
               <a:t>Users sometimes take insecure actions to make it easier for them to do their jobs</a:t>
             </a:r>
           </a:p>
           <a:p>
             <a:r>
-              <a:rPr lang="en-US" dirty="0" smtClean="0"/>
+              <a:rPr lang="en-US" dirty="0"/>
               <a:t>There is therefore a trade-off between system security and system effectiveness.</a:t>
             </a:r>
-            <a:endParaRPr lang="en-US" dirty="0"/>
           </a:p>
         </p:txBody>
       </p:sp>
@@ -21661,7 +20795,7 @@
           <a:lstStyle/>
           <a:p>
             <a:r>
-              <a:rPr lang="en-GB" smtClean="0"/>
+              <a:rPr lang="en-GB"/>
               <a:t>12/11/2014</a:t>
             </a:r>
             <a:endParaRPr lang="en-US"/>
@@ -21684,10 +20818,9 @@
           <a:lstStyle/>
           <a:p>
             <a:r>
-              <a:rPr lang="en-US" smtClean="0"/>
+              <a:rPr lang="en-US"/>
               <a:t>Chapter 13 Security Engineering</a:t>
             </a:r>
-            <a:endParaRPr lang="en-US"/>
           </a:p>
         </p:txBody>
       </p:sp>
@@ -21725,7 +20858,7 @@
   <p:clrMapOvr>
     <a:masterClrMapping/>
   </p:clrMapOvr>
-  <p:transition xmlns:p14="http://schemas.microsoft.com/office/powerpoint/2010/main" spd="med">
+  <p:transition spd="med">
     <p:wipe dir="r"/>
   </p:transition>
 </p:sld>
